--- a/src/main/java/com/TheRPGAdventurer/ROTD/client/model/dragon/190706-DragonMountsDragonModel.pptx
+++ b/src/main/java/com/TheRPGAdventurer/ROTD/client/model/dragon/190706-DragonMountsDragonModel.pptx
@@ -9,8 +9,9 @@
     <p:sldId id="259" r:id="rId3"/>
     <p:sldId id="257" r:id="rId4"/>
     <p:sldId id="260" r:id="rId5"/>
-    <p:sldId id="261" r:id="rId6"/>
-    <p:sldId id="256" r:id="rId7"/>
+    <p:sldId id="263" r:id="rId6"/>
+    <p:sldId id="261" r:id="rId7"/>
+    <p:sldId id="256" r:id="rId8"/>
   </p:sldIdLst>
   <p:sldSz cx="12192000" cy="6858000"/>
   <p:notesSz cx="6858000" cy="9144000"/>
@@ -248,7 +249,7 @@
           <a:p>
             <a:fld id="{D519AFB3-3823-486A-94FF-77052D16F40D}" type="datetimeFigureOut">
               <a:rPr lang="en-AU" smtClean="0"/>
-              <a:t>9/07/2019</a:t>
+              <a:t>11/07/2019</a:t>
             </a:fld>
             <a:endParaRPr lang="en-AU"/>
           </a:p>
@@ -418,7 +419,7 @@
           <a:p>
             <a:fld id="{D519AFB3-3823-486A-94FF-77052D16F40D}" type="datetimeFigureOut">
               <a:rPr lang="en-AU" smtClean="0"/>
-              <a:t>9/07/2019</a:t>
+              <a:t>11/07/2019</a:t>
             </a:fld>
             <a:endParaRPr lang="en-AU"/>
           </a:p>
@@ -598,7 +599,7 @@
           <a:p>
             <a:fld id="{D519AFB3-3823-486A-94FF-77052D16F40D}" type="datetimeFigureOut">
               <a:rPr lang="en-AU" smtClean="0"/>
-              <a:t>9/07/2019</a:t>
+              <a:t>11/07/2019</a:t>
             </a:fld>
             <a:endParaRPr lang="en-AU"/>
           </a:p>
@@ -768,7 +769,7 @@
           <a:p>
             <a:fld id="{D519AFB3-3823-486A-94FF-77052D16F40D}" type="datetimeFigureOut">
               <a:rPr lang="en-AU" smtClean="0"/>
-              <a:t>9/07/2019</a:t>
+              <a:t>11/07/2019</a:t>
             </a:fld>
             <a:endParaRPr lang="en-AU"/>
           </a:p>
@@ -1014,7 +1015,7 @@
           <a:p>
             <a:fld id="{D519AFB3-3823-486A-94FF-77052D16F40D}" type="datetimeFigureOut">
               <a:rPr lang="en-AU" smtClean="0"/>
-              <a:t>9/07/2019</a:t>
+              <a:t>11/07/2019</a:t>
             </a:fld>
             <a:endParaRPr lang="en-AU"/>
           </a:p>
@@ -1246,7 +1247,7 @@
           <a:p>
             <a:fld id="{D519AFB3-3823-486A-94FF-77052D16F40D}" type="datetimeFigureOut">
               <a:rPr lang="en-AU" smtClean="0"/>
-              <a:t>9/07/2019</a:t>
+              <a:t>11/07/2019</a:t>
             </a:fld>
             <a:endParaRPr lang="en-AU"/>
           </a:p>
@@ -1613,7 +1614,7 @@
           <a:p>
             <a:fld id="{D519AFB3-3823-486A-94FF-77052D16F40D}" type="datetimeFigureOut">
               <a:rPr lang="en-AU" smtClean="0"/>
-              <a:t>9/07/2019</a:t>
+              <a:t>11/07/2019</a:t>
             </a:fld>
             <a:endParaRPr lang="en-AU"/>
           </a:p>
@@ -1731,7 +1732,7 @@
           <a:p>
             <a:fld id="{D519AFB3-3823-486A-94FF-77052D16F40D}" type="datetimeFigureOut">
               <a:rPr lang="en-AU" smtClean="0"/>
-              <a:t>9/07/2019</a:t>
+              <a:t>11/07/2019</a:t>
             </a:fld>
             <a:endParaRPr lang="en-AU"/>
           </a:p>
@@ -1826,7 +1827,7 @@
           <a:p>
             <a:fld id="{D519AFB3-3823-486A-94FF-77052D16F40D}" type="datetimeFigureOut">
               <a:rPr lang="en-AU" smtClean="0"/>
-              <a:t>9/07/2019</a:t>
+              <a:t>11/07/2019</a:t>
             </a:fld>
             <a:endParaRPr lang="en-AU"/>
           </a:p>
@@ -2103,7 +2104,7 @@
           <a:p>
             <a:fld id="{D519AFB3-3823-486A-94FF-77052D16F40D}" type="datetimeFigureOut">
               <a:rPr lang="en-AU" smtClean="0"/>
-              <a:t>9/07/2019</a:t>
+              <a:t>11/07/2019</a:t>
             </a:fld>
             <a:endParaRPr lang="en-AU"/>
           </a:p>
@@ -2356,7 +2357,7 @@
           <a:p>
             <a:fld id="{D519AFB3-3823-486A-94FF-77052D16F40D}" type="datetimeFigureOut">
               <a:rPr lang="en-AU" smtClean="0"/>
-              <a:t>9/07/2019</a:t>
+              <a:t>11/07/2019</a:t>
             </a:fld>
             <a:endParaRPr lang="en-AU"/>
           </a:p>
@@ -2569,7 +2570,7 @@
           <a:p>
             <a:fld id="{D519AFB3-3823-486A-94FF-77052D16F40D}" type="datetimeFigureOut">
               <a:rPr lang="en-AU" smtClean="0"/>
-              <a:t>9/07/2019</a:t>
+              <a:t>11/07/2019</a:t>
             </a:fld>
             <a:endParaRPr lang="en-AU"/>
           </a:p>
@@ -2982,7 +2983,7 @@
         </p:nvSpPr>
         <p:spPr>
           <a:xfrm>
-            <a:off x="217621" y="2489546"/>
+            <a:off x="217620" y="2481360"/>
             <a:ext cx="3614358" cy="1377025"/>
           </a:xfrm>
           <a:prstGeom prst="parallelogram">
@@ -3225,10 +3226,10 @@
         </p:nvGrpSpPr>
         <p:grpSpPr>
           <a:xfrm>
-            <a:off x="539464" y="688898"/>
-            <a:ext cx="3331369" cy="3889045"/>
-            <a:chOff x="4150463" y="3009106"/>
-            <a:chExt cx="1266994" cy="1479091"/>
+            <a:off x="2024798" y="341567"/>
+            <a:ext cx="1846034" cy="4236377"/>
+            <a:chOff x="4715369" y="2877008"/>
+            <a:chExt cx="702088" cy="1611189"/>
           </a:xfrm>
         </p:grpSpPr>
         <p:cxnSp>
@@ -3274,9 +3275,9 @@
             <p:nvPr/>
           </p:nvCxnSpPr>
           <p:spPr>
-            <a:xfrm flipH="1">
-              <a:off x="4244225" y="3298992"/>
-              <a:ext cx="487906" cy="484676"/>
+            <a:xfrm flipV="1">
+              <a:off x="4732131" y="2979460"/>
+              <a:ext cx="321661" cy="319532"/>
             </a:xfrm>
             <a:prstGeom prst="straightConnector1">
               <a:avLst/>
@@ -3412,7 +3413,7 @@
           </p:nvSpPr>
           <p:spPr>
             <a:xfrm>
-              <a:off x="4150463" y="3758580"/>
+              <a:off x="5072890" y="2877008"/>
               <a:ext cx="111080" cy="140465"/>
             </a:xfrm>
             <a:prstGeom prst="rect">
@@ -3474,7 +3475,7 @@
         <p:spPr>
           <a:xfrm>
             <a:off x="723778" y="332672"/>
-            <a:ext cx="933269" cy="369332"/>
+            <a:ext cx="978153" cy="369332"/>
           </a:xfrm>
           <a:prstGeom prst="rect">
             <a:avLst/>
@@ -3489,7 +3490,15 @@
           <a:p>
             <a:r>
               <a:rPr lang="en-AU" dirty="0" smtClean="0"/>
-              <a:t>[-8,0,-8]</a:t>
+              <a:t>[-8,0</a:t>
+            </a:r>
+            <a:r>
+              <a:rPr lang="en-AU" dirty="0" smtClean="0"/>
+              <a:t>,+8</a:t>
+            </a:r>
+            <a:r>
+              <a:rPr lang="en-AU" dirty="0" smtClean="0"/>
+              <a:t>]</a:t>
             </a:r>
             <a:endParaRPr lang="en-AU" dirty="0"/>
           </a:p>
@@ -3572,8 +3581,8 @@
         </p:nvCxnSpPr>
         <p:spPr>
           <a:xfrm flipH="1" flipV="1">
-            <a:off x="2278639" y="2794058"/>
-            <a:ext cx="1186869" cy="234799"/>
+            <a:off x="2278640" y="2794059"/>
+            <a:ext cx="1186868" cy="234798"/>
           </a:xfrm>
           <a:prstGeom prst="straightConnector1">
             <a:avLst/>
@@ -3641,7 +3650,7 @@
         <p:spPr>
           <a:xfrm>
             <a:off x="3465508" y="2844191"/>
-            <a:ext cx="909223" cy="369332"/>
+            <a:ext cx="979755" cy="369332"/>
           </a:xfrm>
           <a:prstGeom prst="rect">
             <a:avLst/>
@@ -3656,7 +3665,15 @@
           <a:p>
             <a:r>
               <a:rPr lang="en-AU" dirty="0" smtClean="0"/>
-              <a:t>[8,16,8]</a:t>
+              <a:t>[8,16</a:t>
+            </a:r>
+            <a:r>
+              <a:rPr lang="en-AU" dirty="0" smtClean="0"/>
+              <a:t>,-8</a:t>
+            </a:r>
+            <a:r>
+              <a:rPr lang="en-AU" dirty="0" smtClean="0"/>
+              <a:t>]</a:t>
             </a:r>
             <a:endParaRPr lang="en-AU" dirty="0"/>
           </a:p>
@@ -3979,10 +3996,10 @@
         </p:nvGrpSpPr>
         <p:grpSpPr>
           <a:xfrm>
-            <a:off x="8759539" y="244155"/>
-            <a:ext cx="3331369" cy="4031645"/>
-            <a:chOff x="4150463" y="2844412"/>
-            <a:chExt cx="1266994" cy="1533325"/>
+            <a:off x="8759540" y="244155"/>
+            <a:ext cx="3331366" cy="4031645"/>
+            <a:chOff x="4150464" y="2844412"/>
+            <a:chExt cx="1266993" cy="1533325"/>
           </a:xfrm>
         </p:grpSpPr>
         <p:cxnSp>
@@ -4168,7 +4185,7 @@
           </p:nvSpPr>
           <p:spPr>
             <a:xfrm>
-              <a:off x="4150463" y="3758580"/>
+              <a:off x="4150464" y="3758580"/>
               <a:ext cx="111080" cy="140465"/>
             </a:xfrm>
             <a:prstGeom prst="rect">
@@ -4245,7 +4262,11 @@
           <a:p>
             <a:r>
               <a:rPr lang="en-AU" dirty="0" smtClean="0"/>
-              <a:t>[-1, 3, -1]</a:t>
+              <a:t>[-1, 3, </a:t>
+            </a:r>
+            <a:r>
+              <a:rPr lang="en-AU" dirty="0" smtClean="0"/>
+              <a:t>-1]</a:t>
             </a:r>
             <a:endParaRPr lang="en-AU" dirty="0"/>
           </a:p>
@@ -4376,7 +4397,15 @@
           <a:p>
             <a:r>
               <a:rPr lang="en-AU" dirty="0" smtClean="0"/>
-              <a:t>[1,1, 1]</a:t>
+              <a:t>[1,1, </a:t>
+            </a:r>
+            <a:r>
+              <a:rPr lang="en-AU" dirty="0" smtClean="0"/>
+              <a:t>1</a:t>
+            </a:r>
+            <a:r>
+              <a:rPr lang="en-AU" dirty="0" smtClean="0"/>
+              <a:t>]</a:t>
             </a:r>
             <a:endParaRPr lang="en-AU" dirty="0"/>
           </a:p>
@@ -4754,10 +4783,10 @@
         </p:nvGrpSpPr>
         <p:grpSpPr>
           <a:xfrm>
-            <a:off x="4769276" y="255860"/>
-            <a:ext cx="3331369" cy="4031645"/>
-            <a:chOff x="4150463" y="2844412"/>
-            <a:chExt cx="1266994" cy="1533325"/>
+            <a:off x="4769277" y="255860"/>
+            <a:ext cx="3331366" cy="4031645"/>
+            <a:chOff x="4150464" y="2844412"/>
+            <a:chExt cx="1266993" cy="1533325"/>
           </a:xfrm>
         </p:grpSpPr>
         <p:cxnSp>
@@ -4943,7 +4972,7 @@
           </p:nvSpPr>
           <p:spPr>
             <a:xfrm>
-              <a:off x="4150463" y="3758580"/>
+              <a:off x="4150464" y="3758580"/>
               <a:ext cx="111080" cy="140465"/>
             </a:xfrm>
             <a:prstGeom prst="rect">
@@ -10959,7 +10988,7 @@
         <p:spPr>
           <a:xfrm>
             <a:off x="3229920" y="689446"/>
-            <a:ext cx="1249060" cy="369332"/>
+            <a:ext cx="1691489" cy="369332"/>
           </a:xfrm>
           <a:prstGeom prst="rect">
             <a:avLst/>
@@ -10974,7 +11003,11 @@
           <a:p>
             <a:r>
               <a:rPr lang="en-AU" dirty="0" smtClean="0"/>
-              <a:t>Body origin</a:t>
+              <a:t>Body </a:t>
+            </a:r>
+            <a:r>
+              <a:rPr lang="en-AU" dirty="0" smtClean="0"/>
+              <a:t>origin (BC)</a:t>
             </a:r>
             <a:endParaRPr lang="en-AU" dirty="0"/>
           </a:p>
@@ -10990,466 +11023,8 @@
         </p:nvCxnSpPr>
         <p:spPr>
           <a:xfrm>
-            <a:off x="3854450" y="1058778"/>
-            <a:ext cx="595605" cy="536545"/>
-          </a:xfrm>
-          <a:prstGeom prst="straightConnector1">
-            <a:avLst/>
-          </a:prstGeom>
-          <a:ln>
-            <a:tailEnd type="triangle"/>
-          </a:ln>
-        </p:spPr>
-        <p:style>
-          <a:lnRef idx="1">
-            <a:schemeClr val="accent1"/>
-          </a:lnRef>
-          <a:fillRef idx="0">
-            <a:schemeClr val="accent1"/>
-          </a:fillRef>
-          <a:effectRef idx="0">
-            <a:schemeClr val="accent1"/>
-          </a:effectRef>
-          <a:fontRef idx="minor">
-            <a:schemeClr val="tx1"/>
-          </a:fontRef>
-        </p:style>
-      </p:cxnSp>
-      <p:pic>
-        <p:nvPicPr>
-          <p:cNvPr id="50" name="Picture 49"/>
-          <p:cNvPicPr>
-            <a:picLocks noChangeAspect="1"/>
-          </p:cNvPicPr>
-          <p:nvPr/>
-        </p:nvPicPr>
-        <p:blipFill rotWithShape="1">
-          <a:blip r:embed="rId2">
-            <a:extLst>
-              <a:ext uri="{28A0092B-C50C-407E-A947-70E740481C1C}">
-                <a14:useLocalDpi xmlns:a14="http://schemas.microsoft.com/office/drawing/2010/main" val="0"/>
-              </a:ext>
-            </a:extLst>
-          </a:blip>
-          <a:srcRect t="17808" r="18446" b="24298"/>
-          <a:stretch/>
-        </p:blipFill>
-        <p:spPr>
-          <a:xfrm>
-            <a:off x="5073650" y="400043"/>
-            <a:ext cx="6633912" cy="2646947"/>
-          </a:xfrm>
-          <a:prstGeom prst="rect">
-            <a:avLst/>
-          </a:prstGeom>
-        </p:spPr>
-      </p:pic>
-      <p:grpSp>
-        <p:nvGrpSpPr>
-          <p:cNvPr id="51" name="Group 50"/>
-          <p:cNvGrpSpPr/>
-          <p:nvPr/>
-        </p:nvGrpSpPr>
-        <p:grpSpPr>
-          <a:xfrm>
-            <a:off x="8103770" y="1528338"/>
-            <a:ext cx="389731" cy="377826"/>
-            <a:chOff x="4337050" y="1473200"/>
-            <a:chExt cx="389731" cy="377826"/>
-          </a:xfrm>
-        </p:grpSpPr>
-        <p:cxnSp>
-          <p:nvCxnSpPr>
-            <p:cNvPr id="52" name="Straight Arrow Connector 51"/>
-            <p:cNvCxnSpPr/>
-            <p:nvPr/>
-          </p:nvCxnSpPr>
-          <p:spPr>
-            <a:xfrm>
-              <a:off x="4337050" y="1668378"/>
-              <a:ext cx="389731" cy="0"/>
-            </a:xfrm>
-            <a:prstGeom prst="straightConnector1">
-              <a:avLst/>
-            </a:prstGeom>
-            <a:ln>
-              <a:solidFill>
-                <a:schemeClr val="accent4"/>
-              </a:solidFill>
-              <a:headEnd type="none" w="med" len="med"/>
-              <a:tailEnd type="none" w="med" len="med"/>
-            </a:ln>
-          </p:spPr>
-          <p:style>
-            <a:lnRef idx="1">
-              <a:schemeClr val="accent1"/>
-            </a:lnRef>
-            <a:fillRef idx="0">
-              <a:schemeClr val="accent1"/>
-            </a:fillRef>
-            <a:effectRef idx="0">
-              <a:schemeClr val="accent1"/>
-            </a:effectRef>
-            <a:fontRef idx="minor">
-              <a:schemeClr val="tx1"/>
-            </a:fontRef>
-          </p:style>
-        </p:cxnSp>
-        <p:cxnSp>
-          <p:nvCxnSpPr>
-            <p:cNvPr id="53" name="Straight Arrow Connector 52"/>
-            <p:cNvCxnSpPr/>
-            <p:nvPr/>
-          </p:nvCxnSpPr>
-          <p:spPr>
-            <a:xfrm flipV="1">
-              <a:off x="4539916" y="1473200"/>
-              <a:ext cx="0" cy="377826"/>
-            </a:xfrm>
-            <a:prstGeom prst="straightConnector1">
-              <a:avLst/>
-            </a:prstGeom>
-            <a:ln>
-              <a:solidFill>
-                <a:schemeClr val="accent4"/>
-              </a:solidFill>
-              <a:headEnd type="none" w="med" len="med"/>
-              <a:tailEnd type="none" w="med" len="med"/>
-            </a:ln>
-          </p:spPr>
-          <p:style>
-            <a:lnRef idx="1">
-              <a:schemeClr val="accent1"/>
-            </a:lnRef>
-            <a:fillRef idx="0">
-              <a:schemeClr val="accent1"/>
-            </a:fillRef>
-            <a:effectRef idx="0">
-              <a:schemeClr val="accent1"/>
-            </a:effectRef>
-            <a:fontRef idx="minor">
-              <a:schemeClr val="tx1"/>
-            </a:fontRef>
-          </p:style>
-        </p:cxnSp>
-      </p:grpSp>
-      <p:grpSp>
-        <p:nvGrpSpPr>
-          <p:cNvPr id="54" name="Group 53"/>
-          <p:cNvGrpSpPr/>
-          <p:nvPr/>
-        </p:nvGrpSpPr>
-        <p:grpSpPr>
-          <a:xfrm>
-            <a:off x="8840370" y="658388"/>
-            <a:ext cx="389731" cy="377826"/>
-            <a:chOff x="4337050" y="1473200"/>
-            <a:chExt cx="389731" cy="377826"/>
-          </a:xfrm>
-        </p:grpSpPr>
-        <p:cxnSp>
-          <p:nvCxnSpPr>
-            <p:cNvPr id="55" name="Straight Arrow Connector 54"/>
-            <p:cNvCxnSpPr/>
-            <p:nvPr/>
-          </p:nvCxnSpPr>
-          <p:spPr>
-            <a:xfrm>
-              <a:off x="4337050" y="1668378"/>
-              <a:ext cx="389731" cy="0"/>
-            </a:xfrm>
-            <a:prstGeom prst="straightConnector1">
-              <a:avLst/>
-            </a:prstGeom>
-            <a:ln>
-              <a:solidFill>
-                <a:srgbClr val="FF0000"/>
-              </a:solidFill>
-              <a:headEnd type="none" w="med" len="med"/>
-              <a:tailEnd type="none" w="med" len="med"/>
-            </a:ln>
-          </p:spPr>
-          <p:style>
-            <a:lnRef idx="1">
-              <a:schemeClr val="accent1"/>
-            </a:lnRef>
-            <a:fillRef idx="0">
-              <a:schemeClr val="accent1"/>
-            </a:fillRef>
-            <a:effectRef idx="0">
-              <a:schemeClr val="accent1"/>
-            </a:effectRef>
-            <a:fontRef idx="minor">
-              <a:schemeClr val="tx1"/>
-            </a:fontRef>
-          </p:style>
-        </p:cxnSp>
-        <p:cxnSp>
-          <p:nvCxnSpPr>
-            <p:cNvPr id="56" name="Straight Arrow Connector 55"/>
-            <p:cNvCxnSpPr/>
-            <p:nvPr/>
-          </p:nvCxnSpPr>
-          <p:spPr>
-            <a:xfrm flipV="1">
-              <a:off x="4539916" y="1473200"/>
-              <a:ext cx="0" cy="377826"/>
-            </a:xfrm>
-            <a:prstGeom prst="straightConnector1">
-              <a:avLst/>
-            </a:prstGeom>
-            <a:ln>
-              <a:solidFill>
-                <a:srgbClr val="FF0000"/>
-              </a:solidFill>
-              <a:headEnd type="none" w="med" len="med"/>
-              <a:tailEnd type="none" w="med" len="med"/>
-            </a:ln>
-          </p:spPr>
-          <p:style>
-            <a:lnRef idx="1">
-              <a:schemeClr val="accent1"/>
-            </a:lnRef>
-            <a:fillRef idx="0">
-              <a:schemeClr val="accent1"/>
-            </a:fillRef>
-            <a:effectRef idx="0">
-              <a:schemeClr val="accent1"/>
-            </a:effectRef>
-            <a:fontRef idx="minor">
-              <a:schemeClr val="tx1"/>
-            </a:fontRef>
-          </p:style>
-        </p:cxnSp>
-      </p:grpSp>
-      <p:grpSp>
-        <p:nvGrpSpPr>
-          <p:cNvPr id="57" name="Group 56"/>
-          <p:cNvGrpSpPr/>
-          <p:nvPr/>
-        </p:nvGrpSpPr>
-        <p:grpSpPr>
-          <a:xfrm>
-            <a:off x="10491370" y="906038"/>
-            <a:ext cx="389731" cy="377826"/>
-            <a:chOff x="4337050" y="1473200"/>
-            <a:chExt cx="389731" cy="377826"/>
-          </a:xfrm>
-        </p:grpSpPr>
-        <p:cxnSp>
-          <p:nvCxnSpPr>
-            <p:cNvPr id="58" name="Straight Arrow Connector 57"/>
-            <p:cNvCxnSpPr/>
-            <p:nvPr/>
-          </p:nvCxnSpPr>
-          <p:spPr>
-            <a:xfrm>
-              <a:off x="4337050" y="1668378"/>
-              <a:ext cx="389731" cy="0"/>
-            </a:xfrm>
-            <a:prstGeom prst="straightConnector1">
-              <a:avLst/>
-            </a:prstGeom>
-            <a:ln>
-              <a:solidFill>
-                <a:schemeClr val="accent4"/>
-              </a:solidFill>
-              <a:headEnd type="none" w="med" len="med"/>
-              <a:tailEnd type="none" w="med" len="med"/>
-            </a:ln>
-          </p:spPr>
-          <p:style>
-            <a:lnRef idx="1">
-              <a:schemeClr val="accent1"/>
-            </a:lnRef>
-            <a:fillRef idx="0">
-              <a:schemeClr val="accent1"/>
-            </a:fillRef>
-            <a:effectRef idx="0">
-              <a:schemeClr val="accent1"/>
-            </a:effectRef>
-            <a:fontRef idx="minor">
-              <a:schemeClr val="tx1"/>
-            </a:fontRef>
-          </p:style>
-        </p:cxnSp>
-        <p:cxnSp>
-          <p:nvCxnSpPr>
-            <p:cNvPr id="59" name="Straight Arrow Connector 58"/>
-            <p:cNvCxnSpPr/>
-            <p:nvPr/>
-          </p:nvCxnSpPr>
-          <p:spPr>
-            <a:xfrm flipV="1">
-              <a:off x="4539916" y="1473200"/>
-              <a:ext cx="0" cy="377826"/>
-            </a:xfrm>
-            <a:prstGeom prst="straightConnector1">
-              <a:avLst/>
-            </a:prstGeom>
-            <a:ln>
-              <a:solidFill>
-                <a:schemeClr val="accent4"/>
-              </a:solidFill>
-              <a:headEnd type="none" w="med" len="med"/>
-              <a:tailEnd type="none" w="med" len="med"/>
-            </a:ln>
-          </p:spPr>
-          <p:style>
-            <a:lnRef idx="1">
-              <a:schemeClr val="accent1"/>
-            </a:lnRef>
-            <a:fillRef idx="0">
-              <a:schemeClr val="accent1"/>
-            </a:fillRef>
-            <a:effectRef idx="0">
-              <a:schemeClr val="accent1"/>
-            </a:effectRef>
-            <a:fontRef idx="minor">
-              <a:schemeClr val="tx1"/>
-            </a:fontRef>
-          </p:style>
-        </p:cxnSp>
-      </p:grpSp>
-      <p:cxnSp>
-        <p:nvCxnSpPr>
-          <p:cNvPr id="60" name="Straight Connector 59"/>
-          <p:cNvCxnSpPr/>
-          <p:nvPr/>
-        </p:nvCxnSpPr>
-        <p:spPr>
-          <a:xfrm>
-            <a:off x="7030620" y="2925338"/>
-            <a:ext cx="3136900" cy="0"/>
-          </a:xfrm>
-          <a:prstGeom prst="line">
-            <a:avLst/>
-          </a:prstGeom>
-          <a:ln>
-            <a:solidFill>
-              <a:schemeClr val="accent4"/>
-            </a:solidFill>
-            <a:headEnd type="none" w="med" len="med"/>
-            <a:tailEnd type="none" w="med" len="med"/>
-          </a:ln>
-        </p:spPr>
-        <p:style>
-          <a:lnRef idx="1">
-            <a:schemeClr val="accent1"/>
-          </a:lnRef>
-          <a:fillRef idx="0">
-            <a:schemeClr val="accent1"/>
-          </a:fillRef>
-          <a:effectRef idx="0">
-            <a:schemeClr val="accent1"/>
-          </a:effectRef>
-          <a:fontRef idx="minor">
-            <a:schemeClr val="tx1"/>
-          </a:fontRef>
-        </p:style>
-      </p:cxnSp>
-      <p:sp>
-        <p:nvSpPr>
-          <p:cNvPr id="61" name="TextBox 60"/>
-          <p:cNvSpPr txBox="1"/>
-          <p:nvPr/>
-        </p:nvSpPr>
-        <p:spPr>
-          <a:xfrm>
-            <a:off x="8198018" y="301772"/>
-            <a:ext cx="1529008" cy="369332"/>
-          </a:xfrm>
-          <a:prstGeom prst="rect">
-            <a:avLst/>
-          </a:prstGeom>
-          <a:noFill/>
-        </p:spPr>
-        <p:txBody>
-          <a:bodyPr wrap="none" rtlCol="0">
-            <a:spAutoFit/>
-          </a:bodyPr>
-          <a:lstStyle/>
-          <a:p>
-            <a:r>
-              <a:rPr lang="en-AU" dirty="0" smtClean="0"/>
-              <a:t>Rotation point</a:t>
-            </a:r>
-            <a:endParaRPr lang="en-AU" dirty="0"/>
-          </a:p>
-        </p:txBody>
-      </p:sp>
-      <p:sp>
-        <p:nvSpPr>
-          <p:cNvPr id="62" name="TextBox 61"/>
-          <p:cNvSpPr txBox="1"/>
-          <p:nvPr/>
-        </p:nvSpPr>
-        <p:spPr>
-          <a:xfrm>
-            <a:off x="10491370" y="1465795"/>
-            <a:ext cx="654346" cy="369332"/>
-          </a:xfrm>
-          <a:prstGeom prst="rect">
-            <a:avLst/>
-          </a:prstGeom>
-          <a:noFill/>
-        </p:spPr>
-        <p:txBody>
-          <a:bodyPr wrap="none" rtlCol="0">
-            <a:spAutoFit/>
-          </a:bodyPr>
-          <a:lstStyle/>
-          <a:p>
-            <a:r>
-              <a:rPr lang="en-AU" dirty="0" smtClean="0"/>
-              <a:t>head</a:t>
-            </a:r>
-            <a:endParaRPr lang="en-AU" dirty="0"/>
-          </a:p>
-        </p:txBody>
-      </p:sp>
-      <p:sp>
-        <p:nvSpPr>
-          <p:cNvPr id="63" name="TextBox 62"/>
-          <p:cNvSpPr txBox="1"/>
-          <p:nvPr/>
-        </p:nvSpPr>
-        <p:spPr>
-          <a:xfrm>
-            <a:off x="6996640" y="744584"/>
-            <a:ext cx="1249060" cy="369332"/>
-          </a:xfrm>
-          <a:prstGeom prst="rect">
-            <a:avLst/>
-          </a:prstGeom>
-          <a:noFill/>
-        </p:spPr>
-        <p:txBody>
-          <a:bodyPr wrap="none" rtlCol="0">
-            <a:spAutoFit/>
-          </a:bodyPr>
-          <a:lstStyle/>
-          <a:p>
-            <a:r>
-              <a:rPr lang="en-AU" dirty="0" smtClean="0"/>
-              <a:t>Body origin</a:t>
-            </a:r>
-            <a:endParaRPr lang="en-AU" dirty="0"/>
-          </a:p>
-        </p:txBody>
-      </p:sp>
-      <p:cxnSp>
-        <p:nvCxnSpPr>
-          <p:cNvPr id="64" name="Straight Arrow Connector 63"/>
-          <p:cNvCxnSpPr>
-            <a:stCxn id="63" idx="2"/>
-          </p:cNvCxnSpPr>
-          <p:nvPr/>
-        </p:nvCxnSpPr>
-        <p:spPr>
-          <a:xfrm>
-            <a:off x="7621170" y="1113916"/>
-            <a:ext cx="595605" cy="536545"/>
+            <a:off x="4075665" y="1058778"/>
+            <a:ext cx="374390" cy="536545"/>
           </a:xfrm>
           <a:prstGeom prst="straightConnector1">
             <a:avLst/>
@@ -11505,7 +11080,7 @@
       </p:grpSpPr>
       <p:pic>
         <p:nvPicPr>
-          <p:cNvPr id="4" name="Picture 3"/>
+          <p:cNvPr id="2" name="Picture 1"/>
           <p:cNvPicPr>
             <a:picLocks noChangeAspect="1"/>
           </p:cNvPicPr>
@@ -11519,51 +11094,381 @@
               </a:ext>
             </a:extLst>
           </a:blip>
-          <a:srcRect l="33237" t="9210" r="37871" b="33246"/>
+          <a:srcRect t="17808" r="18446" b="24298"/>
           <a:stretch/>
         </p:blipFill>
         <p:spPr>
           <a:xfrm>
-            <a:off x="1122947" y="759193"/>
-            <a:ext cx="2350169" cy="2630906"/>
+            <a:off x="1306930" y="914396"/>
+            <a:ext cx="6633912" cy="2646947"/>
           </a:xfrm>
           <a:prstGeom prst="rect">
             <a:avLst/>
           </a:prstGeom>
         </p:spPr>
       </p:pic>
-      <p:pic>
-        <p:nvPicPr>
-          <p:cNvPr id="6" name="Picture 5"/>
-          <p:cNvPicPr>
-            <a:picLocks noChangeAspect="1"/>
-          </p:cNvPicPr>
-          <p:nvPr/>
-        </p:nvPicPr>
-        <p:blipFill rotWithShape="1">
-          <a:blip r:embed="rId3">
-            <a:extLst>
-              <a:ext uri="{28A0092B-C50C-407E-A947-70E740481C1C}">
-                <a14:useLocalDpi xmlns:a14="http://schemas.microsoft.com/office/drawing/2010/main" val="0"/>
-              </a:ext>
-            </a:extLst>
-          </a:blip>
-          <a:srcRect l="30732" r="37319" b="33491"/>
-          <a:stretch/>
-        </p:blipFill>
-        <p:spPr>
-          <a:xfrm>
-            <a:off x="5664467" y="622842"/>
-            <a:ext cx="2598821" cy="3040768"/>
+      <p:grpSp>
+        <p:nvGrpSpPr>
+          <p:cNvPr id="36" name="Group 35"/>
+          <p:cNvGrpSpPr/>
+          <p:nvPr/>
+        </p:nvGrpSpPr>
+        <p:grpSpPr>
+          <a:xfrm>
+            <a:off x="5073650" y="1172741"/>
+            <a:ext cx="389731" cy="377826"/>
+            <a:chOff x="4337050" y="1473200"/>
+            <a:chExt cx="389731" cy="377826"/>
+          </a:xfrm>
+        </p:grpSpPr>
+        <p:cxnSp>
+          <p:nvCxnSpPr>
+            <p:cNvPr id="37" name="Straight Arrow Connector 36"/>
+            <p:cNvCxnSpPr/>
+            <p:nvPr/>
+          </p:nvCxnSpPr>
+          <p:spPr>
+            <a:xfrm>
+              <a:off x="4337050" y="1668378"/>
+              <a:ext cx="389731" cy="0"/>
+            </a:xfrm>
+            <a:prstGeom prst="straightConnector1">
+              <a:avLst/>
+            </a:prstGeom>
+            <a:ln>
+              <a:solidFill>
+                <a:srgbClr val="FF0000"/>
+              </a:solidFill>
+              <a:headEnd type="none" w="med" len="med"/>
+              <a:tailEnd type="none" w="med" len="med"/>
+            </a:ln>
+          </p:spPr>
+          <p:style>
+            <a:lnRef idx="1">
+              <a:schemeClr val="accent1"/>
+            </a:lnRef>
+            <a:fillRef idx="0">
+              <a:schemeClr val="accent1"/>
+            </a:fillRef>
+            <a:effectRef idx="0">
+              <a:schemeClr val="accent1"/>
+            </a:effectRef>
+            <a:fontRef idx="minor">
+              <a:schemeClr val="tx1"/>
+            </a:fontRef>
+          </p:style>
+        </p:cxnSp>
+        <p:cxnSp>
+          <p:nvCxnSpPr>
+            <p:cNvPr id="38" name="Straight Arrow Connector 37"/>
+            <p:cNvCxnSpPr/>
+            <p:nvPr/>
+          </p:nvCxnSpPr>
+          <p:spPr>
+            <a:xfrm flipV="1">
+              <a:off x="4539916" y="1473200"/>
+              <a:ext cx="0" cy="377826"/>
+            </a:xfrm>
+            <a:prstGeom prst="straightConnector1">
+              <a:avLst/>
+            </a:prstGeom>
+            <a:ln>
+              <a:solidFill>
+                <a:srgbClr val="FF0000"/>
+              </a:solidFill>
+              <a:headEnd type="none" w="med" len="med"/>
+              <a:tailEnd type="none" w="med" len="med"/>
+            </a:ln>
+          </p:spPr>
+          <p:style>
+            <a:lnRef idx="1">
+              <a:schemeClr val="accent1"/>
+            </a:lnRef>
+            <a:fillRef idx="0">
+              <a:schemeClr val="accent1"/>
+            </a:fillRef>
+            <a:effectRef idx="0">
+              <a:schemeClr val="accent1"/>
+            </a:effectRef>
+            <a:fontRef idx="minor">
+              <a:schemeClr val="tx1"/>
+            </a:fontRef>
+          </p:style>
+        </p:cxnSp>
+      </p:grpSp>
+      <p:grpSp>
+        <p:nvGrpSpPr>
+          <p:cNvPr id="39" name="Group 38"/>
+          <p:cNvGrpSpPr/>
+          <p:nvPr/>
+        </p:nvGrpSpPr>
+        <p:grpSpPr>
+          <a:xfrm>
+            <a:off x="6662092" y="1421713"/>
+            <a:ext cx="389731" cy="377826"/>
+            <a:chOff x="4337050" y="1473200"/>
+            <a:chExt cx="389731" cy="377826"/>
+          </a:xfrm>
+        </p:grpSpPr>
+        <p:cxnSp>
+          <p:nvCxnSpPr>
+            <p:cNvPr id="40" name="Straight Arrow Connector 39"/>
+            <p:cNvCxnSpPr/>
+            <p:nvPr/>
+          </p:nvCxnSpPr>
+          <p:spPr>
+            <a:xfrm>
+              <a:off x="4337050" y="1668378"/>
+              <a:ext cx="389731" cy="0"/>
+            </a:xfrm>
+            <a:prstGeom prst="straightConnector1">
+              <a:avLst/>
+            </a:prstGeom>
+            <a:ln>
+              <a:solidFill>
+                <a:schemeClr val="accent4"/>
+              </a:solidFill>
+              <a:headEnd type="none" w="med" len="med"/>
+              <a:tailEnd type="none" w="med" len="med"/>
+            </a:ln>
+          </p:spPr>
+          <p:style>
+            <a:lnRef idx="1">
+              <a:schemeClr val="accent1"/>
+            </a:lnRef>
+            <a:fillRef idx="0">
+              <a:schemeClr val="accent1"/>
+            </a:fillRef>
+            <a:effectRef idx="0">
+              <a:schemeClr val="accent1"/>
+            </a:effectRef>
+            <a:fontRef idx="minor">
+              <a:schemeClr val="tx1"/>
+            </a:fontRef>
+          </p:style>
+        </p:cxnSp>
+        <p:cxnSp>
+          <p:nvCxnSpPr>
+            <p:cNvPr id="41" name="Straight Arrow Connector 40"/>
+            <p:cNvCxnSpPr/>
+            <p:nvPr/>
+          </p:nvCxnSpPr>
+          <p:spPr>
+            <a:xfrm flipV="1">
+              <a:off x="4539916" y="1473200"/>
+              <a:ext cx="0" cy="377826"/>
+            </a:xfrm>
+            <a:prstGeom prst="straightConnector1">
+              <a:avLst/>
+            </a:prstGeom>
+            <a:ln>
+              <a:solidFill>
+                <a:schemeClr val="accent4"/>
+              </a:solidFill>
+              <a:headEnd type="none" w="med" len="med"/>
+              <a:tailEnd type="none" w="med" len="med"/>
+            </a:ln>
+          </p:spPr>
+          <p:style>
+            <a:lnRef idx="1">
+              <a:schemeClr val="accent1"/>
+            </a:lnRef>
+            <a:fillRef idx="0">
+              <a:schemeClr val="accent1"/>
+            </a:fillRef>
+            <a:effectRef idx="0">
+              <a:schemeClr val="accent1"/>
+            </a:effectRef>
+            <a:fontRef idx="minor">
+              <a:schemeClr val="tx1"/>
+            </a:fontRef>
+          </p:style>
+        </p:cxnSp>
+      </p:grpSp>
+      <p:cxnSp>
+        <p:nvCxnSpPr>
+          <p:cNvPr id="24" name="Straight Connector 23"/>
+          <p:cNvCxnSpPr/>
+          <p:nvPr/>
+        </p:nvCxnSpPr>
+        <p:spPr>
+          <a:xfrm>
+            <a:off x="3263900" y="3439691"/>
+            <a:ext cx="3136900" cy="0"/>
+          </a:xfrm>
+          <a:prstGeom prst="line">
+            <a:avLst/>
+          </a:prstGeom>
+          <a:ln>
+            <a:solidFill>
+              <a:schemeClr val="accent4"/>
+            </a:solidFill>
+            <a:headEnd type="none" w="med" len="med"/>
+            <a:tailEnd type="none" w="med" len="med"/>
+          </a:ln>
+        </p:spPr>
+        <p:style>
+          <a:lnRef idx="1">
+            <a:schemeClr val="accent1"/>
+          </a:lnRef>
+          <a:fillRef idx="0">
+            <a:schemeClr val="accent1"/>
+          </a:fillRef>
+          <a:effectRef idx="0">
+            <a:schemeClr val="accent1"/>
+          </a:effectRef>
+          <a:fontRef idx="minor">
+            <a:schemeClr val="tx1"/>
+          </a:fontRef>
+        </p:style>
+      </p:cxnSp>
+      <p:sp>
+        <p:nvSpPr>
+          <p:cNvPr id="25" name="TextBox 24"/>
+          <p:cNvSpPr txBox="1"/>
+          <p:nvPr/>
+        </p:nvSpPr>
+        <p:spPr>
+          <a:xfrm>
+            <a:off x="690985" y="-7897"/>
+            <a:ext cx="9653605" cy="246221"/>
           </a:xfrm>
           <a:prstGeom prst="rect">
             <a:avLst/>
           </a:prstGeom>
-        </p:spPr>
-      </p:pic>
+          <a:noFill/>
+        </p:spPr>
+        <p:txBody>
+          <a:bodyPr wrap="none" rtlCol="0">
+            <a:spAutoFit/>
+          </a:bodyPr>
+          <a:lstStyle/>
+          <a:p>
+            <a:r>
+              <a:rPr lang="en-AU" sz="1000" dirty="0" smtClean="0"/>
+              <a:t>Body pitch rotation point: </a:t>
+            </a:r>
+            <a:r>
+              <a:rPr lang="en-AU" sz="1000" dirty="0" err="1" smtClean="0"/>
+              <a:t>offsetXYZ</a:t>
+            </a:r>
+            <a:r>
+              <a:rPr lang="en-AU" sz="1000" dirty="0" smtClean="0"/>
+              <a:t> [0, -1.5, -1.5] plus vanilla offset of y=-1.5 places the origin here, i.e. 24 body + 24 vanilla offset  above the ground and 24 forward of the entity </a:t>
+            </a:r>
+            <a:r>
+              <a:rPr lang="en-AU" sz="1000" dirty="0" err="1" smtClean="0"/>
+              <a:t>zpos</a:t>
+            </a:r>
+            <a:endParaRPr lang="en-AU" sz="1000" dirty="0"/>
+          </a:p>
+        </p:txBody>
+      </p:sp>
       <p:sp>
         <p:nvSpPr>
-          <p:cNvPr id="8" name="Rectangle 2"/>
+          <p:cNvPr id="48" name="TextBox 47"/>
+          <p:cNvSpPr txBox="1"/>
+          <p:nvPr/>
+        </p:nvSpPr>
+        <p:spPr>
+          <a:xfrm>
+            <a:off x="6724650" y="1980148"/>
+            <a:ext cx="654346" cy="369332"/>
+          </a:xfrm>
+          <a:prstGeom prst="rect">
+            <a:avLst/>
+          </a:prstGeom>
+          <a:noFill/>
+        </p:spPr>
+        <p:txBody>
+          <a:bodyPr wrap="none" rtlCol="0">
+            <a:spAutoFit/>
+          </a:bodyPr>
+          <a:lstStyle/>
+          <a:p>
+            <a:r>
+              <a:rPr lang="en-AU" dirty="0" smtClean="0"/>
+              <a:t>head</a:t>
+            </a:r>
+            <a:endParaRPr lang="en-AU" dirty="0"/>
+          </a:p>
+        </p:txBody>
+      </p:sp>
+      <p:sp>
+        <p:nvSpPr>
+          <p:cNvPr id="49" name="TextBox 48"/>
+          <p:cNvSpPr txBox="1"/>
+          <p:nvPr/>
+        </p:nvSpPr>
+        <p:spPr>
+          <a:xfrm>
+            <a:off x="1455472" y="473710"/>
+            <a:ext cx="2505814" cy="369332"/>
+          </a:xfrm>
+          <a:prstGeom prst="rect">
+            <a:avLst/>
+          </a:prstGeom>
+          <a:noFill/>
+        </p:spPr>
+        <p:txBody>
+          <a:bodyPr wrap="none" rtlCol="0">
+            <a:spAutoFit/>
+          </a:bodyPr>
+          <a:lstStyle/>
+          <a:p>
+            <a:r>
+              <a:rPr lang="en-AU" dirty="0" smtClean="0"/>
+              <a:t>Body </a:t>
+            </a:r>
+            <a:r>
+              <a:rPr lang="en-AU" dirty="0" smtClean="0"/>
+              <a:t>model origin[0,0,0]</a:t>
+            </a:r>
+            <a:endParaRPr lang="en-AU" dirty="0"/>
+          </a:p>
+        </p:txBody>
+      </p:sp>
+      <p:cxnSp>
+        <p:nvCxnSpPr>
+          <p:cNvPr id="27" name="Straight Arrow Connector 26"/>
+          <p:cNvCxnSpPr>
+            <a:stCxn id="49" idx="2"/>
+          </p:cNvCxnSpPr>
+          <p:nvPr/>
+        </p:nvCxnSpPr>
+        <p:spPr>
+          <a:xfrm>
+            <a:off x="2708379" y="843042"/>
+            <a:ext cx="2290111" cy="851352"/>
+          </a:xfrm>
+          <a:prstGeom prst="straightConnector1">
+            <a:avLst/>
+          </a:prstGeom>
+          <a:ln>
+            <a:solidFill>
+              <a:srgbClr val="FF0000"/>
+            </a:solidFill>
+            <a:tailEnd type="triangle"/>
+          </a:ln>
+        </p:spPr>
+        <p:style>
+          <a:lnRef idx="1">
+            <a:schemeClr val="accent1"/>
+          </a:lnRef>
+          <a:fillRef idx="0">
+            <a:schemeClr val="accent1"/>
+          </a:fillRef>
+          <a:effectRef idx="0">
+            <a:schemeClr val="accent1"/>
+          </a:effectRef>
+          <a:fontRef idx="minor">
+            <a:schemeClr val="tx1"/>
+          </a:fontRef>
+        </p:style>
+      </p:cxnSp>
+      <p:sp>
+        <p:nvSpPr>
+          <p:cNvPr id="5" name="Rectangle 2"/>
           <p:cNvSpPr>
             <a:spLocks noChangeArrowheads="1"/>
           </p:cNvSpPr>
@@ -11571,8 +11476,8 @@
         </p:nvSpPr>
         <p:spPr bwMode="auto">
           <a:xfrm>
-            <a:off x="368300" y="4524344"/>
-            <a:ext cx="5905500" cy="2031325"/>
+            <a:off x="409074" y="5395496"/>
+            <a:ext cx="3625517" cy="923330"/>
           </a:xfrm>
           <a:prstGeom prst="rect">
             <a:avLst/>
@@ -11637,13 +11542,27 @@
                   <a:noFill/>
                 </a:ln>
                 <a:solidFill>
-                  <a:srgbClr val="660E7A"/>
-                </a:solidFill>
-                <a:effectLst/>
-                <a:latin typeface="Courier New" panose="02070309020205020404" pitchFamily="49" charset="0"/>
-                <a:cs typeface="Courier New" panose="02070309020205020404" pitchFamily="49" charset="0"/>
-              </a:rPr>
-              <a:t>head </a:t>
+                  <a:srgbClr val="000080"/>
+                </a:solidFill>
+                <a:effectLst/>
+                <a:latin typeface="Courier New" panose="02070309020205020404" pitchFamily="49" charset="0"/>
+                <a:cs typeface="Courier New" panose="02070309020205020404" pitchFamily="49" charset="0"/>
+              </a:rPr>
+              <a:t>private void </a:t>
+            </a:r>
+            <a:r>
+              <a:rPr kumimoji="0" lang="en-US" altLang="en-US" sz="900" b="0" i="0" u="none" strike="noStrike" cap="none" normalizeH="0" baseline="0" dirty="0" err="1" smtClean="0">
+                <a:ln>
+                  <a:noFill/>
+                </a:ln>
+                <a:solidFill>
+                  <a:srgbClr val="000000"/>
+                </a:solidFill>
+                <a:effectLst/>
+                <a:latin typeface="Courier New" panose="02070309020205020404" pitchFamily="49" charset="0"/>
+                <a:cs typeface="Courier New" panose="02070309020205020404" pitchFamily="49" charset="0"/>
+              </a:rPr>
+              <a:t>buildBody</a:t>
             </a:r>
             <a:r>
               <a:rPr kumimoji="0" lang="en-US" altLang="en-US" sz="900" b="0" i="0" u="none" strike="noStrike" cap="none" normalizeH="0" baseline="0" dirty="0" smtClean="0">
@@ -11657,105 +11576,7 @@
                 <a:latin typeface="Courier New" panose="02070309020205020404" pitchFamily="49" charset="0"/>
                 <a:cs typeface="Courier New" panose="02070309020205020404" pitchFamily="49" charset="0"/>
               </a:rPr>
-              <a:t>= </a:t>
-            </a:r>
-            <a:r>
-              <a:rPr kumimoji="0" lang="en-US" altLang="en-US" sz="900" b="1" i="0" u="none" strike="noStrike" cap="none" normalizeH="0" baseline="0" dirty="0" smtClean="0">
-                <a:ln>
-                  <a:noFill/>
-                </a:ln>
-                <a:solidFill>
-                  <a:srgbClr val="000080"/>
-                </a:solidFill>
-                <a:effectLst/>
-                <a:latin typeface="Courier New" panose="02070309020205020404" pitchFamily="49" charset="0"/>
-                <a:cs typeface="Courier New" panose="02070309020205020404" pitchFamily="49" charset="0"/>
-              </a:rPr>
-              <a:t>new </a:t>
-            </a:r>
-            <a:r>
-              <a:rPr kumimoji="0" lang="en-US" altLang="en-US" sz="900" b="0" i="0" u="none" strike="noStrike" cap="none" normalizeH="0" baseline="0" dirty="0" err="1" smtClean="0">
-                <a:ln>
-                  <a:noFill/>
-                </a:ln>
-                <a:solidFill>
-                  <a:srgbClr val="000000"/>
-                </a:solidFill>
-                <a:effectLst/>
-                <a:latin typeface="Courier New" panose="02070309020205020404" pitchFamily="49" charset="0"/>
-                <a:cs typeface="Courier New" panose="02070309020205020404" pitchFamily="49" charset="0"/>
-              </a:rPr>
-              <a:t>ModelPart</a:t>
-            </a:r>
-            <a:r>
-              <a:rPr kumimoji="0" lang="en-US" altLang="en-US" sz="900" b="0" i="0" u="none" strike="noStrike" cap="none" normalizeH="0" baseline="0" dirty="0" smtClean="0">
-                <a:ln>
-                  <a:noFill/>
-                </a:ln>
-                <a:solidFill>
-                  <a:srgbClr val="000000"/>
-                </a:solidFill>
-                <a:effectLst/>
-                <a:latin typeface="Courier New" panose="02070309020205020404" pitchFamily="49" charset="0"/>
-                <a:cs typeface="Courier New" panose="02070309020205020404" pitchFamily="49" charset="0"/>
-              </a:rPr>
-              <a:t>(</a:t>
-            </a:r>
-            <a:r>
-              <a:rPr kumimoji="0" lang="en-US" altLang="en-US" sz="900" b="1" i="0" u="none" strike="noStrike" cap="none" normalizeH="0" baseline="0" dirty="0" smtClean="0">
-                <a:ln>
-                  <a:noFill/>
-                </a:ln>
-                <a:solidFill>
-                  <a:srgbClr val="000080"/>
-                </a:solidFill>
-                <a:effectLst/>
-                <a:latin typeface="Courier New" panose="02070309020205020404" pitchFamily="49" charset="0"/>
-                <a:cs typeface="Courier New" panose="02070309020205020404" pitchFamily="49" charset="0"/>
-              </a:rPr>
-              <a:t>this</a:t>
-            </a:r>
-            <a:r>
-              <a:rPr kumimoji="0" lang="en-US" altLang="en-US" sz="900" b="0" i="0" u="none" strike="noStrike" cap="none" normalizeH="0" baseline="0" dirty="0" smtClean="0">
-                <a:ln>
-                  <a:noFill/>
-                </a:ln>
-                <a:solidFill>
-                  <a:srgbClr val="000000"/>
-                </a:solidFill>
-                <a:effectLst/>
-                <a:latin typeface="Courier New" panose="02070309020205020404" pitchFamily="49" charset="0"/>
-                <a:cs typeface="Courier New" panose="02070309020205020404" pitchFamily="49" charset="0"/>
-              </a:rPr>
-              <a:t>, </a:t>
-            </a:r>
-            <a:r>
-              <a:rPr kumimoji="0" lang="en-US" altLang="en-US" sz="900" b="1" i="0" u="none" strike="noStrike" cap="none" normalizeH="0" baseline="0" dirty="0" smtClean="0">
-                <a:ln>
-                  <a:noFill/>
-                </a:ln>
-                <a:solidFill>
-                  <a:srgbClr val="008000"/>
-                </a:solidFill>
-                <a:effectLst/>
-                <a:latin typeface="Courier New" panose="02070309020205020404" pitchFamily="49" charset="0"/>
-                <a:cs typeface="Courier New" panose="02070309020205020404" pitchFamily="49" charset="0"/>
-              </a:rPr>
-              <a:t>"head"</a:t>
-            </a:r>
-            <a:r>
-              <a:rPr kumimoji="0" lang="en-US" altLang="en-US" sz="900" b="0" i="0" u="none" strike="noStrike" cap="none" normalizeH="0" baseline="0" dirty="0" smtClean="0">
-                <a:ln>
-                  <a:noFill/>
-                </a:ln>
-                <a:solidFill>
-                  <a:srgbClr val="000000"/>
-                </a:solidFill>
-                <a:effectLst/>
-                <a:latin typeface="Courier New" panose="02070309020205020404" pitchFamily="49" charset="0"/>
-                <a:cs typeface="Courier New" panose="02070309020205020404" pitchFamily="49" charset="0"/>
-              </a:rPr>
-              <a:t>);</a:t>
+              <a:t>() {</a:t>
             </a:r>
             <a:br>
               <a:rPr kumimoji="0" lang="en-US" altLang="en-US" sz="900" b="0" i="0" u="none" strike="noStrike" cap="none" normalizeH="0" baseline="0" dirty="0" smtClean="0">
@@ -11771,7 +11592,21 @@
               </a:rPr>
             </a:br>
             <a:r>
-              <a:rPr kumimoji="0" lang="en-US" altLang="en-US" sz="900" b="1" i="0" u="none" strike="noStrike" cap="none" normalizeH="0" baseline="0" dirty="0" err="1" smtClean="0">
+              <a:rPr kumimoji="0" lang="en-US" altLang="en-US" sz="900" b="0" i="0" u="none" strike="noStrike" cap="none" normalizeH="0" baseline="0" dirty="0" smtClean="0">
+                <a:ln>
+                  <a:noFill/>
+                </a:ln>
+                <a:solidFill>
+                  <a:srgbClr val="000000"/>
+                </a:solidFill>
+                <a:effectLst/>
+                <a:latin typeface="Courier New" panose="02070309020205020404" pitchFamily="49" charset="0"/>
+                <a:cs typeface="Courier New" panose="02070309020205020404" pitchFamily="49" charset="0"/>
+              </a:rPr>
+              <a:t>  </a:t>
+            </a:r>
+            <a:r>
+              <a:rPr kumimoji="0" lang="en-US" altLang="en-US" sz="900" b="1" i="0" u="none" strike="noStrike" cap="none" normalizeH="0" baseline="0" dirty="0" smtClean="0">
                 <a:ln>
                   <a:noFill/>
                 </a:ln>
@@ -11782,7 +11617,35 @@
                 <a:latin typeface="Courier New" panose="02070309020205020404" pitchFamily="49" charset="0"/>
                 <a:cs typeface="Courier New" panose="02070309020205020404" pitchFamily="49" charset="0"/>
               </a:rPr>
-              <a:t>head</a:t>
+              <a:t>body </a:t>
+            </a:r>
+            <a:r>
+              <a:rPr kumimoji="0" lang="en-US" altLang="en-US" sz="900" b="0" i="0" u="none" strike="noStrike" cap="none" normalizeH="0" baseline="0" dirty="0" smtClean="0">
+                <a:ln>
+                  <a:noFill/>
+                </a:ln>
+                <a:solidFill>
+                  <a:srgbClr val="000000"/>
+                </a:solidFill>
+                <a:effectLst/>
+                <a:latin typeface="Courier New" panose="02070309020205020404" pitchFamily="49" charset="0"/>
+                <a:cs typeface="Courier New" panose="02070309020205020404" pitchFamily="49" charset="0"/>
+              </a:rPr>
+              <a:t>= </a:t>
+            </a:r>
+            <a:r>
+              <a:rPr kumimoji="0" lang="en-US" altLang="en-US" sz="900" b="1" i="0" u="none" strike="noStrike" cap="none" normalizeH="0" baseline="0" dirty="0" smtClean="0">
+                <a:ln>
+                  <a:noFill/>
+                </a:ln>
+                <a:solidFill>
+                  <a:srgbClr val="000080"/>
+                </a:solidFill>
+                <a:effectLst/>
+                <a:latin typeface="Courier New" panose="02070309020205020404" pitchFamily="49" charset="0"/>
+                <a:cs typeface="Courier New" panose="02070309020205020404" pitchFamily="49" charset="0"/>
+              </a:rPr>
+              <a:t>new </a:t>
             </a:r>
             <a:r>
               <a:rPr kumimoji="0" lang="en-US" altLang="en-US" sz="900" b="0" i="0" u="none" strike="noStrike" cap="none" normalizeH="0" baseline="0" dirty="0" err="1" smtClean="0">
@@ -11796,7 +11659,7 @@
                 <a:latin typeface="Courier New" panose="02070309020205020404" pitchFamily="49" charset="0"/>
                 <a:cs typeface="Courier New" panose="02070309020205020404" pitchFamily="49" charset="0"/>
               </a:rPr>
-              <a:t>.addBox</a:t>
+              <a:t>ModelPart</a:t>
             </a:r>
             <a:r>
               <a:rPr kumimoji="0" lang="en-US" altLang="en-US" sz="900" b="0" i="0" u="none" strike="noStrike" cap="none" normalizeH="0" baseline="0" dirty="0" smtClean="0">
@@ -11818,851 +11681,41 @@
                   <a:noFill/>
                 </a:ln>
                 <a:solidFill>
+                  <a:srgbClr val="000080"/>
+                </a:solidFill>
+                <a:effectLst/>
+                <a:latin typeface="Courier New" panose="02070309020205020404" pitchFamily="49" charset="0"/>
+                <a:cs typeface="Courier New" panose="02070309020205020404" pitchFamily="49" charset="0"/>
+              </a:rPr>
+              <a:t>this</a:t>
+            </a:r>
+            <a:r>
+              <a:rPr kumimoji="0" lang="en-US" altLang="en-US" sz="900" b="0" i="0" u="none" strike="noStrike" cap="none" normalizeH="0" baseline="0" dirty="0" smtClean="0">
+                <a:ln>
+                  <a:noFill/>
+                </a:ln>
+                <a:solidFill>
+                  <a:srgbClr val="000000"/>
+                </a:solidFill>
+                <a:effectLst/>
+                <a:latin typeface="Courier New" panose="02070309020205020404" pitchFamily="49" charset="0"/>
+                <a:cs typeface="Courier New" panose="02070309020205020404" pitchFamily="49" charset="0"/>
+              </a:rPr>
+              <a:t>, </a:t>
+            </a:r>
+            <a:r>
+              <a:rPr kumimoji="0" lang="en-US" altLang="en-US" sz="900" b="1" i="0" u="none" strike="noStrike" cap="none" normalizeH="0" baseline="0" dirty="0" smtClean="0">
+                <a:ln>
+                  <a:noFill/>
+                </a:ln>
+                <a:solidFill>
                   <a:srgbClr val="008000"/>
                 </a:solidFill>
                 <a:effectLst/>
                 <a:latin typeface="Courier New" panose="02070309020205020404" pitchFamily="49" charset="0"/>
                 <a:cs typeface="Courier New" panose="02070309020205020404" pitchFamily="49" charset="0"/>
               </a:rPr>
-              <a:t>"</a:t>
-            </a:r>
-            <a:r>
-              <a:rPr kumimoji="0" lang="en-US" altLang="en-US" sz="900" b="1" i="0" u="none" strike="noStrike" cap="none" normalizeH="0" baseline="0" dirty="0" err="1" smtClean="0">
-                <a:ln>
-                  <a:noFill/>
-                </a:ln>
-                <a:solidFill>
-                  <a:srgbClr val="008000"/>
-                </a:solidFill>
-                <a:effectLst/>
-                <a:latin typeface="Courier New" panose="02070309020205020404" pitchFamily="49" charset="0"/>
-                <a:cs typeface="Courier New" panose="02070309020205020404" pitchFamily="49" charset="0"/>
-              </a:rPr>
-              <a:t>upperjaw</a:t>
-            </a:r>
-            <a:r>
-              <a:rPr kumimoji="0" lang="en-US" altLang="en-US" sz="900" b="1" i="0" u="none" strike="noStrike" cap="none" normalizeH="0" baseline="0" dirty="0" smtClean="0">
-                <a:ln>
-                  <a:noFill/>
-                </a:ln>
-                <a:solidFill>
-                  <a:srgbClr val="008000"/>
-                </a:solidFill>
-                <a:effectLst/>
-                <a:latin typeface="Courier New" panose="02070309020205020404" pitchFamily="49" charset="0"/>
-                <a:cs typeface="Courier New" panose="02070309020205020404" pitchFamily="49" charset="0"/>
-              </a:rPr>
-              <a:t>"</a:t>
-            </a:r>
-            <a:r>
-              <a:rPr kumimoji="0" lang="en-US" altLang="en-US" sz="900" b="0" i="0" u="none" strike="noStrike" cap="none" normalizeH="0" baseline="0" dirty="0" smtClean="0">
-                <a:ln>
-                  <a:noFill/>
-                </a:ln>
-                <a:solidFill>
-                  <a:srgbClr val="000000"/>
-                </a:solidFill>
-                <a:effectLst/>
-                <a:latin typeface="Courier New" panose="02070309020205020404" pitchFamily="49" charset="0"/>
-                <a:cs typeface="Courier New" panose="02070309020205020404" pitchFamily="49" charset="0"/>
-              </a:rPr>
-              <a:t>, -</a:t>
-            </a:r>
-            <a:r>
-              <a:rPr kumimoji="0" lang="en-US" altLang="en-US" sz="900" b="0" i="0" u="none" strike="noStrike" cap="none" normalizeH="0" baseline="0" dirty="0" smtClean="0">
-                <a:ln>
-                  <a:noFill/>
-                </a:ln>
-                <a:solidFill>
-                  <a:srgbClr val="0000FF"/>
-                </a:solidFill>
-                <a:effectLst/>
-                <a:latin typeface="Courier New" panose="02070309020205020404" pitchFamily="49" charset="0"/>
-                <a:cs typeface="Courier New" panose="02070309020205020404" pitchFamily="49" charset="0"/>
-              </a:rPr>
-              <a:t>6</a:t>
-            </a:r>
-            <a:r>
-              <a:rPr kumimoji="0" lang="en-US" altLang="en-US" sz="900" b="0" i="0" u="none" strike="noStrike" cap="none" normalizeH="0" baseline="0" dirty="0" smtClean="0">
-                <a:ln>
-                  <a:noFill/>
-                </a:ln>
-                <a:solidFill>
-                  <a:srgbClr val="000000"/>
-                </a:solidFill>
-                <a:effectLst/>
-                <a:latin typeface="Courier New" panose="02070309020205020404" pitchFamily="49" charset="0"/>
-                <a:cs typeface="Courier New" panose="02070309020205020404" pitchFamily="49" charset="0"/>
-              </a:rPr>
-              <a:t>, -</a:t>
-            </a:r>
-            <a:r>
-              <a:rPr kumimoji="0" lang="en-US" altLang="en-US" sz="900" b="0" i="0" u="none" strike="noStrike" cap="none" normalizeH="0" baseline="0" dirty="0" smtClean="0">
-                <a:ln>
-                  <a:noFill/>
-                </a:ln>
-                <a:solidFill>
-                  <a:srgbClr val="0000FF"/>
-                </a:solidFill>
-                <a:effectLst/>
-                <a:latin typeface="Courier New" panose="02070309020205020404" pitchFamily="49" charset="0"/>
-                <a:cs typeface="Courier New" panose="02070309020205020404" pitchFamily="49" charset="0"/>
-              </a:rPr>
-              <a:t>1</a:t>
-            </a:r>
-            <a:r>
-              <a:rPr kumimoji="0" lang="en-US" altLang="en-US" sz="900" b="0" i="0" u="none" strike="noStrike" cap="none" normalizeH="0" baseline="0" dirty="0" smtClean="0">
-                <a:ln>
-                  <a:noFill/>
-                </a:ln>
-                <a:solidFill>
-                  <a:srgbClr val="000000"/>
-                </a:solidFill>
-                <a:effectLst/>
-                <a:latin typeface="Courier New" panose="02070309020205020404" pitchFamily="49" charset="0"/>
-                <a:cs typeface="Courier New" panose="02070309020205020404" pitchFamily="49" charset="0"/>
-              </a:rPr>
-              <a:t>, -</a:t>
-            </a:r>
-            <a:r>
-              <a:rPr kumimoji="0" lang="en-US" altLang="en-US" sz="900" b="0" i="0" u="none" strike="noStrike" cap="none" normalizeH="0" baseline="0" dirty="0" smtClean="0">
-                <a:ln>
-                  <a:noFill/>
-                </a:ln>
-                <a:solidFill>
-                  <a:srgbClr val="0000FF"/>
-                </a:solidFill>
-                <a:effectLst/>
-                <a:latin typeface="Courier New" panose="02070309020205020404" pitchFamily="49" charset="0"/>
-                <a:cs typeface="Courier New" panose="02070309020205020404" pitchFamily="49" charset="0"/>
-              </a:rPr>
-              <a:t>8 </a:t>
-            </a:r>
-            <a:r>
-              <a:rPr kumimoji="0" lang="en-US" altLang="en-US" sz="900" b="0" i="0" u="none" strike="noStrike" cap="none" normalizeH="0" baseline="0" dirty="0" smtClean="0">
-                <a:ln>
-                  <a:noFill/>
-                </a:ln>
-                <a:solidFill>
-                  <a:srgbClr val="000000"/>
-                </a:solidFill>
-                <a:effectLst/>
-                <a:latin typeface="Courier New" panose="02070309020205020404" pitchFamily="49" charset="0"/>
-                <a:cs typeface="Courier New" panose="02070309020205020404" pitchFamily="49" charset="0"/>
-              </a:rPr>
-              <a:t>+ </a:t>
-            </a:r>
-            <a:r>
-              <a:rPr kumimoji="0" lang="en-US" altLang="en-US" sz="900" b="1" i="1" u="none" strike="noStrike" cap="none" normalizeH="0" baseline="0" dirty="0" smtClean="0">
-                <a:ln>
-                  <a:noFill/>
-                </a:ln>
-                <a:solidFill>
-                  <a:srgbClr val="660E7A"/>
-                </a:solidFill>
-                <a:effectLst/>
-                <a:latin typeface="Courier New" panose="02070309020205020404" pitchFamily="49" charset="0"/>
-                <a:cs typeface="Courier New" panose="02070309020205020404" pitchFamily="49" charset="0"/>
-              </a:rPr>
-              <a:t>HEAD_OFFSET_Z_MC</a:t>
-            </a:r>
-            <a:r>
-              <a:rPr kumimoji="0" lang="en-US" altLang="en-US" sz="900" b="0" i="0" u="none" strike="noStrike" cap="none" normalizeH="0" baseline="0" dirty="0" smtClean="0">
-                <a:ln>
-                  <a:noFill/>
-                </a:ln>
-                <a:solidFill>
-                  <a:srgbClr val="000000"/>
-                </a:solidFill>
-                <a:effectLst/>
-                <a:latin typeface="Courier New" panose="02070309020205020404" pitchFamily="49" charset="0"/>
-                <a:cs typeface="Courier New" panose="02070309020205020404" pitchFamily="49" charset="0"/>
-              </a:rPr>
-              <a:t>, </a:t>
-            </a:r>
-            <a:r>
-              <a:rPr kumimoji="0" lang="en-US" altLang="en-US" sz="900" b="0" i="0" u="none" strike="noStrike" cap="none" normalizeH="0" baseline="0" dirty="0" smtClean="0">
-                <a:ln>
-                  <a:noFill/>
-                </a:ln>
-                <a:solidFill>
-                  <a:srgbClr val="0000FF"/>
-                </a:solidFill>
-                <a:effectLst/>
-                <a:latin typeface="Courier New" panose="02070309020205020404" pitchFamily="49" charset="0"/>
-                <a:cs typeface="Courier New" panose="02070309020205020404" pitchFamily="49" charset="0"/>
-              </a:rPr>
-              <a:t>12</a:t>
-            </a:r>
-            <a:r>
-              <a:rPr kumimoji="0" lang="en-US" altLang="en-US" sz="900" b="0" i="0" u="none" strike="noStrike" cap="none" normalizeH="0" baseline="0" dirty="0" smtClean="0">
-                <a:ln>
-                  <a:noFill/>
-                </a:ln>
-                <a:solidFill>
-                  <a:srgbClr val="000000"/>
-                </a:solidFill>
-                <a:effectLst/>
-                <a:latin typeface="Courier New" panose="02070309020205020404" pitchFamily="49" charset="0"/>
-                <a:cs typeface="Courier New" panose="02070309020205020404" pitchFamily="49" charset="0"/>
-              </a:rPr>
-              <a:t>, </a:t>
-            </a:r>
-            <a:r>
-              <a:rPr kumimoji="0" lang="en-US" altLang="en-US" sz="900" b="0" i="0" u="none" strike="noStrike" cap="none" normalizeH="0" baseline="0" dirty="0" smtClean="0">
-                <a:ln>
-                  <a:noFill/>
-                </a:ln>
-                <a:solidFill>
-                  <a:srgbClr val="0000FF"/>
-                </a:solidFill>
-                <a:effectLst/>
-                <a:latin typeface="Courier New" panose="02070309020205020404" pitchFamily="49" charset="0"/>
-                <a:cs typeface="Courier New" panose="02070309020205020404" pitchFamily="49" charset="0"/>
-              </a:rPr>
-              <a:t>5</a:t>
-            </a:r>
-            <a:r>
-              <a:rPr kumimoji="0" lang="en-US" altLang="en-US" sz="900" b="0" i="0" u="none" strike="noStrike" cap="none" normalizeH="0" baseline="0" dirty="0" smtClean="0">
-                <a:ln>
-                  <a:noFill/>
-                </a:ln>
-                <a:solidFill>
-                  <a:srgbClr val="000000"/>
-                </a:solidFill>
-                <a:effectLst/>
-                <a:latin typeface="Courier New" panose="02070309020205020404" pitchFamily="49" charset="0"/>
-                <a:cs typeface="Courier New" panose="02070309020205020404" pitchFamily="49" charset="0"/>
-              </a:rPr>
-              <a:t>, </a:t>
-            </a:r>
-            <a:r>
-              <a:rPr kumimoji="0" lang="en-US" altLang="en-US" sz="900" b="0" i="0" u="none" strike="noStrike" cap="none" normalizeH="0" baseline="0" dirty="0" smtClean="0">
-                <a:ln>
-                  <a:noFill/>
-                </a:ln>
-                <a:solidFill>
-                  <a:srgbClr val="0000FF"/>
-                </a:solidFill>
-                <a:effectLst/>
-                <a:latin typeface="Courier New" panose="02070309020205020404" pitchFamily="49" charset="0"/>
-                <a:cs typeface="Courier New" panose="02070309020205020404" pitchFamily="49" charset="0"/>
-              </a:rPr>
-              <a:t>16</a:t>
-            </a:r>
-            <a:r>
-              <a:rPr kumimoji="0" lang="en-US" altLang="en-US" sz="900" b="0" i="0" u="none" strike="noStrike" cap="none" normalizeH="0" baseline="0" dirty="0" smtClean="0">
-                <a:ln>
-                  <a:noFill/>
-                </a:ln>
-                <a:solidFill>
-                  <a:srgbClr val="000000"/>
-                </a:solidFill>
-                <a:effectLst/>
-                <a:latin typeface="Courier New" panose="02070309020205020404" pitchFamily="49" charset="0"/>
-                <a:cs typeface="Courier New" panose="02070309020205020404" pitchFamily="49" charset="0"/>
-              </a:rPr>
-              <a:t>);  </a:t>
-            </a:r>
-            <a:r>
-              <a:rPr kumimoji="0" lang="en-US" altLang="en-US" sz="900" b="0" i="1" u="none" strike="noStrike" cap="none" normalizeH="0" baseline="0" dirty="0" smtClean="0">
-                <a:ln>
-                  <a:noFill/>
-                </a:ln>
-                <a:solidFill>
-                  <a:srgbClr val="808080"/>
-                </a:solidFill>
-                <a:effectLst/>
-                <a:latin typeface="Courier New" panose="02070309020205020404" pitchFamily="49" charset="0"/>
-                <a:cs typeface="Courier New" panose="02070309020205020404" pitchFamily="49" charset="0"/>
-              </a:rPr>
-              <a:t/>
-            </a:r>
-            <a:br>
-              <a:rPr kumimoji="0" lang="en-US" altLang="en-US" sz="900" b="0" i="1" u="none" strike="noStrike" cap="none" normalizeH="0" baseline="0" dirty="0" smtClean="0">
-                <a:ln>
-                  <a:noFill/>
-                </a:ln>
-                <a:solidFill>
-                  <a:srgbClr val="808080"/>
-                </a:solidFill>
-                <a:effectLst/>
-                <a:latin typeface="Courier New" panose="02070309020205020404" pitchFamily="49" charset="0"/>
-                <a:cs typeface="Courier New" panose="02070309020205020404" pitchFamily="49" charset="0"/>
-              </a:rPr>
-            </a:br>
-            <a:r>
-              <a:rPr kumimoji="0" lang="en-US" altLang="en-US" sz="900" b="1" i="0" u="none" strike="noStrike" cap="none" normalizeH="0" baseline="0" dirty="0" err="1" smtClean="0">
-                <a:ln>
-                  <a:noFill/>
-                </a:ln>
-                <a:solidFill>
-                  <a:srgbClr val="660E7A"/>
-                </a:solidFill>
-                <a:effectLst/>
-                <a:latin typeface="Courier New" panose="02070309020205020404" pitchFamily="49" charset="0"/>
-                <a:cs typeface="Courier New" panose="02070309020205020404" pitchFamily="49" charset="0"/>
-              </a:rPr>
-              <a:t>head</a:t>
-            </a:r>
-            <a:r>
-              <a:rPr kumimoji="0" lang="en-US" altLang="en-US" sz="900" b="0" i="0" u="none" strike="noStrike" cap="none" normalizeH="0" baseline="0" dirty="0" err="1" smtClean="0">
-                <a:ln>
-                  <a:noFill/>
-                </a:ln>
-                <a:solidFill>
-                  <a:srgbClr val="000000"/>
-                </a:solidFill>
-                <a:effectLst/>
-                <a:latin typeface="Courier New" panose="02070309020205020404" pitchFamily="49" charset="0"/>
-                <a:cs typeface="Courier New" panose="02070309020205020404" pitchFamily="49" charset="0"/>
-              </a:rPr>
-              <a:t>.addBox</a:t>
-            </a:r>
-            <a:r>
-              <a:rPr kumimoji="0" lang="en-US" altLang="en-US" sz="900" b="0" i="0" u="none" strike="noStrike" cap="none" normalizeH="0" baseline="0" dirty="0" smtClean="0">
-                <a:ln>
-                  <a:noFill/>
-                </a:ln>
-                <a:solidFill>
-                  <a:srgbClr val="000000"/>
-                </a:solidFill>
-                <a:effectLst/>
-                <a:latin typeface="Courier New" panose="02070309020205020404" pitchFamily="49" charset="0"/>
-                <a:cs typeface="Courier New" panose="02070309020205020404" pitchFamily="49" charset="0"/>
-              </a:rPr>
-              <a:t>(</a:t>
-            </a:r>
-            <a:r>
-              <a:rPr kumimoji="0" lang="en-US" altLang="en-US" sz="900" b="1" i="0" u="none" strike="noStrike" cap="none" normalizeH="0" baseline="0" dirty="0" smtClean="0">
-                <a:ln>
-                  <a:noFill/>
-                </a:ln>
-                <a:solidFill>
-                  <a:srgbClr val="008000"/>
-                </a:solidFill>
-                <a:effectLst/>
-                <a:latin typeface="Courier New" panose="02070309020205020404" pitchFamily="49" charset="0"/>
-                <a:cs typeface="Courier New" panose="02070309020205020404" pitchFamily="49" charset="0"/>
-              </a:rPr>
-              <a:t>"</a:t>
-            </a:r>
-            <a:r>
-              <a:rPr kumimoji="0" lang="en-US" altLang="en-US" sz="900" b="1" i="0" u="none" strike="noStrike" cap="none" normalizeH="0" baseline="0" dirty="0" err="1" smtClean="0">
-                <a:ln>
-                  <a:noFill/>
-                </a:ln>
-                <a:solidFill>
-                  <a:srgbClr val="008000"/>
-                </a:solidFill>
-                <a:effectLst/>
-                <a:latin typeface="Courier New" panose="02070309020205020404" pitchFamily="49" charset="0"/>
-                <a:cs typeface="Courier New" panose="02070309020205020404" pitchFamily="49" charset="0"/>
-              </a:rPr>
-              <a:t>mainhead</a:t>
-            </a:r>
-            <a:r>
-              <a:rPr kumimoji="0" lang="en-US" altLang="en-US" sz="900" b="1" i="0" u="none" strike="noStrike" cap="none" normalizeH="0" baseline="0" dirty="0" smtClean="0">
-                <a:ln>
-                  <a:noFill/>
-                </a:ln>
-                <a:solidFill>
-                  <a:srgbClr val="008000"/>
-                </a:solidFill>
-                <a:effectLst/>
-                <a:latin typeface="Courier New" panose="02070309020205020404" pitchFamily="49" charset="0"/>
-                <a:cs typeface="Courier New" panose="02070309020205020404" pitchFamily="49" charset="0"/>
-              </a:rPr>
-              <a:t>"</a:t>
-            </a:r>
-            <a:r>
-              <a:rPr kumimoji="0" lang="en-US" altLang="en-US" sz="900" b="0" i="0" u="none" strike="noStrike" cap="none" normalizeH="0" baseline="0" dirty="0" smtClean="0">
-                <a:ln>
-                  <a:noFill/>
-                </a:ln>
-                <a:solidFill>
-                  <a:srgbClr val="000000"/>
-                </a:solidFill>
-                <a:effectLst/>
-                <a:latin typeface="Courier New" panose="02070309020205020404" pitchFamily="49" charset="0"/>
-                <a:cs typeface="Courier New" panose="02070309020205020404" pitchFamily="49" charset="0"/>
-              </a:rPr>
-              <a:t>, -</a:t>
-            </a:r>
-            <a:r>
-              <a:rPr kumimoji="0" lang="en-US" altLang="en-US" sz="900" b="0" i="0" u="none" strike="noStrike" cap="none" normalizeH="0" baseline="0" dirty="0" smtClean="0">
-                <a:ln>
-                  <a:noFill/>
-                </a:ln>
-                <a:solidFill>
-                  <a:srgbClr val="0000FF"/>
-                </a:solidFill>
-                <a:effectLst/>
-                <a:latin typeface="Courier New" panose="02070309020205020404" pitchFamily="49" charset="0"/>
-                <a:cs typeface="Courier New" panose="02070309020205020404" pitchFamily="49" charset="0"/>
-              </a:rPr>
-              <a:t>8</a:t>
-            </a:r>
-            <a:r>
-              <a:rPr kumimoji="0" lang="en-US" altLang="en-US" sz="900" b="0" i="0" u="none" strike="noStrike" cap="none" normalizeH="0" baseline="0" dirty="0" smtClean="0">
-                <a:ln>
-                  <a:noFill/>
-                </a:ln>
-                <a:solidFill>
-                  <a:srgbClr val="000000"/>
-                </a:solidFill>
-                <a:effectLst/>
-                <a:latin typeface="Courier New" panose="02070309020205020404" pitchFamily="49" charset="0"/>
-                <a:cs typeface="Courier New" panose="02070309020205020404" pitchFamily="49" charset="0"/>
-              </a:rPr>
-              <a:t>, -</a:t>
-            </a:r>
-            <a:r>
-              <a:rPr kumimoji="0" lang="en-US" altLang="en-US" sz="900" b="0" i="0" u="none" strike="noStrike" cap="none" normalizeH="0" baseline="0" dirty="0" smtClean="0">
-                <a:ln>
-                  <a:noFill/>
-                </a:ln>
-                <a:solidFill>
-                  <a:srgbClr val="0000FF"/>
-                </a:solidFill>
-                <a:effectLst/>
-                <a:latin typeface="Courier New" panose="02070309020205020404" pitchFamily="49" charset="0"/>
-                <a:cs typeface="Courier New" panose="02070309020205020404" pitchFamily="49" charset="0"/>
-              </a:rPr>
-              <a:t>8</a:t>
-            </a:r>
-            <a:r>
-              <a:rPr kumimoji="0" lang="en-US" altLang="en-US" sz="900" b="0" i="0" u="none" strike="noStrike" cap="none" normalizeH="0" baseline="0" dirty="0" smtClean="0">
-                <a:ln>
-                  <a:noFill/>
-                </a:ln>
-                <a:solidFill>
-                  <a:srgbClr val="000000"/>
-                </a:solidFill>
-                <a:effectLst/>
-                <a:latin typeface="Courier New" panose="02070309020205020404" pitchFamily="49" charset="0"/>
-                <a:cs typeface="Courier New" panose="02070309020205020404" pitchFamily="49" charset="0"/>
-              </a:rPr>
-              <a:t>, </a:t>
-            </a:r>
-            <a:r>
-              <a:rPr kumimoji="0" lang="en-US" altLang="en-US" sz="900" b="0" i="0" u="none" strike="noStrike" cap="none" normalizeH="0" baseline="0" dirty="0" smtClean="0">
-                <a:ln>
-                  <a:noFill/>
-                </a:ln>
-                <a:solidFill>
-                  <a:srgbClr val="0000FF"/>
-                </a:solidFill>
-                <a:effectLst/>
-                <a:latin typeface="Courier New" panose="02070309020205020404" pitchFamily="49" charset="0"/>
-                <a:cs typeface="Courier New" panose="02070309020205020404" pitchFamily="49" charset="0"/>
-              </a:rPr>
-              <a:t>6 </a:t>
-            </a:r>
-            <a:r>
-              <a:rPr kumimoji="0" lang="en-US" altLang="en-US" sz="900" b="0" i="0" u="none" strike="noStrike" cap="none" normalizeH="0" baseline="0" dirty="0" smtClean="0">
-                <a:ln>
-                  <a:noFill/>
-                </a:ln>
-                <a:solidFill>
-                  <a:srgbClr val="000000"/>
-                </a:solidFill>
-                <a:effectLst/>
-                <a:latin typeface="Courier New" panose="02070309020205020404" pitchFamily="49" charset="0"/>
-                <a:cs typeface="Courier New" panose="02070309020205020404" pitchFamily="49" charset="0"/>
-              </a:rPr>
-              <a:t>+ </a:t>
-            </a:r>
-            <a:r>
-              <a:rPr kumimoji="0" lang="en-US" altLang="en-US" sz="900" b="1" i="1" u="none" strike="noStrike" cap="none" normalizeH="0" baseline="0" dirty="0" smtClean="0">
-                <a:ln>
-                  <a:noFill/>
-                </a:ln>
-                <a:solidFill>
-                  <a:srgbClr val="660E7A"/>
-                </a:solidFill>
-                <a:effectLst/>
-                <a:latin typeface="Courier New" panose="02070309020205020404" pitchFamily="49" charset="0"/>
-                <a:cs typeface="Courier New" panose="02070309020205020404" pitchFamily="49" charset="0"/>
-              </a:rPr>
-              <a:t>HEAD_OFFSET_Z_MC</a:t>
-            </a:r>
-            <a:r>
-              <a:rPr kumimoji="0" lang="en-US" altLang="en-US" sz="900" b="0" i="0" u="none" strike="noStrike" cap="none" normalizeH="0" baseline="0" dirty="0" smtClean="0">
-                <a:ln>
-                  <a:noFill/>
-                </a:ln>
-                <a:solidFill>
-                  <a:srgbClr val="000000"/>
-                </a:solidFill>
-                <a:effectLst/>
-                <a:latin typeface="Courier New" panose="02070309020205020404" pitchFamily="49" charset="0"/>
-                <a:cs typeface="Courier New" panose="02070309020205020404" pitchFamily="49" charset="0"/>
-              </a:rPr>
-              <a:t>, </a:t>
-            </a:r>
-            <a:r>
-              <a:rPr kumimoji="0" lang="en-US" altLang="en-US" sz="900" b="0" i="0" u="none" strike="noStrike" cap="none" normalizeH="0" baseline="0" dirty="0" smtClean="0">
-                <a:ln>
-                  <a:noFill/>
-                </a:ln>
-                <a:solidFill>
-                  <a:srgbClr val="0000FF"/>
-                </a:solidFill>
-                <a:effectLst/>
-                <a:latin typeface="Courier New" panose="02070309020205020404" pitchFamily="49" charset="0"/>
-                <a:cs typeface="Courier New" panose="02070309020205020404" pitchFamily="49" charset="0"/>
-              </a:rPr>
-              <a:t>16</a:t>
-            </a:r>
-            <a:r>
-              <a:rPr kumimoji="0" lang="en-US" altLang="en-US" sz="900" b="0" i="0" u="none" strike="noStrike" cap="none" normalizeH="0" baseline="0" dirty="0" smtClean="0">
-                <a:ln>
-                  <a:noFill/>
-                </a:ln>
-                <a:solidFill>
-                  <a:srgbClr val="000000"/>
-                </a:solidFill>
-                <a:effectLst/>
-                <a:latin typeface="Courier New" panose="02070309020205020404" pitchFamily="49" charset="0"/>
-                <a:cs typeface="Courier New" panose="02070309020205020404" pitchFamily="49" charset="0"/>
-              </a:rPr>
-              <a:t>, </a:t>
-            </a:r>
-            <a:r>
-              <a:rPr kumimoji="0" lang="en-US" altLang="en-US" sz="900" b="0" i="0" u="none" strike="noStrike" cap="none" normalizeH="0" baseline="0" dirty="0" smtClean="0">
-                <a:ln>
-                  <a:noFill/>
-                </a:ln>
-                <a:solidFill>
-                  <a:srgbClr val="0000FF"/>
-                </a:solidFill>
-                <a:effectLst/>
-                <a:latin typeface="Courier New" panose="02070309020205020404" pitchFamily="49" charset="0"/>
-                <a:cs typeface="Courier New" panose="02070309020205020404" pitchFamily="49" charset="0"/>
-              </a:rPr>
-              <a:t>16</a:t>
-            </a:r>
-            <a:r>
-              <a:rPr kumimoji="0" lang="en-US" altLang="en-US" sz="900" b="0" i="0" u="none" strike="noStrike" cap="none" normalizeH="0" baseline="0" dirty="0" smtClean="0">
-                <a:ln>
-                  <a:noFill/>
-                </a:ln>
-                <a:solidFill>
-                  <a:srgbClr val="000000"/>
-                </a:solidFill>
-                <a:effectLst/>
-                <a:latin typeface="Courier New" panose="02070309020205020404" pitchFamily="49" charset="0"/>
-                <a:cs typeface="Courier New" panose="02070309020205020404" pitchFamily="49" charset="0"/>
-              </a:rPr>
-              <a:t>, </a:t>
-            </a:r>
-            <a:r>
-              <a:rPr kumimoji="0" lang="en-US" altLang="en-US" sz="900" b="0" i="0" u="none" strike="noStrike" cap="none" normalizeH="0" baseline="0" dirty="0" smtClean="0">
-                <a:ln>
-                  <a:noFill/>
-                </a:ln>
-                <a:solidFill>
-                  <a:srgbClr val="0000FF"/>
-                </a:solidFill>
-                <a:effectLst/>
-                <a:latin typeface="Courier New" panose="02070309020205020404" pitchFamily="49" charset="0"/>
-                <a:cs typeface="Courier New" panose="02070309020205020404" pitchFamily="49" charset="0"/>
-              </a:rPr>
-              <a:t>16</a:t>
-            </a:r>
-            <a:r>
-              <a:rPr kumimoji="0" lang="en-US" altLang="en-US" sz="900" b="0" i="0" u="none" strike="noStrike" cap="none" normalizeH="0" baseline="0" dirty="0" smtClean="0">
-                <a:ln>
-                  <a:noFill/>
-                </a:ln>
-                <a:solidFill>
-                  <a:srgbClr val="000000"/>
-                </a:solidFill>
-                <a:effectLst/>
-                <a:latin typeface="Courier New" panose="02070309020205020404" pitchFamily="49" charset="0"/>
-                <a:cs typeface="Courier New" panose="02070309020205020404" pitchFamily="49" charset="0"/>
-              </a:rPr>
-              <a:t>);</a:t>
-            </a:r>
-            <a:r>
-              <a:rPr kumimoji="0" lang="en-US" altLang="en-US" sz="900" b="0" i="1" u="none" strike="noStrike" cap="none" normalizeH="0" baseline="0" dirty="0" smtClean="0">
-                <a:ln>
-                  <a:noFill/>
-                </a:ln>
-                <a:solidFill>
-                  <a:srgbClr val="808080"/>
-                </a:solidFill>
-                <a:effectLst/>
-                <a:latin typeface="Courier New" panose="02070309020205020404" pitchFamily="49" charset="0"/>
-                <a:cs typeface="Courier New" panose="02070309020205020404" pitchFamily="49" charset="0"/>
-              </a:rPr>
-              <a:t/>
-            </a:r>
-            <a:br>
-              <a:rPr kumimoji="0" lang="en-US" altLang="en-US" sz="900" b="0" i="1" u="none" strike="noStrike" cap="none" normalizeH="0" baseline="0" dirty="0" smtClean="0">
-                <a:ln>
-                  <a:noFill/>
-                </a:ln>
-                <a:solidFill>
-                  <a:srgbClr val="808080"/>
-                </a:solidFill>
-                <a:effectLst/>
-                <a:latin typeface="Courier New" panose="02070309020205020404" pitchFamily="49" charset="0"/>
-                <a:cs typeface="Courier New" panose="02070309020205020404" pitchFamily="49" charset="0"/>
-              </a:rPr>
-            </a:br>
-            <a:r>
-              <a:rPr kumimoji="0" lang="en-US" altLang="en-US" sz="900" b="1" i="0" u="none" strike="noStrike" cap="none" normalizeH="0" baseline="0" dirty="0" err="1" smtClean="0">
-                <a:ln>
-                  <a:noFill/>
-                </a:ln>
-                <a:solidFill>
-                  <a:srgbClr val="660E7A"/>
-                </a:solidFill>
-                <a:effectLst/>
-                <a:latin typeface="Courier New" panose="02070309020205020404" pitchFamily="49" charset="0"/>
-                <a:cs typeface="Courier New" panose="02070309020205020404" pitchFamily="49" charset="0"/>
-              </a:rPr>
-              <a:t>head</a:t>
-            </a:r>
-            <a:r>
-              <a:rPr kumimoji="0" lang="en-US" altLang="en-US" sz="900" b="0" i="0" u="none" strike="noStrike" cap="none" normalizeH="0" baseline="0" dirty="0" err="1" smtClean="0">
-                <a:ln>
-                  <a:noFill/>
-                </a:ln>
-                <a:solidFill>
-                  <a:srgbClr val="000000"/>
-                </a:solidFill>
-                <a:effectLst/>
-                <a:latin typeface="Courier New" panose="02070309020205020404" pitchFamily="49" charset="0"/>
-                <a:cs typeface="Courier New" panose="02070309020205020404" pitchFamily="49" charset="0"/>
-              </a:rPr>
-              <a:t>.addBox</a:t>
-            </a:r>
-            <a:r>
-              <a:rPr kumimoji="0" lang="en-US" altLang="en-US" sz="900" b="0" i="0" u="none" strike="noStrike" cap="none" normalizeH="0" baseline="0" dirty="0" smtClean="0">
-                <a:ln>
-                  <a:noFill/>
-                </a:ln>
-                <a:solidFill>
-                  <a:srgbClr val="000000"/>
-                </a:solidFill>
-                <a:effectLst/>
-                <a:latin typeface="Courier New" panose="02070309020205020404" pitchFamily="49" charset="0"/>
-                <a:cs typeface="Courier New" panose="02070309020205020404" pitchFamily="49" charset="0"/>
-              </a:rPr>
-              <a:t>(</a:t>
-            </a:r>
-            <a:r>
-              <a:rPr kumimoji="0" lang="en-US" altLang="en-US" sz="900" b="1" i="0" u="none" strike="noStrike" cap="none" normalizeH="0" baseline="0" dirty="0" smtClean="0">
-                <a:ln>
-                  <a:noFill/>
-                </a:ln>
-                <a:solidFill>
-                  <a:srgbClr val="008000"/>
-                </a:solidFill>
-                <a:effectLst/>
-                <a:latin typeface="Courier New" panose="02070309020205020404" pitchFamily="49" charset="0"/>
-                <a:cs typeface="Courier New" panose="02070309020205020404" pitchFamily="49" charset="0"/>
-              </a:rPr>
-              <a:t>"nostril"</a:t>
-            </a:r>
-            <a:r>
-              <a:rPr kumimoji="0" lang="en-US" altLang="en-US" sz="900" b="0" i="0" u="none" strike="noStrike" cap="none" normalizeH="0" baseline="0" dirty="0" smtClean="0">
-                <a:ln>
-                  <a:noFill/>
-                </a:ln>
-                <a:solidFill>
-                  <a:srgbClr val="000000"/>
-                </a:solidFill>
-                <a:effectLst/>
-                <a:latin typeface="Courier New" panose="02070309020205020404" pitchFamily="49" charset="0"/>
-                <a:cs typeface="Courier New" panose="02070309020205020404" pitchFamily="49" charset="0"/>
-              </a:rPr>
-              <a:t>, -</a:t>
-            </a:r>
-            <a:r>
-              <a:rPr kumimoji="0" lang="en-US" altLang="en-US" sz="900" b="0" i="0" u="none" strike="noStrike" cap="none" normalizeH="0" baseline="0" dirty="0" smtClean="0">
-                <a:ln>
-                  <a:noFill/>
-                </a:ln>
-                <a:solidFill>
-                  <a:srgbClr val="0000FF"/>
-                </a:solidFill>
-                <a:effectLst/>
-                <a:latin typeface="Courier New" panose="02070309020205020404" pitchFamily="49" charset="0"/>
-                <a:cs typeface="Courier New" panose="02070309020205020404" pitchFamily="49" charset="0"/>
-              </a:rPr>
-              <a:t>5</a:t>
-            </a:r>
-            <a:r>
-              <a:rPr kumimoji="0" lang="en-US" altLang="en-US" sz="900" b="0" i="0" u="none" strike="noStrike" cap="none" normalizeH="0" baseline="0" dirty="0" smtClean="0">
-                <a:ln>
-                  <a:noFill/>
-                </a:ln>
-                <a:solidFill>
-                  <a:srgbClr val="000000"/>
-                </a:solidFill>
-                <a:effectLst/>
-                <a:latin typeface="Courier New" panose="02070309020205020404" pitchFamily="49" charset="0"/>
-                <a:cs typeface="Courier New" panose="02070309020205020404" pitchFamily="49" charset="0"/>
-              </a:rPr>
-              <a:t>, -</a:t>
-            </a:r>
-            <a:r>
-              <a:rPr kumimoji="0" lang="en-US" altLang="en-US" sz="900" b="0" i="0" u="none" strike="noStrike" cap="none" normalizeH="0" baseline="0" dirty="0" smtClean="0">
-                <a:ln>
-                  <a:noFill/>
-                </a:ln>
-                <a:solidFill>
-                  <a:srgbClr val="0000FF"/>
-                </a:solidFill>
-                <a:effectLst/>
-                <a:latin typeface="Courier New" panose="02070309020205020404" pitchFamily="49" charset="0"/>
-                <a:cs typeface="Courier New" panose="02070309020205020404" pitchFamily="49" charset="0"/>
-              </a:rPr>
-              <a:t>3</a:t>
-            </a:r>
-            <a:r>
-              <a:rPr kumimoji="0" lang="en-US" altLang="en-US" sz="900" b="0" i="0" u="none" strike="noStrike" cap="none" normalizeH="0" baseline="0" dirty="0" smtClean="0">
-                <a:ln>
-                  <a:noFill/>
-                </a:ln>
-                <a:solidFill>
-                  <a:srgbClr val="000000"/>
-                </a:solidFill>
-                <a:effectLst/>
-                <a:latin typeface="Courier New" panose="02070309020205020404" pitchFamily="49" charset="0"/>
-                <a:cs typeface="Courier New" panose="02070309020205020404" pitchFamily="49" charset="0"/>
-              </a:rPr>
-              <a:t>, -</a:t>
-            </a:r>
-            <a:r>
-              <a:rPr kumimoji="0" lang="en-US" altLang="en-US" sz="900" b="0" i="0" u="none" strike="noStrike" cap="none" normalizeH="0" baseline="0" dirty="0" smtClean="0">
-                <a:ln>
-                  <a:noFill/>
-                </a:ln>
-                <a:solidFill>
-                  <a:srgbClr val="0000FF"/>
-                </a:solidFill>
-                <a:effectLst/>
-                <a:latin typeface="Courier New" panose="02070309020205020404" pitchFamily="49" charset="0"/>
-                <a:cs typeface="Courier New" panose="02070309020205020404" pitchFamily="49" charset="0"/>
-              </a:rPr>
-              <a:t>6 </a:t>
-            </a:r>
-            <a:r>
-              <a:rPr kumimoji="0" lang="en-US" altLang="en-US" sz="900" b="0" i="0" u="none" strike="noStrike" cap="none" normalizeH="0" baseline="0" dirty="0" smtClean="0">
-                <a:ln>
-                  <a:noFill/>
-                </a:ln>
-                <a:solidFill>
-                  <a:srgbClr val="000000"/>
-                </a:solidFill>
-                <a:effectLst/>
-                <a:latin typeface="Courier New" panose="02070309020205020404" pitchFamily="49" charset="0"/>
-                <a:cs typeface="Courier New" panose="02070309020205020404" pitchFamily="49" charset="0"/>
-              </a:rPr>
-              <a:t>+ </a:t>
-            </a:r>
-            <a:r>
-              <a:rPr kumimoji="0" lang="en-US" altLang="en-US" sz="900" b="1" i="1" u="none" strike="noStrike" cap="none" normalizeH="0" baseline="0" dirty="0" smtClean="0">
-                <a:ln>
-                  <a:noFill/>
-                </a:ln>
-                <a:solidFill>
-                  <a:srgbClr val="660E7A"/>
-                </a:solidFill>
-                <a:effectLst/>
-                <a:latin typeface="Courier New" panose="02070309020205020404" pitchFamily="49" charset="0"/>
-                <a:cs typeface="Courier New" panose="02070309020205020404" pitchFamily="49" charset="0"/>
-              </a:rPr>
-              <a:t>HEAD_OFFSET_Z_MC</a:t>
-            </a:r>
-            <a:r>
-              <a:rPr kumimoji="0" lang="en-US" altLang="en-US" sz="900" b="0" i="0" u="none" strike="noStrike" cap="none" normalizeH="0" baseline="0" dirty="0" smtClean="0">
-                <a:ln>
-                  <a:noFill/>
-                </a:ln>
-                <a:solidFill>
-                  <a:srgbClr val="000000"/>
-                </a:solidFill>
-                <a:effectLst/>
-                <a:latin typeface="Courier New" panose="02070309020205020404" pitchFamily="49" charset="0"/>
-                <a:cs typeface="Courier New" panose="02070309020205020404" pitchFamily="49" charset="0"/>
-              </a:rPr>
-              <a:t>, </a:t>
-            </a:r>
-            <a:r>
-              <a:rPr kumimoji="0" lang="en-US" altLang="en-US" sz="900" b="0" i="0" u="none" strike="noStrike" cap="none" normalizeH="0" baseline="0" dirty="0" smtClean="0">
-                <a:ln>
-                  <a:noFill/>
-                </a:ln>
-                <a:solidFill>
-                  <a:srgbClr val="0000FF"/>
-                </a:solidFill>
-                <a:effectLst/>
-                <a:latin typeface="Courier New" panose="02070309020205020404" pitchFamily="49" charset="0"/>
-                <a:cs typeface="Courier New" panose="02070309020205020404" pitchFamily="49" charset="0"/>
-              </a:rPr>
-              <a:t>2</a:t>
-            </a:r>
-            <a:r>
-              <a:rPr kumimoji="0" lang="en-US" altLang="en-US" sz="900" b="0" i="0" u="none" strike="noStrike" cap="none" normalizeH="0" baseline="0" dirty="0" smtClean="0">
-                <a:ln>
-                  <a:noFill/>
-                </a:ln>
-                <a:solidFill>
-                  <a:srgbClr val="000000"/>
-                </a:solidFill>
-                <a:effectLst/>
-                <a:latin typeface="Courier New" panose="02070309020205020404" pitchFamily="49" charset="0"/>
-                <a:cs typeface="Courier New" panose="02070309020205020404" pitchFamily="49" charset="0"/>
-              </a:rPr>
-              <a:t>, </a:t>
-            </a:r>
-            <a:r>
-              <a:rPr kumimoji="0" lang="en-US" altLang="en-US" sz="900" b="0" i="0" u="none" strike="noStrike" cap="none" normalizeH="0" baseline="0" dirty="0" smtClean="0">
-                <a:ln>
-                  <a:noFill/>
-                </a:ln>
-                <a:solidFill>
-                  <a:srgbClr val="0000FF"/>
-                </a:solidFill>
-                <a:effectLst/>
-                <a:latin typeface="Courier New" panose="02070309020205020404" pitchFamily="49" charset="0"/>
-                <a:cs typeface="Courier New" panose="02070309020205020404" pitchFamily="49" charset="0"/>
-              </a:rPr>
-              <a:t>2</a:t>
-            </a:r>
-            <a:r>
-              <a:rPr kumimoji="0" lang="en-US" altLang="en-US" sz="900" b="0" i="0" u="none" strike="noStrike" cap="none" normalizeH="0" baseline="0" dirty="0" smtClean="0">
-                <a:ln>
-                  <a:noFill/>
-                </a:ln>
-                <a:solidFill>
-                  <a:srgbClr val="000000"/>
-                </a:solidFill>
-                <a:effectLst/>
-                <a:latin typeface="Courier New" panose="02070309020205020404" pitchFamily="49" charset="0"/>
-                <a:cs typeface="Courier New" panose="02070309020205020404" pitchFamily="49" charset="0"/>
-              </a:rPr>
-              <a:t>, </a:t>
-            </a:r>
-            <a:r>
-              <a:rPr kumimoji="0" lang="en-US" altLang="en-US" sz="900" b="0" i="0" u="none" strike="noStrike" cap="none" normalizeH="0" baseline="0" dirty="0" smtClean="0">
-                <a:ln>
-                  <a:noFill/>
-                </a:ln>
-                <a:solidFill>
-                  <a:srgbClr val="0000FF"/>
-                </a:solidFill>
-                <a:effectLst/>
-                <a:latin typeface="Courier New" panose="02070309020205020404" pitchFamily="49" charset="0"/>
-                <a:cs typeface="Courier New" panose="02070309020205020404" pitchFamily="49" charset="0"/>
-              </a:rPr>
-              <a:t>4</a:t>
+              <a:t>"body"</a:t>
             </a:r>
             <a:r>
               <a:rPr kumimoji="0" lang="en-US" altLang="en-US" sz="900" b="0" i="0" u="none" strike="noStrike" cap="none" normalizeH="0" baseline="0" dirty="0" smtClean="0">
@@ -12692,6 +11745,20 @@
               </a:rPr>
             </a:br>
             <a:r>
+              <a:rPr kumimoji="0" lang="en-US" altLang="en-US" sz="900" b="0" i="0" u="none" strike="noStrike" cap="none" normalizeH="0" baseline="0" dirty="0" smtClean="0">
+                <a:ln>
+                  <a:noFill/>
+                </a:ln>
+                <a:solidFill>
+                  <a:srgbClr val="000000"/>
+                </a:solidFill>
+                <a:effectLst/>
+                <a:latin typeface="Courier New" panose="02070309020205020404" pitchFamily="49" charset="0"/>
+                <a:cs typeface="Courier New" panose="02070309020205020404" pitchFamily="49" charset="0"/>
+              </a:rPr>
+              <a:t>  </a:t>
+            </a:r>
+            <a:r>
               <a:rPr kumimoji="0" lang="en-US" altLang="en-US" sz="900" b="1" i="0" u="none" strike="noStrike" cap="none" normalizeH="0" baseline="0" dirty="0" err="1" smtClean="0">
                 <a:ln>
                   <a:noFill/>
@@ -12703,7 +11770,7 @@
                 <a:latin typeface="Courier New" panose="02070309020205020404" pitchFamily="49" charset="0"/>
                 <a:cs typeface="Courier New" panose="02070309020205020404" pitchFamily="49" charset="0"/>
               </a:rPr>
-              <a:t>head</a:t>
+              <a:t>body</a:t>
             </a:r>
             <a:r>
               <a:rPr kumimoji="0" lang="en-US" altLang="en-US" sz="900" b="0" i="0" u="none" strike="noStrike" cap="none" normalizeH="0" baseline="0" dirty="0" err="1" smtClean="0">
@@ -12717,35 +11784,7 @@
                 <a:latin typeface="Courier New" panose="02070309020205020404" pitchFamily="49" charset="0"/>
                 <a:cs typeface="Courier New" panose="02070309020205020404" pitchFamily="49" charset="0"/>
               </a:rPr>
-              <a:t>.</a:t>
-            </a:r>
-            <a:r>
-              <a:rPr kumimoji="0" lang="en-US" altLang="en-US" sz="900" b="1" i="0" u="none" strike="noStrike" cap="none" normalizeH="0" baseline="0" dirty="0" err="1" smtClean="0">
-                <a:ln>
-                  <a:noFill/>
-                </a:ln>
-                <a:solidFill>
-                  <a:srgbClr val="660E7A"/>
-                </a:solidFill>
-                <a:effectLst/>
-                <a:latin typeface="Courier New" panose="02070309020205020404" pitchFamily="49" charset="0"/>
-                <a:cs typeface="Courier New" panose="02070309020205020404" pitchFamily="49" charset="0"/>
-              </a:rPr>
-              <a:t>mirror</a:t>
-            </a:r>
-            <a:r>
-              <a:rPr kumimoji="0" lang="en-US" altLang="en-US" sz="900" b="1" i="0" u="none" strike="noStrike" cap="none" normalizeH="0" baseline="0" dirty="0" smtClean="0">
-                <a:ln>
-                  <a:noFill/>
-                </a:ln>
-                <a:solidFill>
-                  <a:srgbClr val="660E7A"/>
-                </a:solidFill>
-                <a:effectLst/>
-                <a:latin typeface="Courier New" panose="02070309020205020404" pitchFamily="49" charset="0"/>
-                <a:cs typeface="Courier New" panose="02070309020205020404" pitchFamily="49" charset="0"/>
-              </a:rPr>
-              <a:t> </a:t>
+              <a:t>.setRotationPoint</a:t>
             </a:r>
             <a:r>
               <a:rPr kumimoji="0" lang="en-US" altLang="en-US" sz="900" b="0" i="0" u="none" strike="noStrike" cap="none" normalizeH="0" baseline="0" dirty="0" smtClean="0">
@@ -12759,21 +11798,7 @@
                 <a:latin typeface="Courier New" panose="02070309020205020404" pitchFamily="49" charset="0"/>
                 <a:cs typeface="Courier New" panose="02070309020205020404" pitchFamily="49" charset="0"/>
               </a:rPr>
-              <a:t>= </a:t>
-            </a:r>
-            <a:r>
-              <a:rPr kumimoji="0" lang="en-US" altLang="en-US" sz="900" b="1" i="0" u="none" strike="noStrike" cap="none" normalizeH="0" baseline="0" dirty="0" smtClean="0">
-                <a:ln>
-                  <a:noFill/>
-                </a:ln>
-                <a:solidFill>
-                  <a:srgbClr val="000080"/>
-                </a:solidFill>
-                <a:effectLst/>
-                <a:latin typeface="Courier New" panose="02070309020205020404" pitchFamily="49" charset="0"/>
-                <a:cs typeface="Courier New" panose="02070309020205020404" pitchFamily="49" charset="0"/>
-              </a:rPr>
-              <a:t>true</a:t>
+              <a:t>(</a:t>
             </a:r>
             <a:r>
               <a:rPr kumimoji="0" lang="en-US" altLang="en-US" sz="900" b="0" i="0" u="none" strike="noStrike" cap="none" normalizeH="0" baseline="0" dirty="0" smtClean="0">
@@ -12781,13 +11806,83 @@
                   <a:noFill/>
                 </a:ln>
                 <a:solidFill>
+                  <a:srgbClr val="0000FF"/>
+                </a:solidFill>
+                <a:effectLst/>
+                <a:latin typeface="Courier New" panose="02070309020205020404" pitchFamily="49" charset="0"/>
+                <a:cs typeface="Courier New" panose="02070309020205020404" pitchFamily="49" charset="0"/>
+              </a:rPr>
+              <a:t>0</a:t>
+            </a:r>
+            <a:r>
+              <a:rPr kumimoji="0" lang="en-US" altLang="en-US" sz="900" b="0" i="0" u="none" strike="noStrike" cap="none" normalizeH="0" baseline="0" dirty="0" smtClean="0">
+                <a:ln>
+                  <a:noFill/>
+                </a:ln>
+                <a:solidFill>
                   <a:srgbClr val="000000"/>
                 </a:solidFill>
                 <a:effectLst/>
                 <a:latin typeface="Courier New" panose="02070309020205020404" pitchFamily="49" charset="0"/>
                 <a:cs typeface="Courier New" panose="02070309020205020404" pitchFamily="49" charset="0"/>
               </a:rPr>
-              <a:t>;</a:t>
+              <a:t>, </a:t>
+            </a:r>
+            <a:r>
+              <a:rPr kumimoji="0" lang="en-US" altLang="en-US" sz="900" b="0" i="0" u="none" strike="noStrike" cap="none" normalizeH="0" baseline="0" dirty="0" smtClean="0">
+                <a:ln>
+                  <a:noFill/>
+                </a:ln>
+                <a:solidFill>
+                  <a:srgbClr val="0000FF"/>
+                </a:solidFill>
+                <a:effectLst/>
+                <a:latin typeface="Courier New" panose="02070309020205020404" pitchFamily="49" charset="0"/>
+                <a:cs typeface="Courier New" panose="02070309020205020404" pitchFamily="49" charset="0"/>
+              </a:rPr>
+              <a:t>4</a:t>
+            </a:r>
+            <a:r>
+              <a:rPr kumimoji="0" lang="en-US" altLang="en-US" sz="900" b="0" i="0" u="none" strike="noStrike" cap="none" normalizeH="0" baseline="0" dirty="0" smtClean="0">
+                <a:ln>
+                  <a:noFill/>
+                </a:ln>
+                <a:solidFill>
+                  <a:srgbClr val="000000"/>
+                </a:solidFill>
+                <a:effectLst/>
+                <a:latin typeface="Courier New" panose="02070309020205020404" pitchFamily="49" charset="0"/>
+                <a:cs typeface="Courier New" panose="02070309020205020404" pitchFamily="49" charset="0"/>
+              </a:rPr>
+              <a:t>, </a:t>
+            </a:r>
+            <a:r>
+              <a:rPr kumimoji="0" lang="en-US" altLang="en-US" sz="900" b="0" i="0" u="none" strike="noStrike" cap="none" normalizeH="0" baseline="0" dirty="0" smtClean="0">
+                <a:ln>
+                  <a:noFill/>
+                </a:ln>
+                <a:solidFill>
+                  <a:srgbClr val="0000FF"/>
+                </a:solidFill>
+                <a:effectLst/>
+                <a:latin typeface="Courier New" panose="02070309020205020404" pitchFamily="49" charset="0"/>
+                <a:cs typeface="Courier New" panose="02070309020205020404" pitchFamily="49" charset="0"/>
+              </a:rPr>
+              <a:t>8</a:t>
+            </a:r>
+            <a:r>
+              <a:rPr kumimoji="0" lang="en-US" altLang="en-US" sz="900" b="0" i="0" u="none" strike="noStrike" cap="none" normalizeH="0" baseline="0" dirty="0" smtClean="0">
+                <a:ln>
+                  <a:noFill/>
+                </a:ln>
+                <a:solidFill>
+                  <a:srgbClr val="000000"/>
+                </a:solidFill>
+                <a:effectLst/>
+                <a:latin typeface="Courier New" panose="02070309020205020404" pitchFamily="49" charset="0"/>
+                <a:cs typeface="Courier New" panose="02070309020205020404" pitchFamily="49" charset="0"/>
+              </a:rPr>
+              <a:t>);</a:t>
             </a:r>
             <a:br>
               <a:rPr kumimoji="0" lang="en-US" altLang="en-US" sz="900" b="0" i="0" u="none" strike="noStrike" cap="none" normalizeH="0" baseline="0" dirty="0" smtClean="0">
@@ -12803,6 +11898,20 @@
               </a:rPr>
             </a:br>
             <a:r>
+              <a:rPr kumimoji="0" lang="en-US" altLang="en-US" sz="900" b="0" i="0" u="none" strike="noStrike" cap="none" normalizeH="0" baseline="0" dirty="0" smtClean="0">
+                <a:ln>
+                  <a:noFill/>
+                </a:ln>
+                <a:solidFill>
+                  <a:srgbClr val="000000"/>
+                </a:solidFill>
+                <a:effectLst/>
+                <a:latin typeface="Courier New" panose="02070309020205020404" pitchFamily="49" charset="0"/>
+                <a:cs typeface="Courier New" panose="02070309020205020404" pitchFamily="49" charset="0"/>
+              </a:rPr>
+              <a:t>  </a:t>
+            </a:r>
+            <a:r>
               <a:rPr kumimoji="0" lang="en-US" altLang="en-US" sz="900" b="1" i="0" u="none" strike="noStrike" cap="none" normalizeH="0" baseline="0" dirty="0" err="1" smtClean="0">
                 <a:ln>
                   <a:noFill/>
@@ -12814,7 +11923,7 @@
                 <a:latin typeface="Courier New" panose="02070309020205020404" pitchFamily="49" charset="0"/>
                 <a:cs typeface="Courier New" panose="02070309020205020404" pitchFamily="49" charset="0"/>
               </a:rPr>
-              <a:t>head</a:t>
+              <a:t>body</a:t>
             </a:r>
             <a:r>
               <a:rPr kumimoji="0" lang="en-US" altLang="en-US" sz="900" b="0" i="0" u="none" strike="noStrike" cap="none" normalizeH="0" baseline="0" dirty="0" err="1" smtClean="0">
@@ -12856,7 +11965,7 @@
                 <a:latin typeface="Courier New" panose="02070309020205020404" pitchFamily="49" charset="0"/>
                 <a:cs typeface="Courier New" panose="02070309020205020404" pitchFamily="49" charset="0"/>
               </a:rPr>
-              <a:t>"nostril"</a:t>
+              <a:t>"body"</a:t>
             </a:r>
             <a:r>
               <a:rPr kumimoji="0" lang="en-US" altLang="en-US" sz="900" b="0" i="0" u="none" strike="noStrike" cap="none" normalizeH="0" baseline="0" dirty="0" smtClean="0">
@@ -12870,6 +11979,34 @@
                 <a:latin typeface="Courier New" panose="02070309020205020404" pitchFamily="49" charset="0"/>
                 <a:cs typeface="Courier New" panose="02070309020205020404" pitchFamily="49" charset="0"/>
               </a:rPr>
+              <a:t>, -</a:t>
+            </a:r>
+            <a:r>
+              <a:rPr kumimoji="0" lang="en-US" altLang="en-US" sz="900" b="0" i="0" u="none" strike="noStrike" cap="none" normalizeH="0" baseline="0" dirty="0" smtClean="0">
+                <a:ln>
+                  <a:noFill/>
+                </a:ln>
+                <a:solidFill>
+                  <a:srgbClr val="0000FF"/>
+                </a:solidFill>
+                <a:effectLst/>
+                <a:latin typeface="Courier New" panose="02070309020205020404" pitchFamily="49" charset="0"/>
+                <a:cs typeface="Courier New" panose="02070309020205020404" pitchFamily="49" charset="0"/>
+              </a:rPr>
+              <a:t>12</a:t>
+            </a:r>
+            <a:r>
+              <a:rPr kumimoji="0" lang="en-US" altLang="en-US" sz="900" b="0" i="0" u="none" strike="noStrike" cap="none" normalizeH="0" baseline="0" dirty="0" smtClean="0">
+                <a:ln>
+                  <a:noFill/>
+                </a:ln>
+                <a:solidFill>
+                  <a:srgbClr val="000000"/>
+                </a:solidFill>
+                <a:effectLst/>
+                <a:latin typeface="Courier New" panose="02070309020205020404" pitchFamily="49" charset="0"/>
+                <a:cs typeface="Courier New" panose="02070309020205020404" pitchFamily="49" charset="0"/>
+              </a:rPr>
               <a:t>, </a:t>
             </a:r>
             <a:r>
@@ -12884,7 +12021,7 @@
                 <a:latin typeface="Courier New" panose="02070309020205020404" pitchFamily="49" charset="0"/>
                 <a:cs typeface="Courier New" panose="02070309020205020404" pitchFamily="49" charset="0"/>
               </a:rPr>
-              <a:t>3</a:t>
+              <a:t>0</a:t>
             </a:r>
             <a:r>
               <a:rPr kumimoji="0" lang="en-US" altLang="en-US" sz="900" b="0" i="0" u="none" strike="noStrike" cap="none" normalizeH="0" baseline="0" dirty="0" smtClean="0">
@@ -12912,7 +12049,7 @@
                 <a:latin typeface="Courier New" panose="02070309020205020404" pitchFamily="49" charset="0"/>
                 <a:cs typeface="Courier New" panose="02070309020205020404" pitchFamily="49" charset="0"/>
               </a:rPr>
-              <a:t>3</a:t>
+              <a:t>16</a:t>
             </a:r>
             <a:r>
               <a:rPr kumimoji="0" lang="en-US" altLang="en-US" sz="900" b="0" i="0" u="none" strike="noStrike" cap="none" normalizeH="0" baseline="0" dirty="0" smtClean="0">
@@ -12926,7 +12063,7 @@
                 <a:latin typeface="Courier New" panose="02070309020205020404" pitchFamily="49" charset="0"/>
                 <a:cs typeface="Courier New" panose="02070309020205020404" pitchFamily="49" charset="0"/>
               </a:rPr>
-              <a:t>, -</a:t>
+              <a:t>, </a:t>
             </a:r>
             <a:r>
               <a:rPr kumimoji="0" lang="en-US" altLang="en-US" sz="900" b="0" i="0" u="none" strike="noStrike" cap="none" normalizeH="0" baseline="0" dirty="0" smtClean="0">
@@ -12940,7 +12077,7 @@
                 <a:latin typeface="Courier New" panose="02070309020205020404" pitchFamily="49" charset="0"/>
                 <a:cs typeface="Courier New" panose="02070309020205020404" pitchFamily="49" charset="0"/>
               </a:rPr>
-              <a:t>6 </a:t>
+              <a:t>24</a:t>
             </a:r>
             <a:r>
               <a:rPr kumimoji="0" lang="en-US" altLang="en-US" sz="900" b="0" i="0" u="none" strike="noStrike" cap="none" normalizeH="0" baseline="0" dirty="0" smtClean="0">
@@ -12954,21 +12091,7 @@
                 <a:latin typeface="Courier New" panose="02070309020205020404" pitchFamily="49" charset="0"/>
                 <a:cs typeface="Courier New" panose="02070309020205020404" pitchFamily="49" charset="0"/>
               </a:rPr>
-              <a:t>+ </a:t>
-            </a:r>
-            <a:r>
-              <a:rPr kumimoji="0" lang="en-US" altLang="en-US" sz="900" b="1" i="1" u="none" strike="noStrike" cap="none" normalizeH="0" baseline="0" dirty="0" smtClean="0">
-                <a:ln>
-                  <a:noFill/>
-                </a:ln>
-                <a:solidFill>
-                  <a:srgbClr val="660E7A"/>
-                </a:solidFill>
-                <a:effectLst/>
-                <a:latin typeface="Courier New" panose="02070309020205020404" pitchFamily="49" charset="0"/>
-                <a:cs typeface="Courier New" panose="02070309020205020404" pitchFamily="49" charset="0"/>
-              </a:rPr>
-              <a:t>HEAD_OFFSET_Z_MC</a:t>
+              <a:t>, </a:t>
             </a:r>
             <a:r>
               <a:rPr kumimoji="0" lang="en-US" altLang="en-US" sz="900" b="0" i="0" u="none" strike="noStrike" cap="none" normalizeH="0" baseline="0" dirty="0" smtClean="0">
@@ -12976,6 +12099,20 @@
                   <a:noFill/>
                 </a:ln>
                 <a:solidFill>
+                  <a:srgbClr val="0000FF"/>
+                </a:solidFill>
+                <a:effectLst/>
+                <a:latin typeface="Courier New" panose="02070309020205020404" pitchFamily="49" charset="0"/>
+                <a:cs typeface="Courier New" panose="02070309020205020404" pitchFamily="49" charset="0"/>
+              </a:rPr>
+              <a:t>24</a:t>
+            </a:r>
+            <a:r>
+              <a:rPr kumimoji="0" lang="en-US" altLang="en-US" sz="900" b="0" i="0" u="none" strike="noStrike" cap="none" normalizeH="0" baseline="0" dirty="0" smtClean="0">
+                <a:ln>
+                  <a:noFill/>
+                </a:ln>
+                <a:solidFill>
                   <a:srgbClr val="000000"/>
                 </a:solidFill>
                 <a:effectLst/>
@@ -12996,743 +12133,7 @@
                 <a:latin typeface="Courier New" panose="02070309020205020404" pitchFamily="49" charset="0"/>
                 <a:cs typeface="Courier New" panose="02070309020205020404" pitchFamily="49" charset="0"/>
               </a:rPr>
-              <a:t>2</a:t>
-            </a:r>
-            <a:r>
-              <a:rPr kumimoji="0" lang="en-US" altLang="en-US" sz="900" b="0" i="0" u="none" strike="noStrike" cap="none" normalizeH="0" baseline="0" dirty="0" smtClean="0">
-                <a:ln>
-                  <a:noFill/>
-                </a:ln>
-                <a:solidFill>
-                  <a:srgbClr val="000000"/>
-                </a:solidFill>
-                <a:effectLst/>
-                <a:latin typeface="Courier New" panose="02070309020205020404" pitchFamily="49" charset="0"/>
-                <a:cs typeface="Courier New" panose="02070309020205020404" pitchFamily="49" charset="0"/>
-              </a:rPr>
-              <a:t>, </a:t>
-            </a:r>
-            <a:r>
-              <a:rPr kumimoji="0" lang="en-US" altLang="en-US" sz="900" b="0" i="0" u="none" strike="noStrike" cap="none" normalizeH="0" baseline="0" dirty="0" smtClean="0">
-                <a:ln>
-                  <a:noFill/>
-                </a:ln>
-                <a:solidFill>
-                  <a:srgbClr val="0000FF"/>
-                </a:solidFill>
-                <a:effectLst/>
-                <a:latin typeface="Courier New" panose="02070309020205020404" pitchFamily="49" charset="0"/>
-                <a:cs typeface="Courier New" panose="02070309020205020404" pitchFamily="49" charset="0"/>
-              </a:rPr>
-              <a:t>2</a:t>
-            </a:r>
-            <a:r>
-              <a:rPr kumimoji="0" lang="en-US" altLang="en-US" sz="900" b="0" i="0" u="none" strike="noStrike" cap="none" normalizeH="0" baseline="0" dirty="0" smtClean="0">
-                <a:ln>
-                  <a:noFill/>
-                </a:ln>
-                <a:solidFill>
-                  <a:srgbClr val="000000"/>
-                </a:solidFill>
-                <a:effectLst/>
-                <a:latin typeface="Courier New" panose="02070309020205020404" pitchFamily="49" charset="0"/>
-                <a:cs typeface="Courier New" panose="02070309020205020404" pitchFamily="49" charset="0"/>
-              </a:rPr>
-              <a:t>, </a:t>
-            </a:r>
-            <a:r>
-              <a:rPr kumimoji="0" lang="en-US" altLang="en-US" sz="900" b="0" i="0" u="none" strike="noStrike" cap="none" normalizeH="0" baseline="0" dirty="0" smtClean="0">
-                <a:ln>
-                  <a:noFill/>
-                </a:ln>
-                <a:solidFill>
-                  <a:srgbClr val="0000FF"/>
-                </a:solidFill>
-                <a:effectLst/>
-                <a:latin typeface="Courier New" panose="02070309020205020404" pitchFamily="49" charset="0"/>
-                <a:cs typeface="Courier New" panose="02070309020205020404" pitchFamily="49" charset="0"/>
-              </a:rPr>
-              <a:t>4</a:t>
-            </a:r>
-            <a:r>
-              <a:rPr kumimoji="0" lang="en-US" altLang="en-US" sz="900" b="0" i="0" u="none" strike="noStrike" cap="none" normalizeH="0" baseline="0" dirty="0" smtClean="0">
-                <a:ln>
-                  <a:noFill/>
-                </a:ln>
-                <a:solidFill>
-                  <a:srgbClr val="000000"/>
-                </a:solidFill>
-                <a:effectLst/>
-                <a:latin typeface="Courier New" panose="02070309020205020404" pitchFamily="49" charset="0"/>
-                <a:cs typeface="Courier New" panose="02070309020205020404" pitchFamily="49" charset="0"/>
-              </a:rPr>
-              <a:t>);</a:t>
-            </a:r>
-            <a:br>
-              <a:rPr kumimoji="0" lang="en-US" altLang="en-US" sz="900" b="0" i="0" u="none" strike="noStrike" cap="none" normalizeH="0" baseline="0" dirty="0" smtClean="0">
-                <a:ln>
-                  <a:noFill/>
-                </a:ln>
-                <a:solidFill>
-                  <a:srgbClr val="000000"/>
-                </a:solidFill>
-                <a:effectLst/>
-                <a:latin typeface="Courier New" panose="02070309020205020404" pitchFamily="49" charset="0"/>
-                <a:cs typeface="Courier New" panose="02070309020205020404" pitchFamily="49" charset="0"/>
-              </a:rPr>
-            </a:br>
-            <a:r>
-              <a:rPr kumimoji="0" lang="en-US" altLang="en-US" sz="900" b="0" i="0" u="none" strike="noStrike" cap="none" normalizeH="0" baseline="0" dirty="0" smtClean="0">
-                <a:ln>
-                  <a:noFill/>
-                </a:ln>
-                <a:solidFill>
-                  <a:srgbClr val="000000"/>
-                </a:solidFill>
-                <a:effectLst/>
-                <a:latin typeface="Courier New" panose="02070309020205020404" pitchFamily="49" charset="0"/>
-                <a:cs typeface="Courier New" panose="02070309020205020404" pitchFamily="49" charset="0"/>
-              </a:rPr>
-              <a:t/>
-            </a:r>
-            <a:br>
-              <a:rPr kumimoji="0" lang="en-US" altLang="en-US" sz="900" b="0" i="0" u="none" strike="noStrike" cap="none" normalizeH="0" baseline="0" dirty="0" smtClean="0">
-                <a:ln>
-                  <a:noFill/>
-                </a:ln>
-                <a:solidFill>
-                  <a:srgbClr val="000000"/>
-                </a:solidFill>
-                <a:effectLst/>
-                <a:latin typeface="Courier New" panose="02070309020205020404" pitchFamily="49" charset="0"/>
-                <a:cs typeface="Courier New" panose="02070309020205020404" pitchFamily="49" charset="0"/>
-              </a:rPr>
-            </a:br>
-            <a:r>
-              <a:rPr kumimoji="0" lang="en-US" altLang="en-US" sz="900" b="0" i="0" u="none" strike="noStrike" cap="none" normalizeH="0" baseline="0" dirty="0" err="1" smtClean="0">
-                <a:ln>
-                  <a:noFill/>
-                </a:ln>
-                <a:solidFill>
-                  <a:srgbClr val="000000"/>
-                </a:solidFill>
-                <a:effectLst/>
-                <a:latin typeface="Courier New" panose="02070309020205020404" pitchFamily="49" charset="0"/>
-                <a:cs typeface="Courier New" panose="02070309020205020404" pitchFamily="49" charset="0"/>
-              </a:rPr>
-              <a:t>buildHorn</a:t>
-            </a:r>
-            <a:r>
-              <a:rPr kumimoji="0" lang="en-US" altLang="en-US" sz="900" b="0" i="0" u="none" strike="noStrike" cap="none" normalizeH="0" baseline="0" dirty="0" smtClean="0">
-                <a:ln>
-                  <a:noFill/>
-                </a:ln>
-                <a:solidFill>
-                  <a:srgbClr val="000000"/>
-                </a:solidFill>
-                <a:effectLst/>
-                <a:latin typeface="Courier New" panose="02070309020205020404" pitchFamily="49" charset="0"/>
-                <a:cs typeface="Courier New" panose="02070309020205020404" pitchFamily="49" charset="0"/>
-              </a:rPr>
-              <a:t>(</a:t>
-            </a:r>
-            <a:r>
-              <a:rPr kumimoji="0" lang="en-US" altLang="en-US" sz="900" b="1" i="0" u="none" strike="noStrike" cap="none" normalizeH="0" baseline="0" dirty="0" smtClean="0">
-                <a:ln>
-                  <a:noFill/>
-                </a:ln>
-                <a:solidFill>
-                  <a:srgbClr val="000080"/>
-                </a:solidFill>
-                <a:effectLst/>
-                <a:latin typeface="Courier New" panose="02070309020205020404" pitchFamily="49" charset="0"/>
-                <a:cs typeface="Courier New" panose="02070309020205020404" pitchFamily="49" charset="0"/>
-              </a:rPr>
-              <a:t>false</a:t>
-            </a:r>
-            <a:r>
-              <a:rPr kumimoji="0" lang="en-US" altLang="en-US" sz="900" b="0" i="0" u="none" strike="noStrike" cap="none" normalizeH="0" baseline="0" dirty="0" smtClean="0">
-                <a:ln>
-                  <a:noFill/>
-                </a:ln>
-                <a:solidFill>
-                  <a:srgbClr val="000000"/>
-                </a:solidFill>
-                <a:effectLst/>
-                <a:latin typeface="Courier New" panose="02070309020205020404" pitchFamily="49" charset="0"/>
-                <a:cs typeface="Courier New" panose="02070309020205020404" pitchFamily="49" charset="0"/>
-              </a:rPr>
-              <a:t>);</a:t>
-            </a:r>
-            <a:br>
-              <a:rPr kumimoji="0" lang="en-US" altLang="en-US" sz="900" b="0" i="0" u="none" strike="noStrike" cap="none" normalizeH="0" baseline="0" dirty="0" smtClean="0">
-                <a:ln>
-                  <a:noFill/>
-                </a:ln>
-                <a:solidFill>
-                  <a:srgbClr val="000000"/>
-                </a:solidFill>
-                <a:effectLst/>
-                <a:latin typeface="Courier New" panose="02070309020205020404" pitchFamily="49" charset="0"/>
-                <a:cs typeface="Courier New" panose="02070309020205020404" pitchFamily="49" charset="0"/>
-              </a:rPr>
-            </a:br>
-            <a:r>
-              <a:rPr kumimoji="0" lang="en-US" altLang="en-US" sz="900" b="0" i="0" u="none" strike="noStrike" cap="none" normalizeH="0" baseline="0" dirty="0" err="1" smtClean="0">
-                <a:ln>
-                  <a:noFill/>
-                </a:ln>
-                <a:solidFill>
-                  <a:srgbClr val="000000"/>
-                </a:solidFill>
-                <a:effectLst/>
-                <a:latin typeface="Courier New" panose="02070309020205020404" pitchFamily="49" charset="0"/>
-                <a:cs typeface="Courier New" panose="02070309020205020404" pitchFamily="49" charset="0"/>
-              </a:rPr>
-              <a:t>buildHorn</a:t>
-            </a:r>
-            <a:r>
-              <a:rPr kumimoji="0" lang="en-US" altLang="en-US" sz="900" b="0" i="0" u="none" strike="noStrike" cap="none" normalizeH="0" baseline="0" dirty="0" smtClean="0">
-                <a:ln>
-                  <a:noFill/>
-                </a:ln>
-                <a:solidFill>
-                  <a:srgbClr val="000000"/>
-                </a:solidFill>
-                <a:effectLst/>
-                <a:latin typeface="Courier New" panose="02070309020205020404" pitchFamily="49" charset="0"/>
-                <a:cs typeface="Courier New" panose="02070309020205020404" pitchFamily="49" charset="0"/>
-              </a:rPr>
-              <a:t>(</a:t>
-            </a:r>
-            <a:r>
-              <a:rPr kumimoji="0" lang="en-US" altLang="en-US" sz="900" b="1" i="0" u="none" strike="noStrike" cap="none" normalizeH="0" baseline="0" dirty="0" smtClean="0">
-                <a:ln>
-                  <a:noFill/>
-                </a:ln>
-                <a:solidFill>
-                  <a:srgbClr val="000080"/>
-                </a:solidFill>
-                <a:effectLst/>
-                <a:latin typeface="Courier New" panose="02070309020205020404" pitchFamily="49" charset="0"/>
-                <a:cs typeface="Courier New" panose="02070309020205020404" pitchFamily="49" charset="0"/>
-              </a:rPr>
-              <a:t>true</a:t>
-            </a:r>
-            <a:r>
-              <a:rPr kumimoji="0" lang="en-US" altLang="en-US" sz="900" b="0" i="0" u="none" strike="noStrike" cap="none" normalizeH="0" baseline="0" dirty="0" smtClean="0">
-                <a:ln>
-                  <a:noFill/>
-                </a:ln>
-                <a:solidFill>
-                  <a:srgbClr val="000000"/>
-                </a:solidFill>
-                <a:effectLst/>
-                <a:latin typeface="Courier New" panose="02070309020205020404" pitchFamily="49" charset="0"/>
-                <a:cs typeface="Courier New" panose="02070309020205020404" pitchFamily="49" charset="0"/>
-              </a:rPr>
-              <a:t>);</a:t>
-            </a:r>
-            <a:br>
-              <a:rPr kumimoji="0" lang="en-US" altLang="en-US" sz="900" b="0" i="0" u="none" strike="noStrike" cap="none" normalizeH="0" baseline="0" dirty="0" smtClean="0">
-                <a:ln>
-                  <a:noFill/>
-                </a:ln>
-                <a:solidFill>
-                  <a:srgbClr val="000000"/>
-                </a:solidFill>
-                <a:effectLst/>
-                <a:latin typeface="Courier New" panose="02070309020205020404" pitchFamily="49" charset="0"/>
-                <a:cs typeface="Courier New" panose="02070309020205020404" pitchFamily="49" charset="0"/>
-              </a:rPr>
-            </a:br>
-            <a:r>
-              <a:rPr kumimoji="0" lang="en-US" altLang="en-US" sz="900" b="0" i="0" u="none" strike="noStrike" cap="none" normalizeH="0" baseline="0" dirty="0" smtClean="0">
-                <a:ln>
-                  <a:noFill/>
-                </a:ln>
-                <a:solidFill>
-                  <a:srgbClr val="000000"/>
-                </a:solidFill>
-                <a:effectLst/>
-                <a:latin typeface="Courier New" panose="02070309020205020404" pitchFamily="49" charset="0"/>
-                <a:cs typeface="Courier New" panose="02070309020205020404" pitchFamily="49" charset="0"/>
-              </a:rPr>
-              <a:t/>
-            </a:r>
-            <a:br>
-              <a:rPr kumimoji="0" lang="en-US" altLang="en-US" sz="900" b="0" i="0" u="none" strike="noStrike" cap="none" normalizeH="0" baseline="0" dirty="0" smtClean="0">
-                <a:ln>
-                  <a:noFill/>
-                </a:ln>
-                <a:solidFill>
-                  <a:srgbClr val="000000"/>
-                </a:solidFill>
-                <a:effectLst/>
-                <a:latin typeface="Courier New" panose="02070309020205020404" pitchFamily="49" charset="0"/>
-                <a:cs typeface="Courier New" panose="02070309020205020404" pitchFamily="49" charset="0"/>
-              </a:rPr>
-            </a:br>
-            <a:r>
-              <a:rPr kumimoji="0" lang="en-US" altLang="en-US" sz="900" b="1" i="0" u="none" strike="noStrike" cap="none" normalizeH="0" baseline="0" dirty="0" smtClean="0">
-                <a:ln>
-                  <a:noFill/>
-                </a:ln>
-                <a:solidFill>
-                  <a:srgbClr val="660E7A"/>
-                </a:solidFill>
-                <a:effectLst/>
-                <a:latin typeface="Courier New" panose="02070309020205020404" pitchFamily="49" charset="0"/>
-                <a:cs typeface="Courier New" panose="02070309020205020404" pitchFamily="49" charset="0"/>
-              </a:rPr>
-              <a:t>jaw </a:t>
-            </a:r>
-            <a:r>
-              <a:rPr kumimoji="0" lang="en-US" altLang="en-US" sz="900" b="0" i="0" u="none" strike="noStrike" cap="none" normalizeH="0" baseline="0" dirty="0" smtClean="0">
-                <a:ln>
-                  <a:noFill/>
-                </a:ln>
-                <a:solidFill>
-                  <a:srgbClr val="000000"/>
-                </a:solidFill>
-                <a:effectLst/>
-                <a:latin typeface="Courier New" panose="02070309020205020404" pitchFamily="49" charset="0"/>
-                <a:cs typeface="Courier New" panose="02070309020205020404" pitchFamily="49" charset="0"/>
-              </a:rPr>
-              <a:t>= </a:t>
-            </a:r>
-            <a:r>
-              <a:rPr kumimoji="0" lang="en-US" altLang="en-US" sz="900" b="1" i="0" u="none" strike="noStrike" cap="none" normalizeH="0" baseline="0" dirty="0" err="1" smtClean="0">
-                <a:ln>
-                  <a:noFill/>
-                </a:ln>
-                <a:solidFill>
-                  <a:srgbClr val="660E7A"/>
-                </a:solidFill>
-                <a:effectLst/>
-                <a:latin typeface="Courier New" panose="02070309020205020404" pitchFamily="49" charset="0"/>
-                <a:cs typeface="Courier New" panose="02070309020205020404" pitchFamily="49" charset="0"/>
-              </a:rPr>
-              <a:t>head</a:t>
-            </a:r>
-            <a:r>
-              <a:rPr kumimoji="0" lang="en-US" altLang="en-US" sz="900" b="0" i="0" u="none" strike="noStrike" cap="none" normalizeH="0" baseline="0" dirty="0" err="1" smtClean="0">
-                <a:ln>
-                  <a:noFill/>
-                </a:ln>
-                <a:solidFill>
-                  <a:srgbClr val="000000"/>
-                </a:solidFill>
-                <a:effectLst/>
-                <a:latin typeface="Courier New" panose="02070309020205020404" pitchFamily="49" charset="0"/>
-                <a:cs typeface="Courier New" panose="02070309020205020404" pitchFamily="49" charset="0"/>
-              </a:rPr>
-              <a:t>.addChildBox</a:t>
-            </a:r>
-            <a:r>
-              <a:rPr kumimoji="0" lang="en-US" altLang="en-US" sz="900" b="0" i="0" u="none" strike="noStrike" cap="none" normalizeH="0" baseline="0" dirty="0" smtClean="0">
-                <a:ln>
-                  <a:noFill/>
-                </a:ln>
-                <a:solidFill>
-                  <a:srgbClr val="000000"/>
-                </a:solidFill>
-                <a:effectLst/>
-                <a:latin typeface="Courier New" panose="02070309020205020404" pitchFamily="49" charset="0"/>
-                <a:cs typeface="Courier New" panose="02070309020205020404" pitchFamily="49" charset="0"/>
-              </a:rPr>
-              <a:t>(</a:t>
-            </a:r>
-            <a:r>
-              <a:rPr kumimoji="0" lang="en-US" altLang="en-US" sz="900" b="1" i="0" u="none" strike="noStrike" cap="none" normalizeH="0" baseline="0" dirty="0" smtClean="0">
-                <a:ln>
-                  <a:noFill/>
-                </a:ln>
-                <a:solidFill>
-                  <a:srgbClr val="008000"/>
-                </a:solidFill>
-                <a:effectLst/>
-                <a:latin typeface="Courier New" panose="02070309020205020404" pitchFamily="49" charset="0"/>
-                <a:cs typeface="Courier New" panose="02070309020205020404" pitchFamily="49" charset="0"/>
-              </a:rPr>
-              <a:t>"</a:t>
-            </a:r>
-            <a:r>
-              <a:rPr kumimoji="0" lang="en-US" altLang="en-US" sz="900" b="1" i="0" u="none" strike="noStrike" cap="none" normalizeH="0" baseline="0" dirty="0" err="1" smtClean="0">
-                <a:ln>
-                  <a:noFill/>
-                </a:ln>
-                <a:solidFill>
-                  <a:srgbClr val="008000"/>
-                </a:solidFill>
-                <a:effectLst/>
-                <a:latin typeface="Courier New" panose="02070309020205020404" pitchFamily="49" charset="0"/>
-                <a:cs typeface="Courier New" panose="02070309020205020404" pitchFamily="49" charset="0"/>
-              </a:rPr>
-              <a:t>lowerjaw</a:t>
-            </a:r>
-            <a:r>
-              <a:rPr kumimoji="0" lang="en-US" altLang="en-US" sz="900" b="1" i="0" u="none" strike="noStrike" cap="none" normalizeH="0" baseline="0" dirty="0" smtClean="0">
-                <a:ln>
-                  <a:noFill/>
-                </a:ln>
-                <a:solidFill>
-                  <a:srgbClr val="008000"/>
-                </a:solidFill>
-                <a:effectLst/>
-                <a:latin typeface="Courier New" panose="02070309020205020404" pitchFamily="49" charset="0"/>
-                <a:cs typeface="Courier New" panose="02070309020205020404" pitchFamily="49" charset="0"/>
-              </a:rPr>
-              <a:t>"</a:t>
-            </a:r>
-            <a:r>
-              <a:rPr kumimoji="0" lang="en-US" altLang="en-US" sz="900" b="0" i="0" u="none" strike="noStrike" cap="none" normalizeH="0" baseline="0" dirty="0" smtClean="0">
-                <a:ln>
-                  <a:noFill/>
-                </a:ln>
-                <a:solidFill>
-                  <a:srgbClr val="000000"/>
-                </a:solidFill>
-                <a:effectLst/>
-                <a:latin typeface="Courier New" panose="02070309020205020404" pitchFamily="49" charset="0"/>
-                <a:cs typeface="Courier New" panose="02070309020205020404" pitchFamily="49" charset="0"/>
-              </a:rPr>
-              <a:t>, -</a:t>
-            </a:r>
-            <a:r>
-              <a:rPr kumimoji="0" lang="en-US" altLang="en-US" sz="900" b="0" i="0" u="none" strike="noStrike" cap="none" normalizeH="0" baseline="0" dirty="0" smtClean="0">
-                <a:ln>
-                  <a:noFill/>
-                </a:ln>
-                <a:solidFill>
-                  <a:srgbClr val="0000FF"/>
-                </a:solidFill>
-                <a:effectLst/>
-                <a:latin typeface="Courier New" panose="02070309020205020404" pitchFamily="49" charset="0"/>
-                <a:cs typeface="Courier New" panose="02070309020205020404" pitchFamily="49" charset="0"/>
-              </a:rPr>
-              <a:t>6</a:t>
-            </a:r>
-            <a:r>
-              <a:rPr kumimoji="0" lang="en-US" altLang="en-US" sz="900" b="0" i="0" u="none" strike="noStrike" cap="none" normalizeH="0" baseline="0" dirty="0" smtClean="0">
-                <a:ln>
-                  <a:noFill/>
-                </a:ln>
-                <a:solidFill>
-                  <a:srgbClr val="000000"/>
-                </a:solidFill>
-                <a:effectLst/>
-                <a:latin typeface="Courier New" panose="02070309020205020404" pitchFamily="49" charset="0"/>
-                <a:cs typeface="Courier New" panose="02070309020205020404" pitchFamily="49" charset="0"/>
-              </a:rPr>
-              <a:t>, </a:t>
-            </a:r>
-            <a:r>
-              <a:rPr kumimoji="0" lang="en-US" altLang="en-US" sz="900" b="0" i="0" u="none" strike="noStrike" cap="none" normalizeH="0" baseline="0" dirty="0" smtClean="0">
-                <a:ln>
-                  <a:noFill/>
-                </a:ln>
-                <a:solidFill>
-                  <a:srgbClr val="0000FF"/>
-                </a:solidFill>
-                <a:effectLst/>
-                <a:latin typeface="Courier New" panose="02070309020205020404" pitchFamily="49" charset="0"/>
-                <a:cs typeface="Courier New" panose="02070309020205020404" pitchFamily="49" charset="0"/>
-              </a:rPr>
-              <a:t>0</a:t>
-            </a:r>
-            <a:r>
-              <a:rPr kumimoji="0" lang="en-US" altLang="en-US" sz="900" b="0" i="0" u="none" strike="noStrike" cap="none" normalizeH="0" baseline="0" dirty="0" smtClean="0">
-                <a:ln>
-                  <a:noFill/>
-                </a:ln>
-                <a:solidFill>
-                  <a:srgbClr val="000000"/>
-                </a:solidFill>
-                <a:effectLst/>
-                <a:latin typeface="Courier New" panose="02070309020205020404" pitchFamily="49" charset="0"/>
-                <a:cs typeface="Courier New" panose="02070309020205020404" pitchFamily="49" charset="0"/>
-              </a:rPr>
-              <a:t>, -</a:t>
-            </a:r>
-            <a:r>
-              <a:rPr kumimoji="0" lang="en-US" altLang="en-US" sz="900" b="0" i="0" u="none" strike="noStrike" cap="none" normalizeH="0" baseline="0" dirty="0" smtClean="0">
-                <a:ln>
-                  <a:noFill/>
-                </a:ln>
-                <a:solidFill>
-                  <a:srgbClr val="0000FF"/>
-                </a:solidFill>
-                <a:effectLst/>
-                <a:latin typeface="Courier New" panose="02070309020205020404" pitchFamily="49" charset="0"/>
-                <a:cs typeface="Courier New" panose="02070309020205020404" pitchFamily="49" charset="0"/>
-              </a:rPr>
-              <a:t>16</a:t>
-            </a:r>
-            <a:r>
-              <a:rPr kumimoji="0" lang="en-US" altLang="en-US" sz="900" b="0" i="0" u="none" strike="noStrike" cap="none" normalizeH="0" baseline="0" dirty="0" smtClean="0">
-                <a:ln>
-                  <a:noFill/>
-                </a:ln>
-                <a:solidFill>
-                  <a:srgbClr val="000000"/>
-                </a:solidFill>
-                <a:effectLst/>
-                <a:latin typeface="Courier New" panose="02070309020205020404" pitchFamily="49" charset="0"/>
-                <a:cs typeface="Courier New" panose="02070309020205020404" pitchFamily="49" charset="0"/>
-              </a:rPr>
-              <a:t>, </a:t>
-            </a:r>
-            <a:r>
-              <a:rPr kumimoji="0" lang="en-US" altLang="en-US" sz="900" b="0" i="0" u="none" strike="noStrike" cap="none" normalizeH="0" baseline="0" dirty="0" smtClean="0">
-                <a:ln>
-                  <a:noFill/>
-                </a:ln>
-                <a:solidFill>
-                  <a:srgbClr val="0000FF"/>
-                </a:solidFill>
-                <a:effectLst/>
-                <a:latin typeface="Courier New" panose="02070309020205020404" pitchFamily="49" charset="0"/>
-                <a:cs typeface="Courier New" panose="02070309020205020404" pitchFamily="49" charset="0"/>
-              </a:rPr>
-              <a:t>12</a:t>
-            </a:r>
-            <a:r>
-              <a:rPr kumimoji="0" lang="en-US" altLang="en-US" sz="900" b="0" i="0" u="none" strike="noStrike" cap="none" normalizeH="0" baseline="0" dirty="0" smtClean="0">
-                <a:ln>
-                  <a:noFill/>
-                </a:ln>
-                <a:solidFill>
-                  <a:srgbClr val="000000"/>
-                </a:solidFill>
-                <a:effectLst/>
-                <a:latin typeface="Courier New" panose="02070309020205020404" pitchFamily="49" charset="0"/>
-                <a:cs typeface="Courier New" panose="02070309020205020404" pitchFamily="49" charset="0"/>
-              </a:rPr>
-              <a:t>, </a:t>
-            </a:r>
-            <a:r>
-              <a:rPr kumimoji="0" lang="en-US" altLang="en-US" sz="900" b="0" i="0" u="none" strike="noStrike" cap="none" normalizeH="0" baseline="0" dirty="0" smtClean="0">
-                <a:ln>
-                  <a:noFill/>
-                </a:ln>
-                <a:solidFill>
-                  <a:srgbClr val="0000FF"/>
-                </a:solidFill>
-                <a:effectLst/>
-                <a:latin typeface="Courier New" panose="02070309020205020404" pitchFamily="49" charset="0"/>
-                <a:cs typeface="Courier New" panose="02070309020205020404" pitchFamily="49" charset="0"/>
-              </a:rPr>
-              <a:t>4</a:t>
-            </a:r>
-            <a:r>
-              <a:rPr kumimoji="0" lang="en-US" altLang="en-US" sz="900" b="0" i="0" u="none" strike="noStrike" cap="none" normalizeH="0" baseline="0" dirty="0" smtClean="0">
-                <a:ln>
-                  <a:noFill/>
-                </a:ln>
-                <a:solidFill>
-                  <a:srgbClr val="000000"/>
-                </a:solidFill>
-                <a:effectLst/>
-                <a:latin typeface="Courier New" panose="02070309020205020404" pitchFamily="49" charset="0"/>
-                <a:cs typeface="Courier New" panose="02070309020205020404" pitchFamily="49" charset="0"/>
-              </a:rPr>
-              <a:t>, </a:t>
-            </a:r>
-            <a:r>
-              <a:rPr kumimoji="0" lang="en-US" altLang="en-US" sz="900" b="0" i="0" u="none" strike="noStrike" cap="none" normalizeH="0" baseline="0" dirty="0" smtClean="0">
-                <a:ln>
-                  <a:noFill/>
-                </a:ln>
-                <a:solidFill>
-                  <a:srgbClr val="0000FF"/>
-                </a:solidFill>
-                <a:effectLst/>
-                <a:latin typeface="Courier New" panose="02070309020205020404" pitchFamily="49" charset="0"/>
-                <a:cs typeface="Courier New" panose="02070309020205020404" pitchFamily="49" charset="0"/>
-              </a:rPr>
-              <a:t>16</a:t>
-            </a:r>
-            <a:r>
-              <a:rPr kumimoji="0" lang="en-US" altLang="en-US" sz="900" b="0" i="0" u="none" strike="noStrike" cap="none" normalizeH="0" baseline="0" dirty="0" smtClean="0">
-                <a:ln>
-                  <a:noFill/>
-                </a:ln>
-                <a:solidFill>
-                  <a:srgbClr val="000000"/>
-                </a:solidFill>
-                <a:effectLst/>
-                <a:latin typeface="Courier New" panose="02070309020205020404" pitchFamily="49" charset="0"/>
-                <a:cs typeface="Courier New" panose="02070309020205020404" pitchFamily="49" charset="0"/>
-              </a:rPr>
-              <a:t>); </a:t>
-            </a:r>
-            <a:r>
-              <a:rPr kumimoji="0" lang="en-US" altLang="en-US" sz="900" b="0" i="1" u="none" strike="noStrike" cap="none" normalizeH="0" baseline="0" dirty="0" smtClean="0">
-                <a:ln>
-                  <a:noFill/>
-                </a:ln>
-                <a:solidFill>
-                  <a:srgbClr val="808080"/>
-                </a:solidFill>
-                <a:effectLst/>
-                <a:latin typeface="Courier New" panose="02070309020205020404" pitchFamily="49" charset="0"/>
-                <a:cs typeface="Courier New" panose="02070309020205020404" pitchFamily="49" charset="0"/>
-              </a:rPr>
-              <a:t/>
-            </a:r>
-            <a:br>
-              <a:rPr kumimoji="0" lang="en-US" altLang="en-US" sz="900" b="0" i="1" u="none" strike="noStrike" cap="none" normalizeH="0" baseline="0" dirty="0" smtClean="0">
-                <a:ln>
-                  <a:noFill/>
-                </a:ln>
-                <a:solidFill>
-                  <a:srgbClr val="808080"/>
-                </a:solidFill>
-                <a:effectLst/>
-                <a:latin typeface="Courier New" panose="02070309020205020404" pitchFamily="49" charset="0"/>
-                <a:cs typeface="Courier New" panose="02070309020205020404" pitchFamily="49" charset="0"/>
-              </a:rPr>
-            </a:br>
-            <a:r>
-              <a:rPr kumimoji="0" lang="en-US" altLang="en-US" sz="900" b="1" i="0" u="none" strike="noStrike" cap="none" normalizeH="0" baseline="0" dirty="0" err="1" smtClean="0">
-                <a:ln>
-                  <a:noFill/>
-                </a:ln>
-                <a:solidFill>
-                  <a:srgbClr val="660E7A"/>
-                </a:solidFill>
-                <a:effectLst/>
-                <a:latin typeface="Courier New" panose="02070309020205020404" pitchFamily="49" charset="0"/>
-                <a:cs typeface="Courier New" panose="02070309020205020404" pitchFamily="49" charset="0"/>
-              </a:rPr>
-              <a:t>jaw</a:t>
-            </a:r>
-            <a:r>
-              <a:rPr kumimoji="0" lang="en-US" altLang="en-US" sz="900" b="0" i="0" u="none" strike="noStrike" cap="none" normalizeH="0" baseline="0" dirty="0" err="1" smtClean="0">
-                <a:ln>
-                  <a:noFill/>
-                </a:ln>
-                <a:solidFill>
-                  <a:srgbClr val="000000"/>
-                </a:solidFill>
-                <a:effectLst/>
-                <a:latin typeface="Courier New" panose="02070309020205020404" pitchFamily="49" charset="0"/>
-                <a:cs typeface="Courier New" panose="02070309020205020404" pitchFamily="49" charset="0"/>
-              </a:rPr>
-              <a:t>.setRotationPoint</a:t>
-            </a:r>
-            <a:r>
-              <a:rPr kumimoji="0" lang="en-US" altLang="en-US" sz="900" b="0" i="0" u="none" strike="noStrike" cap="none" normalizeH="0" baseline="0" dirty="0" smtClean="0">
-                <a:ln>
-                  <a:noFill/>
-                </a:ln>
-                <a:solidFill>
-                  <a:srgbClr val="000000"/>
-                </a:solidFill>
-                <a:effectLst/>
-                <a:latin typeface="Courier New" panose="02070309020205020404" pitchFamily="49" charset="0"/>
-                <a:cs typeface="Courier New" panose="02070309020205020404" pitchFamily="49" charset="0"/>
-              </a:rPr>
-              <a:t>(</a:t>
-            </a:r>
-            <a:r>
-              <a:rPr kumimoji="0" lang="en-US" altLang="en-US" sz="900" b="0" i="0" u="none" strike="noStrike" cap="none" normalizeH="0" baseline="0" dirty="0" smtClean="0">
-                <a:ln>
-                  <a:noFill/>
-                </a:ln>
-                <a:solidFill>
-                  <a:srgbClr val="0000FF"/>
-                </a:solidFill>
-                <a:effectLst/>
-                <a:latin typeface="Courier New" panose="02070309020205020404" pitchFamily="49" charset="0"/>
-                <a:cs typeface="Courier New" panose="02070309020205020404" pitchFamily="49" charset="0"/>
-              </a:rPr>
-              <a:t>0</a:t>
-            </a:r>
-            <a:r>
-              <a:rPr kumimoji="0" lang="en-US" altLang="en-US" sz="900" b="0" i="0" u="none" strike="noStrike" cap="none" normalizeH="0" baseline="0" dirty="0" smtClean="0">
-                <a:ln>
-                  <a:noFill/>
-                </a:ln>
-                <a:solidFill>
-                  <a:srgbClr val="000000"/>
-                </a:solidFill>
-                <a:effectLst/>
-                <a:latin typeface="Courier New" panose="02070309020205020404" pitchFamily="49" charset="0"/>
-                <a:cs typeface="Courier New" panose="02070309020205020404" pitchFamily="49" charset="0"/>
-              </a:rPr>
-              <a:t>, </a:t>
-            </a:r>
-            <a:r>
-              <a:rPr kumimoji="0" lang="en-US" altLang="en-US" sz="900" b="0" i="0" u="none" strike="noStrike" cap="none" normalizeH="0" baseline="0" dirty="0" smtClean="0">
-                <a:ln>
-                  <a:noFill/>
-                </a:ln>
-                <a:solidFill>
-                  <a:srgbClr val="0000FF"/>
-                </a:solidFill>
-                <a:effectLst/>
-                <a:latin typeface="Courier New" panose="02070309020205020404" pitchFamily="49" charset="0"/>
-                <a:cs typeface="Courier New" panose="02070309020205020404" pitchFamily="49" charset="0"/>
-              </a:rPr>
-              <a:t>4</a:t>
-            </a:r>
-            <a:r>
-              <a:rPr kumimoji="0" lang="en-US" altLang="en-US" sz="900" b="0" i="0" u="none" strike="noStrike" cap="none" normalizeH="0" baseline="0" dirty="0" smtClean="0">
-                <a:ln>
-                  <a:noFill/>
-                </a:ln>
-                <a:solidFill>
-                  <a:srgbClr val="000000"/>
-                </a:solidFill>
-                <a:effectLst/>
-                <a:latin typeface="Courier New" panose="02070309020205020404" pitchFamily="49" charset="0"/>
-                <a:cs typeface="Courier New" panose="02070309020205020404" pitchFamily="49" charset="0"/>
-              </a:rPr>
-              <a:t>, </a:t>
-            </a:r>
-            <a:r>
-              <a:rPr kumimoji="0" lang="en-US" altLang="en-US" sz="900" b="0" i="0" u="none" strike="noStrike" cap="none" normalizeH="0" baseline="0" dirty="0" smtClean="0">
-                <a:ln>
-                  <a:noFill/>
-                </a:ln>
-                <a:solidFill>
-                  <a:srgbClr val="0000FF"/>
-                </a:solidFill>
-                <a:effectLst/>
-                <a:latin typeface="Courier New" panose="02070309020205020404" pitchFamily="49" charset="0"/>
-                <a:cs typeface="Courier New" panose="02070309020205020404" pitchFamily="49" charset="0"/>
-              </a:rPr>
-              <a:t>8 </a:t>
-            </a:r>
-            <a:r>
-              <a:rPr kumimoji="0" lang="en-US" altLang="en-US" sz="900" b="0" i="0" u="none" strike="noStrike" cap="none" normalizeH="0" baseline="0" dirty="0" smtClean="0">
-                <a:ln>
-                  <a:noFill/>
-                </a:ln>
-                <a:solidFill>
-                  <a:srgbClr val="000000"/>
-                </a:solidFill>
-                <a:effectLst/>
-                <a:latin typeface="Courier New" panose="02070309020205020404" pitchFamily="49" charset="0"/>
-                <a:cs typeface="Courier New" panose="02070309020205020404" pitchFamily="49" charset="0"/>
-              </a:rPr>
-              <a:t>+ </a:t>
-            </a:r>
-            <a:r>
-              <a:rPr kumimoji="0" lang="en-US" altLang="en-US" sz="900" b="1" i="1" u="none" strike="noStrike" cap="none" normalizeH="0" baseline="0" dirty="0" smtClean="0">
-                <a:ln>
-                  <a:noFill/>
-                </a:ln>
-                <a:solidFill>
-                  <a:srgbClr val="660E7A"/>
-                </a:solidFill>
-                <a:effectLst/>
-                <a:latin typeface="Courier New" panose="02070309020205020404" pitchFamily="49" charset="0"/>
-                <a:cs typeface="Courier New" panose="02070309020205020404" pitchFamily="49" charset="0"/>
-              </a:rPr>
-              <a:t>HEAD_OFFSET_Z_MC</a:t>
+              <a:t>64</a:t>
             </a:r>
             <a:r>
               <a:rPr kumimoji="0" lang="en-US" altLang="en-US" sz="900" b="0" i="0" u="none" strike="noStrike" cap="none" normalizeH="0" baseline="0" dirty="0" smtClean="0">
@@ -13774,6 +12175,3497 @@
           </a:p>
         </p:txBody>
       </p:sp>
+      <p:cxnSp>
+        <p:nvCxnSpPr>
+          <p:cNvPr id="26" name="Straight Arrow Connector 25"/>
+          <p:cNvCxnSpPr/>
+          <p:nvPr/>
+        </p:nvCxnSpPr>
+        <p:spPr>
+          <a:xfrm>
+            <a:off x="10186512" y="1159271"/>
+            <a:ext cx="0" cy="912596"/>
+          </a:xfrm>
+          <a:prstGeom prst="straightConnector1">
+            <a:avLst/>
+          </a:prstGeom>
+          <a:ln>
+            <a:tailEnd type="triangle"/>
+          </a:ln>
+        </p:spPr>
+        <p:style>
+          <a:lnRef idx="1">
+            <a:schemeClr val="accent1"/>
+          </a:lnRef>
+          <a:fillRef idx="0">
+            <a:schemeClr val="accent1"/>
+          </a:fillRef>
+          <a:effectRef idx="0">
+            <a:schemeClr val="accent1"/>
+          </a:effectRef>
+          <a:fontRef idx="minor">
+            <a:schemeClr val="tx1"/>
+          </a:fontRef>
+        </p:style>
+      </p:cxnSp>
+      <p:cxnSp>
+        <p:nvCxnSpPr>
+          <p:cNvPr id="28" name="Straight Arrow Connector 27"/>
+          <p:cNvCxnSpPr/>
+          <p:nvPr/>
+        </p:nvCxnSpPr>
+        <p:spPr>
+          <a:xfrm flipH="1">
+            <a:off x="9462612" y="1159271"/>
+            <a:ext cx="717550" cy="0"/>
+          </a:xfrm>
+          <a:prstGeom prst="straightConnector1">
+            <a:avLst/>
+          </a:prstGeom>
+          <a:ln>
+            <a:tailEnd type="triangle"/>
+          </a:ln>
+        </p:spPr>
+        <p:style>
+          <a:lnRef idx="1">
+            <a:schemeClr val="accent1"/>
+          </a:lnRef>
+          <a:fillRef idx="0">
+            <a:schemeClr val="accent1"/>
+          </a:fillRef>
+          <a:effectRef idx="0">
+            <a:schemeClr val="accent1"/>
+          </a:effectRef>
+          <a:fontRef idx="minor">
+            <a:schemeClr val="tx1"/>
+          </a:fontRef>
+        </p:style>
+      </p:cxnSp>
+      <p:sp>
+        <p:nvSpPr>
+          <p:cNvPr id="29" name="TextBox 28"/>
+          <p:cNvSpPr txBox="1"/>
+          <p:nvPr/>
+        </p:nvSpPr>
+        <p:spPr>
+          <a:xfrm>
+            <a:off x="10062739" y="2007057"/>
+            <a:ext cx="288862" cy="369332"/>
+          </a:xfrm>
+          <a:prstGeom prst="rect">
+            <a:avLst/>
+          </a:prstGeom>
+          <a:noFill/>
+        </p:spPr>
+        <p:txBody>
+          <a:bodyPr wrap="none" rtlCol="0">
+            <a:spAutoFit/>
+          </a:bodyPr>
+          <a:lstStyle/>
+          <a:p>
+            <a:r>
+              <a:rPr lang="en-AU" dirty="0" smtClean="0"/>
+              <a:t>y</a:t>
+            </a:r>
+            <a:endParaRPr lang="en-AU" dirty="0"/>
+          </a:p>
+        </p:txBody>
+      </p:sp>
+      <p:sp>
+        <p:nvSpPr>
+          <p:cNvPr id="30" name="TextBox 29"/>
+          <p:cNvSpPr txBox="1"/>
+          <p:nvPr/>
+        </p:nvSpPr>
+        <p:spPr>
+          <a:xfrm>
+            <a:off x="9146695" y="955065"/>
+            <a:ext cx="276038" cy="369332"/>
+          </a:xfrm>
+          <a:prstGeom prst="rect">
+            <a:avLst/>
+          </a:prstGeom>
+          <a:noFill/>
+        </p:spPr>
+        <p:txBody>
+          <a:bodyPr wrap="none" rtlCol="0">
+            <a:spAutoFit/>
+          </a:bodyPr>
+          <a:lstStyle/>
+          <a:p>
+            <a:r>
+              <a:rPr lang="en-AU" dirty="0" smtClean="0"/>
+              <a:t>z</a:t>
+            </a:r>
+            <a:endParaRPr lang="en-AU" dirty="0"/>
+          </a:p>
+        </p:txBody>
+      </p:sp>
+      <p:sp>
+        <p:nvSpPr>
+          <p:cNvPr id="31" name="TextBox 30"/>
+          <p:cNvSpPr txBox="1"/>
+          <p:nvPr/>
+        </p:nvSpPr>
+        <p:spPr>
+          <a:xfrm>
+            <a:off x="441641" y="1610816"/>
+            <a:ext cx="644728" cy="369332"/>
+          </a:xfrm>
+          <a:prstGeom prst="rect">
+            <a:avLst/>
+          </a:prstGeom>
+          <a:noFill/>
+        </p:spPr>
+        <p:txBody>
+          <a:bodyPr wrap="square" rtlCol="0">
+            <a:spAutoFit/>
+          </a:bodyPr>
+          <a:lstStyle/>
+          <a:p>
+            <a:r>
+              <a:rPr lang="en-AU" dirty="0" smtClean="0"/>
+              <a:t>Y=0</a:t>
+            </a:r>
+            <a:endParaRPr lang="en-AU" dirty="0"/>
+          </a:p>
+        </p:txBody>
+      </p:sp>
+      <p:cxnSp>
+        <p:nvCxnSpPr>
+          <p:cNvPr id="32" name="Straight Arrow Connector 31"/>
+          <p:cNvCxnSpPr/>
+          <p:nvPr/>
+        </p:nvCxnSpPr>
+        <p:spPr>
+          <a:xfrm>
+            <a:off x="981391" y="1779402"/>
+            <a:ext cx="2311213" cy="0"/>
+          </a:xfrm>
+          <a:prstGeom prst="straightConnector1">
+            <a:avLst/>
+          </a:prstGeom>
+          <a:ln>
+            <a:solidFill>
+              <a:schemeClr val="tx1"/>
+            </a:solidFill>
+            <a:tailEnd type="triangle"/>
+          </a:ln>
+        </p:spPr>
+        <p:style>
+          <a:lnRef idx="1">
+            <a:schemeClr val="accent1"/>
+          </a:lnRef>
+          <a:fillRef idx="0">
+            <a:schemeClr val="accent1"/>
+          </a:fillRef>
+          <a:effectRef idx="0">
+            <a:schemeClr val="accent1"/>
+          </a:effectRef>
+          <a:fontRef idx="minor">
+            <a:schemeClr val="tx1"/>
+          </a:fontRef>
+        </p:style>
+      </p:cxnSp>
+      <p:cxnSp>
+        <p:nvCxnSpPr>
+          <p:cNvPr id="33" name="Straight Arrow Connector 32"/>
+          <p:cNvCxnSpPr/>
+          <p:nvPr/>
+        </p:nvCxnSpPr>
+        <p:spPr>
+          <a:xfrm flipV="1">
+            <a:off x="3352131" y="2668152"/>
+            <a:ext cx="0" cy="1295400"/>
+          </a:xfrm>
+          <a:prstGeom prst="straightConnector1">
+            <a:avLst/>
+          </a:prstGeom>
+          <a:ln>
+            <a:solidFill>
+              <a:schemeClr val="tx1"/>
+            </a:solidFill>
+            <a:tailEnd type="triangle"/>
+          </a:ln>
+        </p:spPr>
+        <p:style>
+          <a:lnRef idx="1">
+            <a:schemeClr val="accent1"/>
+          </a:lnRef>
+          <a:fillRef idx="0">
+            <a:schemeClr val="accent1"/>
+          </a:fillRef>
+          <a:effectRef idx="0">
+            <a:schemeClr val="accent1"/>
+          </a:effectRef>
+          <a:fontRef idx="minor">
+            <a:schemeClr val="tx1"/>
+          </a:fontRef>
+        </p:style>
+      </p:cxnSp>
+      <p:sp>
+        <p:nvSpPr>
+          <p:cNvPr id="34" name="TextBox 33"/>
+          <p:cNvSpPr txBox="1"/>
+          <p:nvPr/>
+        </p:nvSpPr>
+        <p:spPr>
+          <a:xfrm>
+            <a:off x="3090778" y="4103252"/>
+            <a:ext cx="694421" cy="369332"/>
+          </a:xfrm>
+          <a:prstGeom prst="rect">
+            <a:avLst/>
+          </a:prstGeom>
+          <a:noFill/>
+        </p:spPr>
+        <p:txBody>
+          <a:bodyPr wrap="none" rtlCol="0">
+            <a:spAutoFit/>
+          </a:bodyPr>
+          <a:lstStyle/>
+          <a:p>
+            <a:r>
+              <a:rPr lang="en-AU" dirty="0" smtClean="0"/>
+              <a:t>Z </a:t>
+            </a:r>
+            <a:r>
+              <a:rPr lang="en-AU" dirty="0" smtClean="0"/>
+              <a:t>=48</a:t>
+            </a:r>
+            <a:endParaRPr lang="en-AU" dirty="0"/>
+          </a:p>
+        </p:txBody>
+      </p:sp>
+      <p:sp>
+        <p:nvSpPr>
+          <p:cNvPr id="35" name="TextBox 34"/>
+          <p:cNvSpPr txBox="1"/>
+          <p:nvPr/>
+        </p:nvSpPr>
+        <p:spPr>
+          <a:xfrm>
+            <a:off x="447507" y="2475616"/>
+            <a:ext cx="644728" cy="369332"/>
+          </a:xfrm>
+          <a:prstGeom prst="rect">
+            <a:avLst/>
+          </a:prstGeom>
+          <a:noFill/>
+        </p:spPr>
+        <p:txBody>
+          <a:bodyPr wrap="square" rtlCol="0">
+            <a:spAutoFit/>
+          </a:bodyPr>
+          <a:lstStyle/>
+          <a:p>
+            <a:r>
+              <a:rPr lang="en-AU" dirty="0" smtClean="0"/>
+              <a:t>Y=24</a:t>
+            </a:r>
+            <a:endParaRPr lang="en-AU" dirty="0"/>
+          </a:p>
+        </p:txBody>
+      </p:sp>
+      <p:cxnSp>
+        <p:nvCxnSpPr>
+          <p:cNvPr id="50" name="Straight Arrow Connector 49"/>
+          <p:cNvCxnSpPr/>
+          <p:nvPr/>
+        </p:nvCxnSpPr>
+        <p:spPr>
+          <a:xfrm>
+            <a:off x="987257" y="2644202"/>
+            <a:ext cx="2311213" cy="0"/>
+          </a:xfrm>
+          <a:prstGeom prst="straightConnector1">
+            <a:avLst/>
+          </a:prstGeom>
+          <a:ln>
+            <a:solidFill>
+              <a:schemeClr val="tx1"/>
+            </a:solidFill>
+            <a:tailEnd type="triangle"/>
+          </a:ln>
+        </p:spPr>
+        <p:style>
+          <a:lnRef idx="1">
+            <a:schemeClr val="accent1"/>
+          </a:lnRef>
+          <a:fillRef idx="0">
+            <a:schemeClr val="accent1"/>
+          </a:fillRef>
+          <a:effectRef idx="0">
+            <a:schemeClr val="accent1"/>
+          </a:effectRef>
+          <a:fontRef idx="minor">
+            <a:schemeClr val="tx1"/>
+          </a:fontRef>
+        </p:style>
+      </p:cxnSp>
+      <p:cxnSp>
+        <p:nvCxnSpPr>
+          <p:cNvPr id="53" name="Straight Arrow Connector 52"/>
+          <p:cNvCxnSpPr/>
+          <p:nvPr/>
+        </p:nvCxnSpPr>
+        <p:spPr>
+          <a:xfrm flipV="1">
+            <a:off x="5724734" y="2668152"/>
+            <a:ext cx="0" cy="1295400"/>
+          </a:xfrm>
+          <a:prstGeom prst="straightConnector1">
+            <a:avLst/>
+          </a:prstGeom>
+          <a:ln>
+            <a:solidFill>
+              <a:schemeClr val="tx1"/>
+            </a:solidFill>
+            <a:tailEnd type="triangle"/>
+          </a:ln>
+        </p:spPr>
+        <p:style>
+          <a:lnRef idx="1">
+            <a:schemeClr val="accent1"/>
+          </a:lnRef>
+          <a:fillRef idx="0">
+            <a:schemeClr val="accent1"/>
+          </a:fillRef>
+          <a:effectRef idx="0">
+            <a:schemeClr val="accent1"/>
+          </a:effectRef>
+          <a:fontRef idx="minor">
+            <a:schemeClr val="tx1"/>
+          </a:fontRef>
+        </p:style>
+      </p:cxnSp>
+      <p:sp>
+        <p:nvSpPr>
+          <p:cNvPr id="54" name="TextBox 53"/>
+          <p:cNvSpPr txBox="1"/>
+          <p:nvPr/>
+        </p:nvSpPr>
+        <p:spPr>
+          <a:xfrm>
+            <a:off x="5463381" y="4103252"/>
+            <a:ext cx="764953" cy="369332"/>
+          </a:xfrm>
+          <a:prstGeom prst="rect">
+            <a:avLst/>
+          </a:prstGeom>
+          <a:noFill/>
+        </p:spPr>
+        <p:txBody>
+          <a:bodyPr wrap="none" rtlCol="0">
+            <a:spAutoFit/>
+          </a:bodyPr>
+          <a:lstStyle/>
+          <a:p>
+            <a:r>
+              <a:rPr lang="en-AU" dirty="0" smtClean="0"/>
+              <a:t>Z </a:t>
+            </a:r>
+            <a:r>
+              <a:rPr lang="en-AU" dirty="0" smtClean="0"/>
+              <a:t>=-16</a:t>
+            </a:r>
+            <a:endParaRPr lang="en-AU" dirty="0"/>
+          </a:p>
+        </p:txBody>
+      </p:sp>
+      <p:cxnSp>
+        <p:nvCxnSpPr>
+          <p:cNvPr id="55" name="Straight Arrow Connector 54"/>
+          <p:cNvCxnSpPr/>
+          <p:nvPr/>
+        </p:nvCxnSpPr>
+        <p:spPr>
+          <a:xfrm flipV="1">
+            <a:off x="4539916" y="3622420"/>
+            <a:ext cx="0" cy="480834"/>
+          </a:xfrm>
+          <a:prstGeom prst="straightConnector1">
+            <a:avLst/>
+          </a:prstGeom>
+          <a:ln>
+            <a:solidFill>
+              <a:schemeClr val="tx1"/>
+            </a:solidFill>
+            <a:tailEnd type="triangle"/>
+          </a:ln>
+        </p:spPr>
+        <p:style>
+          <a:lnRef idx="1">
+            <a:schemeClr val="accent1"/>
+          </a:lnRef>
+          <a:fillRef idx="0">
+            <a:schemeClr val="accent1"/>
+          </a:fillRef>
+          <a:effectRef idx="0">
+            <a:schemeClr val="accent1"/>
+          </a:effectRef>
+          <a:fontRef idx="minor">
+            <a:schemeClr val="tx1"/>
+          </a:fontRef>
+        </p:style>
+      </p:cxnSp>
+      <p:cxnSp>
+        <p:nvCxnSpPr>
+          <p:cNvPr id="56" name="Straight Arrow Connector 55"/>
+          <p:cNvCxnSpPr/>
+          <p:nvPr/>
+        </p:nvCxnSpPr>
+        <p:spPr>
+          <a:xfrm>
+            <a:off x="981391" y="2251170"/>
+            <a:ext cx="3335752" cy="0"/>
+          </a:xfrm>
+          <a:prstGeom prst="straightConnector1">
+            <a:avLst/>
+          </a:prstGeom>
+          <a:ln>
+            <a:solidFill>
+              <a:schemeClr val="tx1"/>
+            </a:solidFill>
+            <a:tailEnd type="triangle"/>
+          </a:ln>
+        </p:spPr>
+        <p:style>
+          <a:lnRef idx="1">
+            <a:schemeClr val="accent1"/>
+          </a:lnRef>
+          <a:fillRef idx="0">
+            <a:schemeClr val="accent1"/>
+          </a:fillRef>
+          <a:effectRef idx="0">
+            <a:schemeClr val="accent1"/>
+          </a:effectRef>
+          <a:fontRef idx="minor">
+            <a:schemeClr val="tx1"/>
+          </a:fontRef>
+        </p:style>
+      </p:cxnSp>
+      <p:sp>
+        <p:nvSpPr>
+          <p:cNvPr id="57" name="TextBox 56"/>
+          <p:cNvSpPr txBox="1"/>
+          <p:nvPr/>
+        </p:nvSpPr>
+        <p:spPr>
+          <a:xfrm>
+            <a:off x="330833" y="2042691"/>
+            <a:ext cx="644728" cy="369332"/>
+          </a:xfrm>
+          <a:prstGeom prst="rect">
+            <a:avLst/>
+          </a:prstGeom>
+          <a:noFill/>
+        </p:spPr>
+        <p:txBody>
+          <a:bodyPr wrap="square" rtlCol="0">
+            <a:spAutoFit/>
+          </a:bodyPr>
+          <a:lstStyle/>
+          <a:p>
+            <a:r>
+              <a:rPr lang="en-AU" dirty="0" smtClean="0"/>
+              <a:t>Y=12</a:t>
+            </a:r>
+            <a:endParaRPr lang="en-AU" dirty="0"/>
+          </a:p>
+        </p:txBody>
+      </p:sp>
+      <p:sp>
+        <p:nvSpPr>
+          <p:cNvPr id="58" name="TextBox 57"/>
+          <p:cNvSpPr txBox="1"/>
+          <p:nvPr/>
+        </p:nvSpPr>
+        <p:spPr>
+          <a:xfrm>
+            <a:off x="4192705" y="4103252"/>
+            <a:ext cx="694421" cy="369332"/>
+          </a:xfrm>
+          <a:prstGeom prst="rect">
+            <a:avLst/>
+          </a:prstGeom>
+          <a:noFill/>
+        </p:spPr>
+        <p:txBody>
+          <a:bodyPr wrap="none" rtlCol="0">
+            <a:spAutoFit/>
+          </a:bodyPr>
+          <a:lstStyle/>
+          <a:p>
+            <a:r>
+              <a:rPr lang="en-AU" dirty="0" smtClean="0"/>
+              <a:t>Z </a:t>
+            </a:r>
+            <a:r>
+              <a:rPr lang="en-AU" dirty="0" smtClean="0"/>
+              <a:t>=16</a:t>
+            </a:r>
+            <a:endParaRPr lang="en-AU" dirty="0"/>
+          </a:p>
+        </p:txBody>
+      </p:sp>
+      <p:grpSp>
+        <p:nvGrpSpPr>
+          <p:cNvPr id="3" name="Group 2"/>
+          <p:cNvGrpSpPr/>
+          <p:nvPr/>
+        </p:nvGrpSpPr>
+        <p:grpSpPr>
+          <a:xfrm>
+            <a:off x="4337050" y="3244594"/>
+            <a:ext cx="389731" cy="377826"/>
+            <a:chOff x="4337050" y="981076"/>
+            <a:chExt cx="389731" cy="377826"/>
+          </a:xfrm>
+        </p:grpSpPr>
+        <p:cxnSp>
+          <p:nvCxnSpPr>
+            <p:cNvPr id="60" name="Straight Arrow Connector 59"/>
+            <p:cNvCxnSpPr/>
+            <p:nvPr/>
+          </p:nvCxnSpPr>
+          <p:spPr>
+            <a:xfrm>
+              <a:off x="4337050" y="1176254"/>
+              <a:ext cx="389731" cy="0"/>
+            </a:xfrm>
+            <a:prstGeom prst="straightConnector1">
+              <a:avLst/>
+            </a:prstGeom>
+            <a:ln>
+              <a:solidFill>
+                <a:srgbClr val="FF0000"/>
+              </a:solidFill>
+              <a:headEnd type="none" w="med" len="med"/>
+              <a:tailEnd type="none" w="med" len="med"/>
+            </a:ln>
+          </p:spPr>
+          <p:style>
+            <a:lnRef idx="1">
+              <a:schemeClr val="accent1"/>
+            </a:lnRef>
+            <a:fillRef idx="0">
+              <a:schemeClr val="accent1"/>
+            </a:fillRef>
+            <a:effectRef idx="0">
+              <a:schemeClr val="accent1"/>
+            </a:effectRef>
+            <a:fontRef idx="minor">
+              <a:schemeClr val="tx1"/>
+            </a:fontRef>
+          </p:style>
+        </p:cxnSp>
+        <p:cxnSp>
+          <p:nvCxnSpPr>
+            <p:cNvPr id="61" name="Straight Arrow Connector 60"/>
+            <p:cNvCxnSpPr/>
+            <p:nvPr/>
+          </p:nvCxnSpPr>
+          <p:spPr>
+            <a:xfrm flipV="1">
+              <a:off x="4539916" y="981076"/>
+              <a:ext cx="0" cy="377826"/>
+            </a:xfrm>
+            <a:prstGeom prst="straightConnector1">
+              <a:avLst/>
+            </a:prstGeom>
+            <a:ln>
+              <a:solidFill>
+                <a:srgbClr val="FF0000"/>
+              </a:solidFill>
+              <a:headEnd type="none" w="med" len="med"/>
+              <a:tailEnd type="none" w="med" len="med"/>
+            </a:ln>
+          </p:spPr>
+          <p:style>
+            <a:lnRef idx="1">
+              <a:schemeClr val="accent1"/>
+            </a:lnRef>
+            <a:fillRef idx="0">
+              <a:schemeClr val="accent1"/>
+            </a:fillRef>
+            <a:effectRef idx="0">
+              <a:schemeClr val="accent1"/>
+            </a:effectRef>
+            <a:fontRef idx="minor">
+              <a:schemeClr val="tx1"/>
+            </a:fontRef>
+          </p:style>
+        </p:cxnSp>
+      </p:grpSp>
+      <p:grpSp>
+        <p:nvGrpSpPr>
+          <p:cNvPr id="19" name="Group 18"/>
+          <p:cNvGrpSpPr/>
+          <p:nvPr/>
+        </p:nvGrpSpPr>
+        <p:grpSpPr>
+          <a:xfrm>
+            <a:off x="4868664" y="1539431"/>
+            <a:ext cx="389731" cy="377826"/>
+            <a:chOff x="4337050" y="1473200"/>
+            <a:chExt cx="389731" cy="377826"/>
+          </a:xfrm>
+        </p:grpSpPr>
+        <p:cxnSp>
+          <p:nvCxnSpPr>
+            <p:cNvPr id="6" name="Straight Arrow Connector 5"/>
+            <p:cNvCxnSpPr/>
+            <p:nvPr/>
+          </p:nvCxnSpPr>
+          <p:spPr>
+            <a:xfrm>
+              <a:off x="4337050" y="1668378"/>
+              <a:ext cx="389731" cy="0"/>
+            </a:xfrm>
+            <a:prstGeom prst="straightConnector1">
+              <a:avLst/>
+            </a:prstGeom>
+            <a:ln>
+              <a:solidFill>
+                <a:schemeClr val="accent4"/>
+              </a:solidFill>
+              <a:headEnd type="none" w="med" len="med"/>
+              <a:tailEnd type="none" w="med" len="med"/>
+            </a:ln>
+          </p:spPr>
+          <p:style>
+            <a:lnRef idx="1">
+              <a:schemeClr val="accent1"/>
+            </a:lnRef>
+            <a:fillRef idx="0">
+              <a:schemeClr val="accent1"/>
+            </a:fillRef>
+            <a:effectRef idx="0">
+              <a:schemeClr val="accent1"/>
+            </a:effectRef>
+            <a:fontRef idx="minor">
+              <a:schemeClr val="tx1"/>
+            </a:fontRef>
+          </p:style>
+        </p:cxnSp>
+        <p:cxnSp>
+          <p:nvCxnSpPr>
+            <p:cNvPr id="23" name="Straight Arrow Connector 22"/>
+            <p:cNvCxnSpPr/>
+            <p:nvPr/>
+          </p:nvCxnSpPr>
+          <p:spPr>
+            <a:xfrm flipV="1">
+              <a:off x="4539916" y="1473200"/>
+              <a:ext cx="0" cy="377826"/>
+            </a:xfrm>
+            <a:prstGeom prst="straightConnector1">
+              <a:avLst/>
+            </a:prstGeom>
+            <a:ln>
+              <a:solidFill>
+                <a:schemeClr val="accent4"/>
+              </a:solidFill>
+              <a:headEnd type="none" w="med" len="med"/>
+              <a:tailEnd type="none" w="med" len="med"/>
+            </a:ln>
+          </p:spPr>
+          <p:style>
+            <a:lnRef idx="1">
+              <a:schemeClr val="accent1"/>
+            </a:lnRef>
+            <a:fillRef idx="0">
+              <a:schemeClr val="accent1"/>
+            </a:fillRef>
+            <a:effectRef idx="0">
+              <a:schemeClr val="accent1"/>
+            </a:effectRef>
+            <a:fontRef idx="minor">
+              <a:schemeClr val="tx1"/>
+            </a:fontRef>
+          </p:style>
+        </p:cxnSp>
+      </p:grpSp>
+      <p:cxnSp>
+        <p:nvCxnSpPr>
+          <p:cNvPr id="63" name="Straight Arrow Connector 62"/>
+          <p:cNvCxnSpPr/>
+          <p:nvPr/>
+        </p:nvCxnSpPr>
+        <p:spPr>
+          <a:xfrm>
+            <a:off x="4780368" y="768146"/>
+            <a:ext cx="478027" cy="584010"/>
+          </a:xfrm>
+          <a:prstGeom prst="straightConnector1">
+            <a:avLst/>
+          </a:prstGeom>
+          <a:ln>
+            <a:tailEnd type="triangle"/>
+          </a:ln>
+        </p:spPr>
+        <p:style>
+          <a:lnRef idx="1">
+            <a:schemeClr val="accent1"/>
+          </a:lnRef>
+          <a:fillRef idx="0">
+            <a:schemeClr val="accent1"/>
+          </a:fillRef>
+          <a:effectRef idx="0">
+            <a:schemeClr val="accent1"/>
+          </a:effectRef>
+          <a:fontRef idx="minor">
+            <a:schemeClr val="tx1"/>
+          </a:fontRef>
+        </p:style>
+      </p:cxnSp>
+      <p:grpSp>
+        <p:nvGrpSpPr>
+          <p:cNvPr id="64" name="Group 63"/>
+          <p:cNvGrpSpPr/>
+          <p:nvPr/>
+        </p:nvGrpSpPr>
+        <p:grpSpPr>
+          <a:xfrm>
+            <a:off x="5529868" y="1928391"/>
+            <a:ext cx="389731" cy="377826"/>
+            <a:chOff x="4337050" y="1473200"/>
+            <a:chExt cx="389731" cy="377826"/>
+          </a:xfrm>
+        </p:grpSpPr>
+        <p:cxnSp>
+          <p:nvCxnSpPr>
+            <p:cNvPr id="65" name="Straight Arrow Connector 64"/>
+            <p:cNvCxnSpPr/>
+            <p:nvPr/>
+          </p:nvCxnSpPr>
+          <p:spPr>
+            <a:xfrm>
+              <a:off x="4337050" y="1668378"/>
+              <a:ext cx="389731" cy="0"/>
+            </a:xfrm>
+            <a:prstGeom prst="straightConnector1">
+              <a:avLst/>
+            </a:prstGeom>
+            <a:ln>
+              <a:solidFill>
+                <a:schemeClr val="accent4"/>
+              </a:solidFill>
+              <a:headEnd type="none" w="med" len="med"/>
+              <a:tailEnd type="none" w="med" len="med"/>
+            </a:ln>
+          </p:spPr>
+          <p:style>
+            <a:lnRef idx="1">
+              <a:schemeClr val="accent1"/>
+            </a:lnRef>
+            <a:fillRef idx="0">
+              <a:schemeClr val="accent1"/>
+            </a:fillRef>
+            <a:effectRef idx="0">
+              <a:schemeClr val="accent1"/>
+            </a:effectRef>
+            <a:fontRef idx="minor">
+              <a:schemeClr val="tx1"/>
+            </a:fontRef>
+          </p:style>
+        </p:cxnSp>
+        <p:cxnSp>
+          <p:nvCxnSpPr>
+            <p:cNvPr id="66" name="Straight Arrow Connector 65"/>
+            <p:cNvCxnSpPr/>
+            <p:nvPr/>
+          </p:nvCxnSpPr>
+          <p:spPr>
+            <a:xfrm flipV="1">
+              <a:off x="4539916" y="1473200"/>
+              <a:ext cx="0" cy="377826"/>
+            </a:xfrm>
+            <a:prstGeom prst="straightConnector1">
+              <a:avLst/>
+            </a:prstGeom>
+            <a:ln>
+              <a:solidFill>
+                <a:schemeClr val="accent4"/>
+              </a:solidFill>
+              <a:headEnd type="none" w="med" len="med"/>
+              <a:tailEnd type="none" w="med" len="med"/>
+            </a:ln>
+          </p:spPr>
+          <p:style>
+            <a:lnRef idx="1">
+              <a:schemeClr val="accent1"/>
+            </a:lnRef>
+            <a:fillRef idx="0">
+              <a:schemeClr val="accent1"/>
+            </a:fillRef>
+            <a:effectRef idx="0">
+              <a:schemeClr val="accent1"/>
+            </a:effectRef>
+            <a:fontRef idx="minor">
+              <a:schemeClr val="tx1"/>
+            </a:fontRef>
+          </p:style>
+        </p:cxnSp>
+      </p:grpSp>
+      <p:cxnSp>
+        <p:nvCxnSpPr>
+          <p:cNvPr id="67" name="Straight Arrow Connector 66"/>
+          <p:cNvCxnSpPr/>
+          <p:nvPr/>
+        </p:nvCxnSpPr>
+        <p:spPr>
+          <a:xfrm flipH="1" flipV="1">
+            <a:off x="5756013" y="2158801"/>
+            <a:ext cx="906081" cy="1536381"/>
+          </a:xfrm>
+          <a:prstGeom prst="straightConnector1">
+            <a:avLst/>
+          </a:prstGeom>
+          <a:ln>
+            <a:tailEnd type="triangle"/>
+          </a:ln>
+        </p:spPr>
+        <p:style>
+          <a:lnRef idx="1">
+            <a:schemeClr val="accent1"/>
+          </a:lnRef>
+          <a:fillRef idx="0">
+            <a:schemeClr val="accent1"/>
+          </a:fillRef>
+          <a:effectRef idx="0">
+            <a:schemeClr val="accent1"/>
+          </a:effectRef>
+          <a:fontRef idx="minor">
+            <a:schemeClr val="tx1"/>
+          </a:fontRef>
+        </p:style>
+      </p:cxnSp>
+      <p:sp>
+        <p:nvSpPr>
+          <p:cNvPr id="68" name="TextBox 67"/>
+          <p:cNvSpPr txBox="1"/>
+          <p:nvPr/>
+        </p:nvSpPr>
+        <p:spPr>
+          <a:xfrm>
+            <a:off x="6585118" y="3778886"/>
+            <a:ext cx="3586559" cy="1200329"/>
+          </a:xfrm>
+          <a:prstGeom prst="rect">
+            <a:avLst/>
+          </a:prstGeom>
+          <a:noFill/>
+        </p:spPr>
+        <p:txBody>
+          <a:bodyPr wrap="none" rtlCol="0">
+            <a:spAutoFit/>
+          </a:bodyPr>
+          <a:lstStyle/>
+          <a:p>
+            <a:r>
+              <a:rPr lang="en-AU" dirty="0" smtClean="0"/>
+              <a:t>Origin of first neck segment</a:t>
+            </a:r>
+          </a:p>
+          <a:p>
+            <a:r>
+              <a:rPr lang="en-AU" dirty="0" smtClean="0"/>
+              <a:t>Y = 10, Z=-16</a:t>
+            </a:r>
+          </a:p>
+          <a:p>
+            <a:endParaRPr lang="en-AU" dirty="0"/>
+          </a:p>
+          <a:p>
+            <a:r>
+              <a:rPr lang="en-AU" dirty="0" smtClean="0"/>
+              <a:t>But the code </a:t>
+            </a:r>
+            <a:r>
+              <a:rPr lang="en-AU" dirty="0" err="1" smtClean="0"/>
+              <a:t>rotationPoint</a:t>
+            </a:r>
+            <a:r>
+              <a:rPr lang="en-AU" dirty="0" smtClean="0"/>
+              <a:t>=[0,14,-8]</a:t>
+            </a:r>
+            <a:endParaRPr lang="en-AU" dirty="0"/>
+          </a:p>
+        </p:txBody>
+      </p:sp>
+      <p:sp>
+        <p:nvSpPr>
+          <p:cNvPr id="16" name="TextBox 15"/>
+          <p:cNvSpPr txBox="1"/>
+          <p:nvPr/>
+        </p:nvSpPr>
+        <p:spPr>
+          <a:xfrm>
+            <a:off x="6585118" y="4956977"/>
+            <a:ext cx="4758610" cy="1477328"/>
+          </a:xfrm>
+          <a:prstGeom prst="rect">
+            <a:avLst/>
+          </a:prstGeom>
+          <a:noFill/>
+        </p:spPr>
+        <p:txBody>
+          <a:bodyPr wrap="none" rtlCol="0">
+            <a:spAutoFit/>
+          </a:bodyPr>
+          <a:lstStyle/>
+          <a:p>
+            <a:r>
+              <a:rPr lang="en-AU" dirty="0" smtClean="0"/>
+              <a:t>This is relative to the </a:t>
+            </a:r>
+          </a:p>
+          <a:p>
+            <a:r>
+              <a:rPr lang="en-AU" dirty="0" smtClean="0"/>
+              <a:t>Main body pitch rotation point which is</a:t>
+            </a:r>
+          </a:p>
+          <a:p>
+            <a:r>
+              <a:rPr lang="en-AU" dirty="0" smtClean="0"/>
+              <a:t>[0, -4, -8]</a:t>
+            </a:r>
+          </a:p>
+          <a:p>
+            <a:endParaRPr lang="en-AU" dirty="0"/>
+          </a:p>
+          <a:p>
+            <a:r>
+              <a:rPr lang="en-AU" dirty="0" smtClean="0"/>
+              <a:t>Relative to the body model origin it is [0, 10, -16]</a:t>
+            </a:r>
+            <a:endParaRPr lang="en-AU" dirty="0"/>
+          </a:p>
+        </p:txBody>
+      </p:sp>
+      <p:cxnSp>
+        <p:nvCxnSpPr>
+          <p:cNvPr id="18" name="Straight Arrow Connector 17"/>
+          <p:cNvCxnSpPr/>
+          <p:nvPr/>
+        </p:nvCxnSpPr>
+        <p:spPr>
+          <a:xfrm flipH="1">
+            <a:off x="5276516" y="238324"/>
+            <a:ext cx="448218" cy="1086073"/>
+          </a:xfrm>
+          <a:prstGeom prst="straightConnector1">
+            <a:avLst/>
+          </a:prstGeom>
+          <a:ln>
+            <a:tailEnd type="triangle"/>
+          </a:ln>
+        </p:spPr>
+        <p:style>
+          <a:lnRef idx="1">
+            <a:schemeClr val="accent1"/>
+          </a:lnRef>
+          <a:fillRef idx="0">
+            <a:schemeClr val="accent1"/>
+          </a:fillRef>
+          <a:effectRef idx="0">
+            <a:schemeClr val="accent1"/>
+          </a:effectRef>
+          <a:fontRef idx="minor">
+            <a:schemeClr val="tx1"/>
+          </a:fontRef>
+        </p:style>
+      </p:cxnSp>
+      <p:cxnSp>
+        <p:nvCxnSpPr>
+          <p:cNvPr id="45" name="Straight Arrow Connector 44"/>
+          <p:cNvCxnSpPr/>
+          <p:nvPr/>
+        </p:nvCxnSpPr>
+        <p:spPr>
+          <a:xfrm>
+            <a:off x="952687" y="3439691"/>
+            <a:ext cx="2311213" cy="0"/>
+          </a:xfrm>
+          <a:prstGeom prst="straightConnector1">
+            <a:avLst/>
+          </a:prstGeom>
+          <a:ln>
+            <a:solidFill>
+              <a:schemeClr val="tx1"/>
+            </a:solidFill>
+            <a:tailEnd type="triangle"/>
+          </a:ln>
+        </p:spPr>
+        <p:style>
+          <a:lnRef idx="1">
+            <a:schemeClr val="accent1"/>
+          </a:lnRef>
+          <a:fillRef idx="0">
+            <a:schemeClr val="accent1"/>
+          </a:fillRef>
+          <a:effectRef idx="0">
+            <a:schemeClr val="accent1"/>
+          </a:effectRef>
+          <a:fontRef idx="minor">
+            <a:schemeClr val="tx1"/>
+          </a:fontRef>
+        </p:style>
+      </p:cxnSp>
+      <p:sp>
+        <p:nvSpPr>
+          <p:cNvPr id="46" name="TextBox 45"/>
+          <p:cNvSpPr txBox="1"/>
+          <p:nvPr/>
+        </p:nvSpPr>
+        <p:spPr>
+          <a:xfrm>
+            <a:off x="441641" y="3113482"/>
+            <a:ext cx="777058" cy="646331"/>
+          </a:xfrm>
+          <a:prstGeom prst="rect">
+            <a:avLst/>
+          </a:prstGeom>
+          <a:noFill/>
+        </p:spPr>
+        <p:txBody>
+          <a:bodyPr wrap="square" rtlCol="0">
+            <a:spAutoFit/>
+          </a:bodyPr>
+          <a:lstStyle/>
+          <a:p>
+            <a:r>
+              <a:rPr lang="en-AU" sz="1200" dirty="0" smtClean="0"/>
+              <a:t>Y=44</a:t>
+            </a:r>
+          </a:p>
+          <a:p>
+            <a:r>
+              <a:rPr lang="en-AU" sz="1200" dirty="0" smtClean="0"/>
+              <a:t>While standing</a:t>
+            </a:r>
+            <a:endParaRPr lang="en-AU" sz="1200" dirty="0"/>
+          </a:p>
+        </p:txBody>
+      </p:sp>
+      <p:cxnSp>
+        <p:nvCxnSpPr>
+          <p:cNvPr id="51" name="Straight Arrow Connector 50"/>
+          <p:cNvCxnSpPr/>
+          <p:nvPr/>
+        </p:nvCxnSpPr>
+        <p:spPr>
+          <a:xfrm flipH="1" flipV="1">
+            <a:off x="4555598" y="3447415"/>
+            <a:ext cx="906081" cy="1536381"/>
+          </a:xfrm>
+          <a:prstGeom prst="straightConnector1">
+            <a:avLst/>
+          </a:prstGeom>
+          <a:ln>
+            <a:tailEnd type="triangle"/>
+          </a:ln>
+        </p:spPr>
+        <p:style>
+          <a:lnRef idx="1">
+            <a:schemeClr val="accent1"/>
+          </a:lnRef>
+          <a:fillRef idx="0">
+            <a:schemeClr val="accent1"/>
+          </a:fillRef>
+          <a:effectRef idx="0">
+            <a:schemeClr val="accent1"/>
+          </a:effectRef>
+          <a:fontRef idx="minor">
+            <a:schemeClr val="tx1"/>
+          </a:fontRef>
+        </p:style>
+      </p:cxnSp>
+      <p:sp>
+        <p:nvSpPr>
+          <p:cNvPr id="4" name="TextBox 3"/>
+          <p:cNvSpPr txBox="1"/>
+          <p:nvPr/>
+        </p:nvSpPr>
+        <p:spPr>
+          <a:xfrm>
+            <a:off x="5166210" y="4969707"/>
+            <a:ext cx="727315" cy="646331"/>
+          </a:xfrm>
+          <a:prstGeom prst="rect">
+            <a:avLst/>
+          </a:prstGeom>
+          <a:noFill/>
+        </p:spPr>
+        <p:txBody>
+          <a:bodyPr wrap="none" rtlCol="0">
+            <a:spAutoFit/>
+          </a:bodyPr>
+          <a:lstStyle/>
+          <a:p>
+            <a:pPr algn="ctr"/>
+            <a:r>
+              <a:rPr lang="en-AU" sz="1200" dirty="0" smtClean="0"/>
+              <a:t>Entity </a:t>
+            </a:r>
+          </a:p>
+          <a:p>
+            <a:pPr algn="ctr"/>
+            <a:r>
+              <a:rPr lang="en-AU" sz="1200" dirty="0" smtClean="0"/>
+              <a:t>Origin </a:t>
+            </a:r>
+          </a:p>
+          <a:p>
+            <a:pPr algn="ctr"/>
+            <a:r>
+              <a:rPr lang="en-AU" sz="1200" dirty="0" smtClean="0"/>
+              <a:t>(</a:t>
+            </a:r>
+            <a:r>
+              <a:rPr lang="en-AU" sz="1200" dirty="0" err="1" smtClean="0"/>
+              <a:t>posXYZ</a:t>
+            </a:r>
+            <a:r>
+              <a:rPr lang="en-AU" sz="1200" dirty="0" smtClean="0"/>
+              <a:t>)</a:t>
+            </a:r>
+            <a:endParaRPr lang="en-AU" sz="1200" dirty="0"/>
+          </a:p>
+        </p:txBody>
+      </p:sp>
+      <p:sp>
+        <p:nvSpPr>
+          <p:cNvPr id="52" name="TextBox 51"/>
+          <p:cNvSpPr txBox="1"/>
+          <p:nvPr/>
+        </p:nvSpPr>
+        <p:spPr>
+          <a:xfrm>
+            <a:off x="5919599" y="241664"/>
+            <a:ext cx="3122139" cy="707886"/>
+          </a:xfrm>
+          <a:prstGeom prst="rect">
+            <a:avLst/>
+          </a:prstGeom>
+          <a:noFill/>
+        </p:spPr>
+        <p:txBody>
+          <a:bodyPr wrap="square" rtlCol="0">
+            <a:spAutoFit/>
+          </a:bodyPr>
+          <a:lstStyle/>
+          <a:p>
+            <a:r>
+              <a:rPr lang="en-AU" sz="1000" dirty="0" smtClean="0"/>
+              <a:t>The </a:t>
+            </a:r>
+            <a:r>
+              <a:rPr lang="en-US" altLang="en-US" sz="1000" b="1" dirty="0" err="1" smtClean="0">
+                <a:solidFill>
+                  <a:srgbClr val="660E7A"/>
+                </a:solidFill>
+                <a:latin typeface="Courier New" panose="02070309020205020404" pitchFamily="49" charset="0"/>
+                <a:cs typeface="Courier New" panose="02070309020205020404" pitchFamily="49" charset="0"/>
+              </a:rPr>
+              <a:t>body</a:t>
+            </a:r>
+            <a:r>
+              <a:rPr lang="en-US" altLang="en-US" sz="1000" dirty="0" err="1" smtClean="0">
+                <a:solidFill>
+                  <a:srgbClr val="000000"/>
+                </a:solidFill>
+                <a:latin typeface="Courier New" panose="02070309020205020404" pitchFamily="49" charset="0"/>
+                <a:cs typeface="Courier New" panose="02070309020205020404" pitchFamily="49" charset="0"/>
+              </a:rPr>
+              <a:t>.setRotationPoint</a:t>
+            </a:r>
+            <a:r>
+              <a:rPr lang="en-US" altLang="en-US" sz="1000" dirty="0" smtClean="0">
+                <a:solidFill>
+                  <a:srgbClr val="000000"/>
+                </a:solidFill>
+                <a:latin typeface="Courier New" panose="02070309020205020404" pitchFamily="49" charset="0"/>
+                <a:cs typeface="Courier New" panose="02070309020205020404" pitchFamily="49" charset="0"/>
+              </a:rPr>
+              <a:t>(</a:t>
+            </a:r>
+            <a:r>
+              <a:rPr lang="en-US" altLang="en-US" sz="1000" dirty="0" smtClean="0">
+                <a:solidFill>
+                  <a:srgbClr val="0000FF"/>
+                </a:solidFill>
+                <a:latin typeface="Courier New" panose="02070309020205020404" pitchFamily="49" charset="0"/>
+                <a:cs typeface="Courier New" panose="02070309020205020404" pitchFamily="49" charset="0"/>
+              </a:rPr>
+              <a:t>0, 4, 8) </a:t>
+            </a:r>
+            <a:r>
+              <a:rPr lang="en-AU" sz="1000" dirty="0" smtClean="0"/>
+              <a:t>is the translation of the model origin relative to the body pitch rotation point, i.e. from [0,-4,-8] of the rotation point to the [0,0,0] of the body model origin</a:t>
+            </a:r>
+            <a:endParaRPr lang="en-AU" sz="1000" dirty="0"/>
+          </a:p>
+        </p:txBody>
+      </p:sp>
+      <p:sp>
+        <p:nvSpPr>
+          <p:cNvPr id="59" name="TextBox 58"/>
+          <p:cNvSpPr txBox="1"/>
+          <p:nvPr/>
+        </p:nvSpPr>
+        <p:spPr>
+          <a:xfrm>
+            <a:off x="3903465" y="319245"/>
+            <a:ext cx="1449179" cy="461665"/>
+          </a:xfrm>
+          <a:prstGeom prst="rect">
+            <a:avLst/>
+          </a:prstGeom>
+          <a:noFill/>
+        </p:spPr>
+        <p:txBody>
+          <a:bodyPr wrap="none" rtlCol="0">
+            <a:spAutoFit/>
+          </a:bodyPr>
+          <a:lstStyle/>
+          <a:p>
+            <a:pPr algn="ctr"/>
+            <a:r>
+              <a:rPr lang="en-AU" sz="1200" dirty="0" smtClean="0"/>
+              <a:t>Rotation point for</a:t>
+            </a:r>
+          </a:p>
+          <a:p>
+            <a:pPr algn="ctr"/>
+            <a:r>
+              <a:rPr lang="en-AU" sz="1200" dirty="0" smtClean="0"/>
+              <a:t>Body pitch [0, -4, -8]</a:t>
+            </a:r>
+            <a:endParaRPr lang="en-AU" sz="1200" dirty="0"/>
+          </a:p>
+        </p:txBody>
+      </p:sp>
+    </p:spTree>
+    <p:extLst>
+      <p:ext uri="{BB962C8B-B14F-4D97-AF65-F5344CB8AC3E}">
+        <p14:creationId xmlns:p14="http://schemas.microsoft.com/office/powerpoint/2010/main" val="9623460"/>
+      </p:ext>
+    </p:extLst>
+  </p:cSld>
+  <p:clrMapOvr>
+    <a:masterClrMapping/>
+  </p:clrMapOvr>
+</p:sld>
+</file>
+
+<file path=ppt/slides/slide6.xml><?xml version="1.0" encoding="utf-8"?>
+<p:sld xmlns:a="http://schemas.openxmlformats.org/drawingml/2006/main" xmlns:r="http://schemas.openxmlformats.org/officeDocument/2006/relationships" xmlns:p="http://schemas.openxmlformats.org/presentationml/2006/main">
+  <p:cSld>
+    <p:spTree>
+      <p:nvGrpSpPr>
+        <p:cNvPr id="1" name=""/>
+        <p:cNvGrpSpPr/>
+        <p:nvPr/>
+      </p:nvGrpSpPr>
+      <p:grpSpPr>
+        <a:xfrm>
+          <a:off x="0" y="0"/>
+          <a:ext cx="0" cy="0"/>
+          <a:chOff x="0" y="0"/>
+          <a:chExt cx="0" cy="0"/>
+        </a:xfrm>
+      </p:grpSpPr>
+      <p:pic>
+        <p:nvPicPr>
+          <p:cNvPr id="4" name="Picture 3"/>
+          <p:cNvPicPr>
+            <a:picLocks noChangeAspect="1"/>
+          </p:cNvPicPr>
+          <p:nvPr/>
+        </p:nvPicPr>
+        <p:blipFill rotWithShape="1">
+          <a:blip r:embed="rId2">
+            <a:extLst>
+              <a:ext uri="{28A0092B-C50C-407E-A947-70E740481C1C}">
+                <a14:useLocalDpi xmlns:a14="http://schemas.microsoft.com/office/drawing/2010/main" val="0"/>
+              </a:ext>
+            </a:extLst>
+          </a:blip>
+          <a:srcRect l="33237" t="9210" r="37871" b="33246"/>
+          <a:stretch/>
+        </p:blipFill>
+        <p:spPr>
+          <a:xfrm>
+            <a:off x="1122947" y="759193"/>
+            <a:ext cx="2350169" cy="2630906"/>
+          </a:xfrm>
+          <a:prstGeom prst="rect">
+            <a:avLst/>
+          </a:prstGeom>
+        </p:spPr>
+      </p:pic>
+      <p:pic>
+        <p:nvPicPr>
+          <p:cNvPr id="6" name="Picture 5"/>
+          <p:cNvPicPr>
+            <a:picLocks noChangeAspect="1"/>
+          </p:cNvPicPr>
+          <p:nvPr/>
+        </p:nvPicPr>
+        <p:blipFill rotWithShape="1">
+          <a:blip r:embed="rId3">
+            <a:extLst>
+              <a:ext uri="{28A0092B-C50C-407E-A947-70E740481C1C}">
+                <a14:useLocalDpi xmlns:a14="http://schemas.microsoft.com/office/drawing/2010/main" val="0"/>
+              </a:ext>
+            </a:extLst>
+          </a:blip>
+          <a:srcRect l="30732" r="37319" b="33491"/>
+          <a:stretch/>
+        </p:blipFill>
+        <p:spPr>
+          <a:xfrm>
+            <a:off x="5664467" y="622842"/>
+            <a:ext cx="2598821" cy="3040768"/>
+          </a:xfrm>
+          <a:prstGeom prst="rect">
+            <a:avLst/>
+          </a:prstGeom>
+        </p:spPr>
+      </p:pic>
+      <p:sp>
+        <p:nvSpPr>
+          <p:cNvPr id="8" name="Rectangle 2"/>
+          <p:cNvSpPr>
+            <a:spLocks noChangeArrowheads="1"/>
+          </p:cNvSpPr>
+          <p:nvPr/>
+        </p:nvSpPr>
+        <p:spPr bwMode="auto">
+          <a:xfrm>
+            <a:off x="368300" y="4524344"/>
+            <a:ext cx="5905500" cy="2031325"/>
+          </a:xfrm>
+          <a:prstGeom prst="rect">
+            <a:avLst/>
+          </a:prstGeom>
+          <a:solidFill>
+            <a:srgbClr val="FFFFFF"/>
+          </a:solidFill>
+          <a:ln>
+            <a:noFill/>
+          </a:ln>
+          <a:effectLst/>
+          <a:extLst>
+            <a:ext uri="{91240B29-F687-4F45-9708-019B960494DF}">
+              <a14:hiddenLine xmlns:a14="http://schemas.microsoft.com/office/drawing/2010/main" w="9525">
+                <a:solidFill>
+                  <a:schemeClr val="tx1"/>
+                </a:solidFill>
+                <a:miter lim="800000"/>
+                <a:headEnd/>
+                <a:tailEnd/>
+              </a14:hiddenLine>
+            </a:ext>
+            <a:ext uri="{AF507438-7753-43E0-B8FC-AC1667EBCBE1}">
+              <a14:hiddenEffects xmlns:a14="http://schemas.microsoft.com/office/drawing/2010/main">
+                <a:effectLst>
+                  <a:outerShdw dist="35921" dir="2700000" algn="ctr" rotWithShape="0">
+                    <a:schemeClr val="bg2"/>
+                  </a:outerShdw>
+                </a:effectLst>
+              </a14:hiddenEffects>
+            </a:ext>
+          </a:extLst>
+        </p:spPr>
+        <p:txBody>
+          <a:bodyPr vert="horz" wrap="square" lIns="91440" tIns="45720" rIns="91440" bIns="45720" numCol="1" anchor="ctr" anchorCtr="0" compatLnSpc="1">
+            <a:prstTxWarp prst="textNoShape">
+              <a:avLst/>
+            </a:prstTxWarp>
+            <a:spAutoFit/>
+          </a:bodyPr>
+          <a:lstStyle/>
+          <a:p>
+            <a:pPr marL="0" marR="0" lvl="0" indent="0" algn="l" defTabSz="914400" rtl="0" eaLnBrk="0" fontAlgn="base" latinLnBrk="0" hangingPunct="0">
+              <a:lnSpc>
+                <a:spcPct val="100000"/>
+              </a:lnSpc>
+              <a:spcBef>
+                <a:spcPct val="0"/>
+              </a:spcBef>
+              <a:spcAft>
+                <a:spcPct val="0"/>
+              </a:spcAft>
+              <a:buClrTx/>
+              <a:buSzTx/>
+              <a:buFontTx/>
+              <a:buNone/>
+              <a:tabLst/>
+            </a:pPr>
+            <a:r>
+              <a:rPr kumimoji="0" lang="en-US" altLang="en-US" sz="900" b="1" i="0" u="none" strike="noStrike" cap="none" normalizeH="0" baseline="0" dirty="0" smtClean="0">
+                <a:ln>
+                  <a:noFill/>
+                </a:ln>
+                <a:solidFill>
+                  <a:srgbClr val="660E7A"/>
+                </a:solidFill>
+                <a:effectLst/>
+                <a:latin typeface="Courier New" panose="02070309020205020404" pitchFamily="49" charset="0"/>
+                <a:cs typeface="Courier New" panose="02070309020205020404" pitchFamily="49" charset="0"/>
+              </a:rPr>
+              <a:t>head </a:t>
+            </a:r>
+            <a:r>
+              <a:rPr kumimoji="0" lang="en-US" altLang="en-US" sz="900" b="0" i="0" u="none" strike="noStrike" cap="none" normalizeH="0" baseline="0" dirty="0" smtClean="0">
+                <a:ln>
+                  <a:noFill/>
+                </a:ln>
+                <a:solidFill>
+                  <a:srgbClr val="000000"/>
+                </a:solidFill>
+                <a:effectLst/>
+                <a:latin typeface="Courier New" panose="02070309020205020404" pitchFamily="49" charset="0"/>
+                <a:cs typeface="Courier New" panose="02070309020205020404" pitchFamily="49" charset="0"/>
+              </a:rPr>
+              <a:t>= </a:t>
+            </a:r>
+            <a:r>
+              <a:rPr kumimoji="0" lang="en-US" altLang="en-US" sz="900" b="1" i="0" u="none" strike="noStrike" cap="none" normalizeH="0" baseline="0" dirty="0" smtClean="0">
+                <a:ln>
+                  <a:noFill/>
+                </a:ln>
+                <a:solidFill>
+                  <a:srgbClr val="000080"/>
+                </a:solidFill>
+                <a:effectLst/>
+                <a:latin typeface="Courier New" panose="02070309020205020404" pitchFamily="49" charset="0"/>
+                <a:cs typeface="Courier New" panose="02070309020205020404" pitchFamily="49" charset="0"/>
+              </a:rPr>
+              <a:t>new </a:t>
+            </a:r>
+            <a:r>
+              <a:rPr kumimoji="0" lang="en-US" altLang="en-US" sz="900" b="0" i="0" u="none" strike="noStrike" cap="none" normalizeH="0" baseline="0" dirty="0" err="1" smtClean="0">
+                <a:ln>
+                  <a:noFill/>
+                </a:ln>
+                <a:solidFill>
+                  <a:srgbClr val="000000"/>
+                </a:solidFill>
+                <a:effectLst/>
+                <a:latin typeface="Courier New" panose="02070309020205020404" pitchFamily="49" charset="0"/>
+                <a:cs typeface="Courier New" panose="02070309020205020404" pitchFamily="49" charset="0"/>
+              </a:rPr>
+              <a:t>ModelPart</a:t>
+            </a:r>
+            <a:r>
+              <a:rPr kumimoji="0" lang="en-US" altLang="en-US" sz="900" b="0" i="0" u="none" strike="noStrike" cap="none" normalizeH="0" baseline="0" dirty="0" smtClean="0">
+                <a:ln>
+                  <a:noFill/>
+                </a:ln>
+                <a:solidFill>
+                  <a:srgbClr val="000000"/>
+                </a:solidFill>
+                <a:effectLst/>
+                <a:latin typeface="Courier New" panose="02070309020205020404" pitchFamily="49" charset="0"/>
+                <a:cs typeface="Courier New" panose="02070309020205020404" pitchFamily="49" charset="0"/>
+              </a:rPr>
+              <a:t>(</a:t>
+            </a:r>
+            <a:r>
+              <a:rPr kumimoji="0" lang="en-US" altLang="en-US" sz="900" b="1" i="0" u="none" strike="noStrike" cap="none" normalizeH="0" baseline="0" dirty="0" smtClean="0">
+                <a:ln>
+                  <a:noFill/>
+                </a:ln>
+                <a:solidFill>
+                  <a:srgbClr val="000080"/>
+                </a:solidFill>
+                <a:effectLst/>
+                <a:latin typeface="Courier New" panose="02070309020205020404" pitchFamily="49" charset="0"/>
+                <a:cs typeface="Courier New" panose="02070309020205020404" pitchFamily="49" charset="0"/>
+              </a:rPr>
+              <a:t>this</a:t>
+            </a:r>
+            <a:r>
+              <a:rPr kumimoji="0" lang="en-US" altLang="en-US" sz="900" b="0" i="0" u="none" strike="noStrike" cap="none" normalizeH="0" baseline="0" dirty="0" smtClean="0">
+                <a:ln>
+                  <a:noFill/>
+                </a:ln>
+                <a:solidFill>
+                  <a:srgbClr val="000000"/>
+                </a:solidFill>
+                <a:effectLst/>
+                <a:latin typeface="Courier New" panose="02070309020205020404" pitchFamily="49" charset="0"/>
+                <a:cs typeface="Courier New" panose="02070309020205020404" pitchFamily="49" charset="0"/>
+              </a:rPr>
+              <a:t>, </a:t>
+            </a:r>
+            <a:r>
+              <a:rPr kumimoji="0" lang="en-US" altLang="en-US" sz="900" b="1" i="0" u="none" strike="noStrike" cap="none" normalizeH="0" baseline="0" dirty="0" smtClean="0">
+                <a:ln>
+                  <a:noFill/>
+                </a:ln>
+                <a:solidFill>
+                  <a:srgbClr val="008000"/>
+                </a:solidFill>
+                <a:effectLst/>
+                <a:latin typeface="Courier New" panose="02070309020205020404" pitchFamily="49" charset="0"/>
+                <a:cs typeface="Courier New" panose="02070309020205020404" pitchFamily="49" charset="0"/>
+              </a:rPr>
+              <a:t>"head"</a:t>
+            </a:r>
+            <a:r>
+              <a:rPr kumimoji="0" lang="en-US" altLang="en-US" sz="900" b="0" i="0" u="none" strike="noStrike" cap="none" normalizeH="0" baseline="0" dirty="0" smtClean="0">
+                <a:ln>
+                  <a:noFill/>
+                </a:ln>
+                <a:solidFill>
+                  <a:srgbClr val="000000"/>
+                </a:solidFill>
+                <a:effectLst/>
+                <a:latin typeface="Courier New" panose="02070309020205020404" pitchFamily="49" charset="0"/>
+                <a:cs typeface="Courier New" panose="02070309020205020404" pitchFamily="49" charset="0"/>
+              </a:rPr>
+              <a:t>);</a:t>
+            </a:r>
+            <a:br>
+              <a:rPr kumimoji="0" lang="en-US" altLang="en-US" sz="900" b="0" i="0" u="none" strike="noStrike" cap="none" normalizeH="0" baseline="0" dirty="0" smtClean="0">
+                <a:ln>
+                  <a:noFill/>
+                </a:ln>
+                <a:solidFill>
+                  <a:srgbClr val="000000"/>
+                </a:solidFill>
+                <a:effectLst/>
+                <a:latin typeface="Courier New" panose="02070309020205020404" pitchFamily="49" charset="0"/>
+                <a:cs typeface="Courier New" panose="02070309020205020404" pitchFamily="49" charset="0"/>
+              </a:rPr>
+            </a:br>
+            <a:r>
+              <a:rPr kumimoji="0" lang="en-US" altLang="en-US" sz="900" b="1" i="0" u="none" strike="noStrike" cap="none" normalizeH="0" baseline="0" dirty="0" err="1" smtClean="0">
+                <a:ln>
+                  <a:noFill/>
+                </a:ln>
+                <a:solidFill>
+                  <a:srgbClr val="660E7A"/>
+                </a:solidFill>
+                <a:effectLst/>
+                <a:latin typeface="Courier New" panose="02070309020205020404" pitchFamily="49" charset="0"/>
+                <a:cs typeface="Courier New" panose="02070309020205020404" pitchFamily="49" charset="0"/>
+              </a:rPr>
+              <a:t>head</a:t>
+            </a:r>
+            <a:r>
+              <a:rPr kumimoji="0" lang="en-US" altLang="en-US" sz="900" b="0" i="0" u="none" strike="noStrike" cap="none" normalizeH="0" baseline="0" dirty="0" err="1" smtClean="0">
+                <a:ln>
+                  <a:noFill/>
+                </a:ln>
+                <a:solidFill>
+                  <a:srgbClr val="000000"/>
+                </a:solidFill>
+                <a:effectLst/>
+                <a:latin typeface="Courier New" panose="02070309020205020404" pitchFamily="49" charset="0"/>
+                <a:cs typeface="Courier New" panose="02070309020205020404" pitchFamily="49" charset="0"/>
+              </a:rPr>
+              <a:t>.addBox</a:t>
+            </a:r>
+            <a:r>
+              <a:rPr kumimoji="0" lang="en-US" altLang="en-US" sz="900" b="0" i="0" u="none" strike="noStrike" cap="none" normalizeH="0" baseline="0" dirty="0" smtClean="0">
+                <a:ln>
+                  <a:noFill/>
+                </a:ln>
+                <a:solidFill>
+                  <a:srgbClr val="000000"/>
+                </a:solidFill>
+                <a:effectLst/>
+                <a:latin typeface="Courier New" panose="02070309020205020404" pitchFamily="49" charset="0"/>
+                <a:cs typeface="Courier New" panose="02070309020205020404" pitchFamily="49" charset="0"/>
+              </a:rPr>
+              <a:t>(</a:t>
+            </a:r>
+            <a:r>
+              <a:rPr kumimoji="0" lang="en-US" altLang="en-US" sz="900" b="1" i="0" u="none" strike="noStrike" cap="none" normalizeH="0" baseline="0" dirty="0" smtClean="0">
+                <a:ln>
+                  <a:noFill/>
+                </a:ln>
+                <a:solidFill>
+                  <a:srgbClr val="008000"/>
+                </a:solidFill>
+                <a:effectLst/>
+                <a:latin typeface="Courier New" panose="02070309020205020404" pitchFamily="49" charset="0"/>
+                <a:cs typeface="Courier New" panose="02070309020205020404" pitchFamily="49" charset="0"/>
+              </a:rPr>
+              <a:t>"</a:t>
+            </a:r>
+            <a:r>
+              <a:rPr kumimoji="0" lang="en-US" altLang="en-US" sz="900" b="1" i="0" u="none" strike="noStrike" cap="none" normalizeH="0" baseline="0" dirty="0" err="1" smtClean="0">
+                <a:ln>
+                  <a:noFill/>
+                </a:ln>
+                <a:solidFill>
+                  <a:srgbClr val="008000"/>
+                </a:solidFill>
+                <a:effectLst/>
+                <a:latin typeface="Courier New" panose="02070309020205020404" pitchFamily="49" charset="0"/>
+                <a:cs typeface="Courier New" panose="02070309020205020404" pitchFamily="49" charset="0"/>
+              </a:rPr>
+              <a:t>upperjaw</a:t>
+            </a:r>
+            <a:r>
+              <a:rPr kumimoji="0" lang="en-US" altLang="en-US" sz="900" b="1" i="0" u="none" strike="noStrike" cap="none" normalizeH="0" baseline="0" dirty="0" smtClean="0">
+                <a:ln>
+                  <a:noFill/>
+                </a:ln>
+                <a:solidFill>
+                  <a:srgbClr val="008000"/>
+                </a:solidFill>
+                <a:effectLst/>
+                <a:latin typeface="Courier New" panose="02070309020205020404" pitchFamily="49" charset="0"/>
+                <a:cs typeface="Courier New" panose="02070309020205020404" pitchFamily="49" charset="0"/>
+              </a:rPr>
+              <a:t>"</a:t>
+            </a:r>
+            <a:r>
+              <a:rPr kumimoji="0" lang="en-US" altLang="en-US" sz="900" b="0" i="0" u="none" strike="noStrike" cap="none" normalizeH="0" baseline="0" dirty="0" smtClean="0">
+                <a:ln>
+                  <a:noFill/>
+                </a:ln>
+                <a:solidFill>
+                  <a:srgbClr val="000000"/>
+                </a:solidFill>
+                <a:effectLst/>
+                <a:latin typeface="Courier New" panose="02070309020205020404" pitchFamily="49" charset="0"/>
+                <a:cs typeface="Courier New" panose="02070309020205020404" pitchFamily="49" charset="0"/>
+              </a:rPr>
+              <a:t>, -</a:t>
+            </a:r>
+            <a:r>
+              <a:rPr kumimoji="0" lang="en-US" altLang="en-US" sz="900" b="0" i="0" u="none" strike="noStrike" cap="none" normalizeH="0" baseline="0" dirty="0" smtClean="0">
+                <a:ln>
+                  <a:noFill/>
+                </a:ln>
+                <a:solidFill>
+                  <a:srgbClr val="0000FF"/>
+                </a:solidFill>
+                <a:effectLst/>
+                <a:latin typeface="Courier New" panose="02070309020205020404" pitchFamily="49" charset="0"/>
+                <a:cs typeface="Courier New" panose="02070309020205020404" pitchFamily="49" charset="0"/>
+              </a:rPr>
+              <a:t>6</a:t>
+            </a:r>
+            <a:r>
+              <a:rPr kumimoji="0" lang="en-US" altLang="en-US" sz="900" b="0" i="0" u="none" strike="noStrike" cap="none" normalizeH="0" baseline="0" dirty="0" smtClean="0">
+                <a:ln>
+                  <a:noFill/>
+                </a:ln>
+                <a:solidFill>
+                  <a:srgbClr val="000000"/>
+                </a:solidFill>
+                <a:effectLst/>
+                <a:latin typeface="Courier New" panose="02070309020205020404" pitchFamily="49" charset="0"/>
+                <a:cs typeface="Courier New" panose="02070309020205020404" pitchFamily="49" charset="0"/>
+              </a:rPr>
+              <a:t>, -</a:t>
+            </a:r>
+            <a:r>
+              <a:rPr kumimoji="0" lang="en-US" altLang="en-US" sz="900" b="0" i="0" u="none" strike="noStrike" cap="none" normalizeH="0" baseline="0" dirty="0" smtClean="0">
+                <a:ln>
+                  <a:noFill/>
+                </a:ln>
+                <a:solidFill>
+                  <a:srgbClr val="0000FF"/>
+                </a:solidFill>
+                <a:effectLst/>
+                <a:latin typeface="Courier New" panose="02070309020205020404" pitchFamily="49" charset="0"/>
+                <a:cs typeface="Courier New" panose="02070309020205020404" pitchFamily="49" charset="0"/>
+              </a:rPr>
+              <a:t>1</a:t>
+            </a:r>
+            <a:r>
+              <a:rPr kumimoji="0" lang="en-US" altLang="en-US" sz="900" b="0" i="0" u="none" strike="noStrike" cap="none" normalizeH="0" baseline="0" dirty="0" smtClean="0">
+                <a:ln>
+                  <a:noFill/>
+                </a:ln>
+                <a:solidFill>
+                  <a:srgbClr val="000000"/>
+                </a:solidFill>
+                <a:effectLst/>
+                <a:latin typeface="Courier New" panose="02070309020205020404" pitchFamily="49" charset="0"/>
+                <a:cs typeface="Courier New" panose="02070309020205020404" pitchFamily="49" charset="0"/>
+              </a:rPr>
+              <a:t>, </a:t>
+            </a:r>
+            <a:r>
+              <a:rPr kumimoji="0" lang="en-US" altLang="en-US" sz="900" b="0" i="0" u="none" strike="noStrike" cap="none" normalizeH="0" baseline="0" dirty="0" smtClean="0">
+                <a:ln>
+                  <a:noFill/>
+                </a:ln>
+                <a:solidFill>
+                  <a:srgbClr val="000000"/>
+                </a:solidFill>
+                <a:effectLst/>
+                <a:latin typeface="Courier New" panose="02070309020205020404" pitchFamily="49" charset="0"/>
+                <a:cs typeface="Courier New" panose="02070309020205020404" pitchFamily="49" charset="0"/>
+              </a:rPr>
+              <a:t>-</a:t>
+            </a:r>
+            <a:r>
+              <a:rPr kumimoji="0" lang="en-US" altLang="en-US" sz="900" b="0" i="0" u="none" strike="noStrike" cap="none" normalizeH="0" baseline="0" dirty="0" smtClean="0">
+                <a:ln>
+                  <a:noFill/>
+                </a:ln>
+                <a:solidFill>
+                  <a:srgbClr val="0000FF"/>
+                </a:solidFill>
+                <a:effectLst/>
+                <a:latin typeface="Courier New" panose="02070309020205020404" pitchFamily="49" charset="0"/>
+                <a:cs typeface="Courier New" panose="02070309020205020404" pitchFamily="49" charset="0"/>
+              </a:rPr>
+              <a:t>24</a:t>
+            </a:r>
+            <a:r>
+              <a:rPr kumimoji="0" lang="en-US" altLang="en-US" sz="900" b="0" i="0" u="none" strike="noStrike" cap="none" normalizeH="0" baseline="0" dirty="0" smtClean="0">
+                <a:ln>
+                  <a:noFill/>
+                </a:ln>
+                <a:solidFill>
+                  <a:srgbClr val="000000"/>
+                </a:solidFill>
+                <a:effectLst/>
+                <a:latin typeface="Courier New" panose="02070309020205020404" pitchFamily="49" charset="0"/>
+                <a:cs typeface="Courier New" panose="02070309020205020404" pitchFamily="49" charset="0"/>
+              </a:rPr>
+              <a:t>, </a:t>
+            </a:r>
+            <a:r>
+              <a:rPr kumimoji="0" lang="en-US" altLang="en-US" sz="900" b="0" i="0" u="none" strike="noStrike" cap="none" normalizeH="0" baseline="0" dirty="0" smtClean="0">
+                <a:ln>
+                  <a:noFill/>
+                </a:ln>
+                <a:solidFill>
+                  <a:srgbClr val="0000FF"/>
+                </a:solidFill>
+                <a:effectLst/>
+                <a:latin typeface="Courier New" panose="02070309020205020404" pitchFamily="49" charset="0"/>
+                <a:cs typeface="Courier New" panose="02070309020205020404" pitchFamily="49" charset="0"/>
+              </a:rPr>
+              <a:t>12</a:t>
+            </a:r>
+            <a:r>
+              <a:rPr kumimoji="0" lang="en-US" altLang="en-US" sz="900" b="0" i="0" u="none" strike="noStrike" cap="none" normalizeH="0" baseline="0" dirty="0" smtClean="0">
+                <a:ln>
+                  <a:noFill/>
+                </a:ln>
+                <a:solidFill>
+                  <a:srgbClr val="000000"/>
+                </a:solidFill>
+                <a:effectLst/>
+                <a:latin typeface="Courier New" panose="02070309020205020404" pitchFamily="49" charset="0"/>
+                <a:cs typeface="Courier New" panose="02070309020205020404" pitchFamily="49" charset="0"/>
+              </a:rPr>
+              <a:t>, </a:t>
+            </a:r>
+            <a:r>
+              <a:rPr kumimoji="0" lang="en-US" altLang="en-US" sz="900" b="0" i="0" u="none" strike="noStrike" cap="none" normalizeH="0" baseline="0" dirty="0" smtClean="0">
+                <a:ln>
+                  <a:noFill/>
+                </a:ln>
+                <a:solidFill>
+                  <a:srgbClr val="0000FF"/>
+                </a:solidFill>
+                <a:effectLst/>
+                <a:latin typeface="Courier New" panose="02070309020205020404" pitchFamily="49" charset="0"/>
+                <a:cs typeface="Courier New" panose="02070309020205020404" pitchFamily="49" charset="0"/>
+              </a:rPr>
+              <a:t>5</a:t>
+            </a:r>
+            <a:r>
+              <a:rPr kumimoji="0" lang="en-US" altLang="en-US" sz="900" b="0" i="0" u="none" strike="noStrike" cap="none" normalizeH="0" baseline="0" dirty="0" smtClean="0">
+                <a:ln>
+                  <a:noFill/>
+                </a:ln>
+                <a:solidFill>
+                  <a:srgbClr val="000000"/>
+                </a:solidFill>
+                <a:effectLst/>
+                <a:latin typeface="Courier New" panose="02070309020205020404" pitchFamily="49" charset="0"/>
+                <a:cs typeface="Courier New" panose="02070309020205020404" pitchFamily="49" charset="0"/>
+              </a:rPr>
+              <a:t>, </a:t>
+            </a:r>
+            <a:r>
+              <a:rPr kumimoji="0" lang="en-US" altLang="en-US" sz="900" b="0" i="0" u="none" strike="noStrike" cap="none" normalizeH="0" baseline="0" dirty="0" smtClean="0">
+                <a:ln>
+                  <a:noFill/>
+                </a:ln>
+                <a:solidFill>
+                  <a:srgbClr val="0000FF"/>
+                </a:solidFill>
+                <a:effectLst/>
+                <a:latin typeface="Courier New" panose="02070309020205020404" pitchFamily="49" charset="0"/>
+                <a:cs typeface="Courier New" panose="02070309020205020404" pitchFamily="49" charset="0"/>
+              </a:rPr>
+              <a:t>16</a:t>
+            </a:r>
+            <a:r>
+              <a:rPr kumimoji="0" lang="en-US" altLang="en-US" sz="900" b="0" i="0" u="none" strike="noStrike" cap="none" normalizeH="0" baseline="0" dirty="0" smtClean="0">
+                <a:ln>
+                  <a:noFill/>
+                </a:ln>
+                <a:solidFill>
+                  <a:srgbClr val="000000"/>
+                </a:solidFill>
+                <a:effectLst/>
+                <a:latin typeface="Courier New" panose="02070309020205020404" pitchFamily="49" charset="0"/>
+                <a:cs typeface="Courier New" panose="02070309020205020404" pitchFamily="49" charset="0"/>
+              </a:rPr>
+              <a:t>);  </a:t>
+            </a:r>
+            <a:r>
+              <a:rPr kumimoji="0" lang="en-US" altLang="en-US" sz="900" b="0" i="1" u="none" strike="noStrike" cap="none" normalizeH="0" baseline="0" dirty="0" smtClean="0">
+                <a:ln>
+                  <a:noFill/>
+                </a:ln>
+                <a:solidFill>
+                  <a:srgbClr val="808080"/>
+                </a:solidFill>
+                <a:effectLst/>
+                <a:latin typeface="Courier New" panose="02070309020205020404" pitchFamily="49" charset="0"/>
+                <a:cs typeface="Courier New" panose="02070309020205020404" pitchFamily="49" charset="0"/>
+              </a:rPr>
+              <a:t/>
+            </a:r>
+            <a:br>
+              <a:rPr kumimoji="0" lang="en-US" altLang="en-US" sz="900" b="0" i="1" u="none" strike="noStrike" cap="none" normalizeH="0" baseline="0" dirty="0" smtClean="0">
+                <a:ln>
+                  <a:noFill/>
+                </a:ln>
+                <a:solidFill>
+                  <a:srgbClr val="808080"/>
+                </a:solidFill>
+                <a:effectLst/>
+                <a:latin typeface="Courier New" panose="02070309020205020404" pitchFamily="49" charset="0"/>
+                <a:cs typeface="Courier New" panose="02070309020205020404" pitchFamily="49" charset="0"/>
+              </a:rPr>
+            </a:br>
+            <a:r>
+              <a:rPr kumimoji="0" lang="en-US" altLang="en-US" sz="900" b="1" i="0" u="none" strike="noStrike" cap="none" normalizeH="0" baseline="0" dirty="0" err="1" smtClean="0">
+                <a:ln>
+                  <a:noFill/>
+                </a:ln>
+                <a:solidFill>
+                  <a:srgbClr val="660E7A"/>
+                </a:solidFill>
+                <a:effectLst/>
+                <a:latin typeface="Courier New" panose="02070309020205020404" pitchFamily="49" charset="0"/>
+                <a:cs typeface="Courier New" panose="02070309020205020404" pitchFamily="49" charset="0"/>
+              </a:rPr>
+              <a:t>head</a:t>
+            </a:r>
+            <a:r>
+              <a:rPr kumimoji="0" lang="en-US" altLang="en-US" sz="900" b="0" i="0" u="none" strike="noStrike" cap="none" normalizeH="0" baseline="0" dirty="0" err="1" smtClean="0">
+                <a:ln>
+                  <a:noFill/>
+                </a:ln>
+                <a:solidFill>
+                  <a:srgbClr val="000000"/>
+                </a:solidFill>
+                <a:effectLst/>
+                <a:latin typeface="Courier New" panose="02070309020205020404" pitchFamily="49" charset="0"/>
+                <a:cs typeface="Courier New" panose="02070309020205020404" pitchFamily="49" charset="0"/>
+              </a:rPr>
+              <a:t>.addBox</a:t>
+            </a:r>
+            <a:r>
+              <a:rPr kumimoji="0" lang="en-US" altLang="en-US" sz="900" b="0" i="0" u="none" strike="noStrike" cap="none" normalizeH="0" baseline="0" dirty="0" smtClean="0">
+                <a:ln>
+                  <a:noFill/>
+                </a:ln>
+                <a:solidFill>
+                  <a:srgbClr val="000000"/>
+                </a:solidFill>
+                <a:effectLst/>
+                <a:latin typeface="Courier New" panose="02070309020205020404" pitchFamily="49" charset="0"/>
+                <a:cs typeface="Courier New" panose="02070309020205020404" pitchFamily="49" charset="0"/>
+              </a:rPr>
+              <a:t>(</a:t>
+            </a:r>
+            <a:r>
+              <a:rPr kumimoji="0" lang="en-US" altLang="en-US" sz="900" b="1" i="0" u="none" strike="noStrike" cap="none" normalizeH="0" baseline="0" dirty="0" smtClean="0">
+                <a:ln>
+                  <a:noFill/>
+                </a:ln>
+                <a:solidFill>
+                  <a:srgbClr val="008000"/>
+                </a:solidFill>
+                <a:effectLst/>
+                <a:latin typeface="Courier New" panose="02070309020205020404" pitchFamily="49" charset="0"/>
+                <a:cs typeface="Courier New" panose="02070309020205020404" pitchFamily="49" charset="0"/>
+              </a:rPr>
+              <a:t>"</a:t>
+            </a:r>
+            <a:r>
+              <a:rPr kumimoji="0" lang="en-US" altLang="en-US" sz="900" b="1" i="0" u="none" strike="noStrike" cap="none" normalizeH="0" baseline="0" dirty="0" err="1" smtClean="0">
+                <a:ln>
+                  <a:noFill/>
+                </a:ln>
+                <a:solidFill>
+                  <a:srgbClr val="008000"/>
+                </a:solidFill>
+                <a:effectLst/>
+                <a:latin typeface="Courier New" panose="02070309020205020404" pitchFamily="49" charset="0"/>
+                <a:cs typeface="Courier New" panose="02070309020205020404" pitchFamily="49" charset="0"/>
+              </a:rPr>
+              <a:t>mainhead</a:t>
+            </a:r>
+            <a:r>
+              <a:rPr kumimoji="0" lang="en-US" altLang="en-US" sz="900" b="1" i="0" u="none" strike="noStrike" cap="none" normalizeH="0" baseline="0" dirty="0" smtClean="0">
+                <a:ln>
+                  <a:noFill/>
+                </a:ln>
+                <a:solidFill>
+                  <a:srgbClr val="008000"/>
+                </a:solidFill>
+                <a:effectLst/>
+                <a:latin typeface="Courier New" panose="02070309020205020404" pitchFamily="49" charset="0"/>
+                <a:cs typeface="Courier New" panose="02070309020205020404" pitchFamily="49" charset="0"/>
+              </a:rPr>
+              <a:t>"</a:t>
+            </a:r>
+            <a:r>
+              <a:rPr kumimoji="0" lang="en-US" altLang="en-US" sz="900" b="0" i="0" u="none" strike="noStrike" cap="none" normalizeH="0" baseline="0" dirty="0" smtClean="0">
+                <a:ln>
+                  <a:noFill/>
+                </a:ln>
+                <a:solidFill>
+                  <a:srgbClr val="000000"/>
+                </a:solidFill>
+                <a:effectLst/>
+                <a:latin typeface="Courier New" panose="02070309020205020404" pitchFamily="49" charset="0"/>
+                <a:cs typeface="Courier New" panose="02070309020205020404" pitchFamily="49" charset="0"/>
+              </a:rPr>
+              <a:t>, -</a:t>
+            </a:r>
+            <a:r>
+              <a:rPr kumimoji="0" lang="en-US" altLang="en-US" sz="900" b="0" i="0" u="none" strike="noStrike" cap="none" normalizeH="0" baseline="0" dirty="0" smtClean="0">
+                <a:ln>
+                  <a:noFill/>
+                </a:ln>
+                <a:solidFill>
+                  <a:srgbClr val="0000FF"/>
+                </a:solidFill>
+                <a:effectLst/>
+                <a:latin typeface="Courier New" panose="02070309020205020404" pitchFamily="49" charset="0"/>
+                <a:cs typeface="Courier New" panose="02070309020205020404" pitchFamily="49" charset="0"/>
+              </a:rPr>
+              <a:t>8</a:t>
+            </a:r>
+            <a:r>
+              <a:rPr kumimoji="0" lang="en-US" altLang="en-US" sz="900" b="0" i="0" u="none" strike="noStrike" cap="none" normalizeH="0" baseline="0" dirty="0" smtClean="0">
+                <a:ln>
+                  <a:noFill/>
+                </a:ln>
+                <a:solidFill>
+                  <a:srgbClr val="000000"/>
+                </a:solidFill>
+                <a:effectLst/>
+                <a:latin typeface="Courier New" panose="02070309020205020404" pitchFamily="49" charset="0"/>
+                <a:cs typeface="Courier New" panose="02070309020205020404" pitchFamily="49" charset="0"/>
+              </a:rPr>
+              <a:t>, -</a:t>
+            </a:r>
+            <a:r>
+              <a:rPr kumimoji="0" lang="en-US" altLang="en-US" sz="900" b="0" i="0" u="none" strike="noStrike" cap="none" normalizeH="0" baseline="0" dirty="0" smtClean="0">
+                <a:ln>
+                  <a:noFill/>
+                </a:ln>
+                <a:solidFill>
+                  <a:srgbClr val="0000FF"/>
+                </a:solidFill>
+                <a:effectLst/>
+                <a:latin typeface="Courier New" panose="02070309020205020404" pitchFamily="49" charset="0"/>
+                <a:cs typeface="Courier New" panose="02070309020205020404" pitchFamily="49" charset="0"/>
+              </a:rPr>
+              <a:t>8</a:t>
+            </a:r>
+            <a:r>
+              <a:rPr kumimoji="0" lang="en-US" altLang="en-US" sz="900" b="0" i="0" u="none" strike="noStrike" cap="none" normalizeH="0" baseline="0" dirty="0" smtClean="0">
+                <a:ln>
+                  <a:noFill/>
+                </a:ln>
+                <a:solidFill>
+                  <a:srgbClr val="000000"/>
+                </a:solidFill>
+                <a:effectLst/>
+                <a:latin typeface="Courier New" panose="02070309020205020404" pitchFamily="49" charset="0"/>
+                <a:cs typeface="Courier New" panose="02070309020205020404" pitchFamily="49" charset="0"/>
+              </a:rPr>
+              <a:t>, </a:t>
+            </a:r>
+            <a:r>
+              <a:rPr kumimoji="0" lang="en-US" altLang="en-US" sz="900" b="0" i="0" u="none" strike="noStrike" cap="none" normalizeH="0" baseline="0" dirty="0" smtClean="0">
+                <a:ln>
+                  <a:noFill/>
+                </a:ln>
+                <a:solidFill>
+                  <a:srgbClr val="0000FF"/>
+                </a:solidFill>
+                <a:effectLst/>
+                <a:latin typeface="Courier New" panose="02070309020205020404" pitchFamily="49" charset="0"/>
+                <a:cs typeface="Courier New" panose="02070309020205020404" pitchFamily="49" charset="0"/>
+              </a:rPr>
+              <a:t>-10</a:t>
+            </a:r>
+            <a:r>
+              <a:rPr kumimoji="0" lang="en-US" altLang="en-US" sz="900" b="0" i="0" u="none" strike="noStrike" cap="none" normalizeH="0" baseline="0" dirty="0" smtClean="0">
+                <a:ln>
+                  <a:noFill/>
+                </a:ln>
+                <a:solidFill>
+                  <a:srgbClr val="000000"/>
+                </a:solidFill>
+                <a:effectLst/>
+                <a:latin typeface="Courier New" panose="02070309020205020404" pitchFamily="49" charset="0"/>
+                <a:cs typeface="Courier New" panose="02070309020205020404" pitchFamily="49" charset="0"/>
+              </a:rPr>
+              <a:t>, </a:t>
+            </a:r>
+            <a:r>
+              <a:rPr kumimoji="0" lang="en-US" altLang="en-US" sz="900" b="0" i="0" u="none" strike="noStrike" cap="none" normalizeH="0" baseline="0" dirty="0" smtClean="0">
+                <a:ln>
+                  <a:noFill/>
+                </a:ln>
+                <a:solidFill>
+                  <a:srgbClr val="0000FF"/>
+                </a:solidFill>
+                <a:effectLst/>
+                <a:latin typeface="Courier New" panose="02070309020205020404" pitchFamily="49" charset="0"/>
+                <a:cs typeface="Courier New" panose="02070309020205020404" pitchFamily="49" charset="0"/>
+              </a:rPr>
+              <a:t>16</a:t>
+            </a:r>
+            <a:r>
+              <a:rPr kumimoji="0" lang="en-US" altLang="en-US" sz="900" b="0" i="0" u="none" strike="noStrike" cap="none" normalizeH="0" baseline="0" dirty="0" smtClean="0">
+                <a:ln>
+                  <a:noFill/>
+                </a:ln>
+                <a:solidFill>
+                  <a:srgbClr val="000000"/>
+                </a:solidFill>
+                <a:effectLst/>
+                <a:latin typeface="Courier New" panose="02070309020205020404" pitchFamily="49" charset="0"/>
+                <a:cs typeface="Courier New" panose="02070309020205020404" pitchFamily="49" charset="0"/>
+              </a:rPr>
+              <a:t>, </a:t>
+            </a:r>
+            <a:r>
+              <a:rPr kumimoji="0" lang="en-US" altLang="en-US" sz="900" b="0" i="0" u="none" strike="noStrike" cap="none" normalizeH="0" baseline="0" dirty="0" smtClean="0">
+                <a:ln>
+                  <a:noFill/>
+                </a:ln>
+                <a:solidFill>
+                  <a:srgbClr val="0000FF"/>
+                </a:solidFill>
+                <a:effectLst/>
+                <a:latin typeface="Courier New" panose="02070309020205020404" pitchFamily="49" charset="0"/>
+                <a:cs typeface="Courier New" panose="02070309020205020404" pitchFamily="49" charset="0"/>
+              </a:rPr>
+              <a:t>16</a:t>
+            </a:r>
+            <a:r>
+              <a:rPr kumimoji="0" lang="en-US" altLang="en-US" sz="900" b="0" i="0" u="none" strike="noStrike" cap="none" normalizeH="0" baseline="0" dirty="0" smtClean="0">
+                <a:ln>
+                  <a:noFill/>
+                </a:ln>
+                <a:solidFill>
+                  <a:srgbClr val="000000"/>
+                </a:solidFill>
+                <a:effectLst/>
+                <a:latin typeface="Courier New" panose="02070309020205020404" pitchFamily="49" charset="0"/>
+                <a:cs typeface="Courier New" panose="02070309020205020404" pitchFamily="49" charset="0"/>
+              </a:rPr>
+              <a:t>, </a:t>
+            </a:r>
+            <a:r>
+              <a:rPr kumimoji="0" lang="en-US" altLang="en-US" sz="900" b="0" i="0" u="none" strike="noStrike" cap="none" normalizeH="0" baseline="0" dirty="0" smtClean="0">
+                <a:ln>
+                  <a:noFill/>
+                </a:ln>
+                <a:solidFill>
+                  <a:srgbClr val="0000FF"/>
+                </a:solidFill>
+                <a:effectLst/>
+                <a:latin typeface="Courier New" panose="02070309020205020404" pitchFamily="49" charset="0"/>
+                <a:cs typeface="Courier New" panose="02070309020205020404" pitchFamily="49" charset="0"/>
+              </a:rPr>
+              <a:t>16</a:t>
+            </a:r>
+            <a:r>
+              <a:rPr kumimoji="0" lang="en-US" altLang="en-US" sz="900" b="0" i="0" u="none" strike="noStrike" cap="none" normalizeH="0" baseline="0" dirty="0" smtClean="0">
+                <a:ln>
+                  <a:noFill/>
+                </a:ln>
+                <a:solidFill>
+                  <a:srgbClr val="000000"/>
+                </a:solidFill>
+                <a:effectLst/>
+                <a:latin typeface="Courier New" panose="02070309020205020404" pitchFamily="49" charset="0"/>
+                <a:cs typeface="Courier New" panose="02070309020205020404" pitchFamily="49" charset="0"/>
+              </a:rPr>
+              <a:t>);</a:t>
+            </a:r>
+            <a:r>
+              <a:rPr kumimoji="0" lang="en-US" altLang="en-US" sz="900" b="0" i="1" u="none" strike="noStrike" cap="none" normalizeH="0" baseline="0" dirty="0" smtClean="0">
+                <a:ln>
+                  <a:noFill/>
+                </a:ln>
+                <a:solidFill>
+                  <a:srgbClr val="808080"/>
+                </a:solidFill>
+                <a:effectLst/>
+                <a:latin typeface="Courier New" panose="02070309020205020404" pitchFamily="49" charset="0"/>
+                <a:cs typeface="Courier New" panose="02070309020205020404" pitchFamily="49" charset="0"/>
+              </a:rPr>
+              <a:t/>
+            </a:r>
+            <a:br>
+              <a:rPr kumimoji="0" lang="en-US" altLang="en-US" sz="900" b="0" i="1" u="none" strike="noStrike" cap="none" normalizeH="0" baseline="0" dirty="0" smtClean="0">
+                <a:ln>
+                  <a:noFill/>
+                </a:ln>
+                <a:solidFill>
+                  <a:srgbClr val="808080"/>
+                </a:solidFill>
+                <a:effectLst/>
+                <a:latin typeface="Courier New" panose="02070309020205020404" pitchFamily="49" charset="0"/>
+                <a:cs typeface="Courier New" panose="02070309020205020404" pitchFamily="49" charset="0"/>
+              </a:rPr>
+            </a:br>
+            <a:r>
+              <a:rPr kumimoji="0" lang="en-US" altLang="en-US" sz="900" b="1" i="0" u="none" strike="noStrike" cap="none" normalizeH="0" baseline="0" dirty="0" err="1" smtClean="0">
+                <a:ln>
+                  <a:noFill/>
+                </a:ln>
+                <a:solidFill>
+                  <a:srgbClr val="660E7A"/>
+                </a:solidFill>
+                <a:effectLst/>
+                <a:latin typeface="Courier New" panose="02070309020205020404" pitchFamily="49" charset="0"/>
+                <a:cs typeface="Courier New" panose="02070309020205020404" pitchFamily="49" charset="0"/>
+              </a:rPr>
+              <a:t>head</a:t>
+            </a:r>
+            <a:r>
+              <a:rPr kumimoji="0" lang="en-US" altLang="en-US" sz="900" b="0" i="0" u="none" strike="noStrike" cap="none" normalizeH="0" baseline="0" dirty="0" err="1" smtClean="0">
+                <a:ln>
+                  <a:noFill/>
+                </a:ln>
+                <a:solidFill>
+                  <a:srgbClr val="000000"/>
+                </a:solidFill>
+                <a:effectLst/>
+                <a:latin typeface="Courier New" panose="02070309020205020404" pitchFamily="49" charset="0"/>
+                <a:cs typeface="Courier New" panose="02070309020205020404" pitchFamily="49" charset="0"/>
+              </a:rPr>
+              <a:t>.addBox</a:t>
+            </a:r>
+            <a:r>
+              <a:rPr kumimoji="0" lang="en-US" altLang="en-US" sz="900" b="0" i="0" u="none" strike="noStrike" cap="none" normalizeH="0" baseline="0" dirty="0" smtClean="0">
+                <a:ln>
+                  <a:noFill/>
+                </a:ln>
+                <a:solidFill>
+                  <a:srgbClr val="000000"/>
+                </a:solidFill>
+                <a:effectLst/>
+                <a:latin typeface="Courier New" panose="02070309020205020404" pitchFamily="49" charset="0"/>
+                <a:cs typeface="Courier New" panose="02070309020205020404" pitchFamily="49" charset="0"/>
+              </a:rPr>
+              <a:t>(</a:t>
+            </a:r>
+            <a:r>
+              <a:rPr kumimoji="0" lang="en-US" altLang="en-US" sz="900" b="1" i="0" u="none" strike="noStrike" cap="none" normalizeH="0" baseline="0" dirty="0" smtClean="0">
+                <a:ln>
+                  <a:noFill/>
+                </a:ln>
+                <a:solidFill>
+                  <a:srgbClr val="008000"/>
+                </a:solidFill>
+                <a:effectLst/>
+                <a:latin typeface="Courier New" panose="02070309020205020404" pitchFamily="49" charset="0"/>
+                <a:cs typeface="Courier New" panose="02070309020205020404" pitchFamily="49" charset="0"/>
+              </a:rPr>
+              <a:t>"nostril"</a:t>
+            </a:r>
+            <a:r>
+              <a:rPr kumimoji="0" lang="en-US" altLang="en-US" sz="900" b="0" i="0" u="none" strike="noStrike" cap="none" normalizeH="0" baseline="0" dirty="0" smtClean="0">
+                <a:ln>
+                  <a:noFill/>
+                </a:ln>
+                <a:solidFill>
+                  <a:srgbClr val="000000"/>
+                </a:solidFill>
+                <a:effectLst/>
+                <a:latin typeface="Courier New" panose="02070309020205020404" pitchFamily="49" charset="0"/>
+                <a:cs typeface="Courier New" panose="02070309020205020404" pitchFamily="49" charset="0"/>
+              </a:rPr>
+              <a:t>, -</a:t>
+            </a:r>
+            <a:r>
+              <a:rPr kumimoji="0" lang="en-US" altLang="en-US" sz="900" b="0" i="0" u="none" strike="noStrike" cap="none" normalizeH="0" baseline="0" dirty="0" smtClean="0">
+                <a:ln>
+                  <a:noFill/>
+                </a:ln>
+                <a:solidFill>
+                  <a:srgbClr val="0000FF"/>
+                </a:solidFill>
+                <a:effectLst/>
+                <a:latin typeface="Courier New" panose="02070309020205020404" pitchFamily="49" charset="0"/>
+                <a:cs typeface="Courier New" panose="02070309020205020404" pitchFamily="49" charset="0"/>
+              </a:rPr>
+              <a:t>5</a:t>
+            </a:r>
+            <a:r>
+              <a:rPr kumimoji="0" lang="en-US" altLang="en-US" sz="900" b="0" i="0" u="none" strike="noStrike" cap="none" normalizeH="0" baseline="0" dirty="0" smtClean="0">
+                <a:ln>
+                  <a:noFill/>
+                </a:ln>
+                <a:solidFill>
+                  <a:srgbClr val="000000"/>
+                </a:solidFill>
+                <a:effectLst/>
+                <a:latin typeface="Courier New" panose="02070309020205020404" pitchFamily="49" charset="0"/>
+                <a:cs typeface="Courier New" panose="02070309020205020404" pitchFamily="49" charset="0"/>
+              </a:rPr>
+              <a:t>, -</a:t>
+            </a:r>
+            <a:r>
+              <a:rPr kumimoji="0" lang="en-US" altLang="en-US" sz="900" b="0" i="0" u="none" strike="noStrike" cap="none" normalizeH="0" baseline="0" dirty="0" smtClean="0">
+                <a:ln>
+                  <a:noFill/>
+                </a:ln>
+                <a:solidFill>
+                  <a:srgbClr val="0000FF"/>
+                </a:solidFill>
+                <a:effectLst/>
+                <a:latin typeface="Courier New" panose="02070309020205020404" pitchFamily="49" charset="0"/>
+                <a:cs typeface="Courier New" panose="02070309020205020404" pitchFamily="49" charset="0"/>
+              </a:rPr>
+              <a:t>3</a:t>
+            </a:r>
+            <a:r>
+              <a:rPr kumimoji="0" lang="en-US" altLang="en-US" sz="900" b="0" i="0" u="none" strike="noStrike" cap="none" normalizeH="0" baseline="0" dirty="0" smtClean="0">
+                <a:ln>
+                  <a:noFill/>
+                </a:ln>
+                <a:solidFill>
+                  <a:srgbClr val="000000"/>
+                </a:solidFill>
+                <a:effectLst/>
+                <a:latin typeface="Courier New" panose="02070309020205020404" pitchFamily="49" charset="0"/>
+                <a:cs typeface="Courier New" panose="02070309020205020404" pitchFamily="49" charset="0"/>
+              </a:rPr>
+              <a:t>, </a:t>
+            </a:r>
+            <a:r>
+              <a:rPr kumimoji="0" lang="en-US" altLang="en-US" sz="900" b="0" i="0" u="none" strike="noStrike" cap="none" normalizeH="0" baseline="0" dirty="0" smtClean="0">
+                <a:ln>
+                  <a:noFill/>
+                </a:ln>
+                <a:solidFill>
+                  <a:srgbClr val="000000"/>
+                </a:solidFill>
+                <a:effectLst/>
+                <a:latin typeface="Courier New" panose="02070309020205020404" pitchFamily="49" charset="0"/>
+                <a:cs typeface="Courier New" panose="02070309020205020404" pitchFamily="49" charset="0"/>
+              </a:rPr>
+              <a:t>-</a:t>
+            </a:r>
+            <a:r>
+              <a:rPr kumimoji="0" lang="en-US" altLang="en-US" sz="900" b="0" i="0" u="none" strike="noStrike" cap="none" normalizeH="0" baseline="0" dirty="0" smtClean="0">
+                <a:ln>
+                  <a:noFill/>
+                </a:ln>
+                <a:solidFill>
+                  <a:srgbClr val="0000FF"/>
+                </a:solidFill>
+                <a:effectLst/>
+                <a:latin typeface="Courier New" panose="02070309020205020404" pitchFamily="49" charset="0"/>
+                <a:cs typeface="Courier New" panose="02070309020205020404" pitchFamily="49" charset="0"/>
+              </a:rPr>
+              <a:t>22</a:t>
+            </a:r>
+            <a:r>
+              <a:rPr kumimoji="0" lang="en-US" altLang="en-US" sz="900" b="0" i="0" u="none" strike="noStrike" cap="none" normalizeH="0" baseline="0" dirty="0" smtClean="0">
+                <a:ln>
+                  <a:noFill/>
+                </a:ln>
+                <a:solidFill>
+                  <a:srgbClr val="000000"/>
+                </a:solidFill>
+                <a:effectLst/>
+                <a:latin typeface="Courier New" panose="02070309020205020404" pitchFamily="49" charset="0"/>
+                <a:cs typeface="Courier New" panose="02070309020205020404" pitchFamily="49" charset="0"/>
+              </a:rPr>
+              <a:t>, </a:t>
+            </a:r>
+            <a:r>
+              <a:rPr kumimoji="0" lang="en-US" altLang="en-US" sz="900" b="0" i="0" u="none" strike="noStrike" cap="none" normalizeH="0" baseline="0" dirty="0" smtClean="0">
+                <a:ln>
+                  <a:noFill/>
+                </a:ln>
+                <a:solidFill>
+                  <a:srgbClr val="0000FF"/>
+                </a:solidFill>
+                <a:effectLst/>
+                <a:latin typeface="Courier New" panose="02070309020205020404" pitchFamily="49" charset="0"/>
+                <a:cs typeface="Courier New" panose="02070309020205020404" pitchFamily="49" charset="0"/>
+              </a:rPr>
+              <a:t>2</a:t>
+            </a:r>
+            <a:r>
+              <a:rPr kumimoji="0" lang="en-US" altLang="en-US" sz="900" b="0" i="0" u="none" strike="noStrike" cap="none" normalizeH="0" baseline="0" dirty="0" smtClean="0">
+                <a:ln>
+                  <a:noFill/>
+                </a:ln>
+                <a:solidFill>
+                  <a:srgbClr val="000000"/>
+                </a:solidFill>
+                <a:effectLst/>
+                <a:latin typeface="Courier New" panose="02070309020205020404" pitchFamily="49" charset="0"/>
+                <a:cs typeface="Courier New" panose="02070309020205020404" pitchFamily="49" charset="0"/>
+              </a:rPr>
+              <a:t>, </a:t>
+            </a:r>
+            <a:r>
+              <a:rPr kumimoji="0" lang="en-US" altLang="en-US" sz="900" b="0" i="0" u="none" strike="noStrike" cap="none" normalizeH="0" baseline="0" dirty="0" smtClean="0">
+                <a:ln>
+                  <a:noFill/>
+                </a:ln>
+                <a:solidFill>
+                  <a:srgbClr val="0000FF"/>
+                </a:solidFill>
+                <a:effectLst/>
+                <a:latin typeface="Courier New" panose="02070309020205020404" pitchFamily="49" charset="0"/>
+                <a:cs typeface="Courier New" panose="02070309020205020404" pitchFamily="49" charset="0"/>
+              </a:rPr>
+              <a:t>2</a:t>
+            </a:r>
+            <a:r>
+              <a:rPr kumimoji="0" lang="en-US" altLang="en-US" sz="900" b="0" i="0" u="none" strike="noStrike" cap="none" normalizeH="0" baseline="0" dirty="0" smtClean="0">
+                <a:ln>
+                  <a:noFill/>
+                </a:ln>
+                <a:solidFill>
+                  <a:srgbClr val="000000"/>
+                </a:solidFill>
+                <a:effectLst/>
+                <a:latin typeface="Courier New" panose="02070309020205020404" pitchFamily="49" charset="0"/>
+                <a:cs typeface="Courier New" panose="02070309020205020404" pitchFamily="49" charset="0"/>
+              </a:rPr>
+              <a:t>, </a:t>
+            </a:r>
+            <a:r>
+              <a:rPr kumimoji="0" lang="en-US" altLang="en-US" sz="900" b="0" i="0" u="none" strike="noStrike" cap="none" normalizeH="0" baseline="0" dirty="0" smtClean="0">
+                <a:ln>
+                  <a:noFill/>
+                </a:ln>
+                <a:solidFill>
+                  <a:srgbClr val="0000FF"/>
+                </a:solidFill>
+                <a:effectLst/>
+                <a:latin typeface="Courier New" panose="02070309020205020404" pitchFamily="49" charset="0"/>
+                <a:cs typeface="Courier New" panose="02070309020205020404" pitchFamily="49" charset="0"/>
+              </a:rPr>
+              <a:t>4</a:t>
+            </a:r>
+            <a:r>
+              <a:rPr kumimoji="0" lang="en-US" altLang="en-US" sz="900" b="0" i="0" u="none" strike="noStrike" cap="none" normalizeH="0" baseline="0" dirty="0" smtClean="0">
+                <a:ln>
+                  <a:noFill/>
+                </a:ln>
+                <a:solidFill>
+                  <a:srgbClr val="000000"/>
+                </a:solidFill>
+                <a:effectLst/>
+                <a:latin typeface="Courier New" panose="02070309020205020404" pitchFamily="49" charset="0"/>
+                <a:cs typeface="Courier New" panose="02070309020205020404" pitchFamily="49" charset="0"/>
+              </a:rPr>
+              <a:t>);</a:t>
+            </a:r>
+            <a:br>
+              <a:rPr kumimoji="0" lang="en-US" altLang="en-US" sz="900" b="0" i="0" u="none" strike="noStrike" cap="none" normalizeH="0" baseline="0" dirty="0" smtClean="0">
+                <a:ln>
+                  <a:noFill/>
+                </a:ln>
+                <a:solidFill>
+                  <a:srgbClr val="000000"/>
+                </a:solidFill>
+                <a:effectLst/>
+                <a:latin typeface="Courier New" panose="02070309020205020404" pitchFamily="49" charset="0"/>
+                <a:cs typeface="Courier New" panose="02070309020205020404" pitchFamily="49" charset="0"/>
+              </a:rPr>
+            </a:br>
+            <a:r>
+              <a:rPr kumimoji="0" lang="en-US" altLang="en-US" sz="900" b="1" i="0" u="none" strike="noStrike" cap="none" normalizeH="0" baseline="0" dirty="0" err="1" smtClean="0">
+                <a:ln>
+                  <a:noFill/>
+                </a:ln>
+                <a:solidFill>
+                  <a:srgbClr val="660E7A"/>
+                </a:solidFill>
+                <a:effectLst/>
+                <a:latin typeface="Courier New" panose="02070309020205020404" pitchFamily="49" charset="0"/>
+                <a:cs typeface="Courier New" panose="02070309020205020404" pitchFamily="49" charset="0"/>
+              </a:rPr>
+              <a:t>head</a:t>
+            </a:r>
+            <a:r>
+              <a:rPr kumimoji="0" lang="en-US" altLang="en-US" sz="900" b="0" i="0" u="none" strike="noStrike" cap="none" normalizeH="0" baseline="0" dirty="0" err="1" smtClean="0">
+                <a:ln>
+                  <a:noFill/>
+                </a:ln>
+                <a:solidFill>
+                  <a:srgbClr val="000000"/>
+                </a:solidFill>
+                <a:effectLst/>
+                <a:latin typeface="Courier New" panose="02070309020205020404" pitchFamily="49" charset="0"/>
+                <a:cs typeface="Courier New" panose="02070309020205020404" pitchFamily="49" charset="0"/>
+              </a:rPr>
+              <a:t>.</a:t>
+            </a:r>
+            <a:r>
+              <a:rPr kumimoji="0" lang="en-US" altLang="en-US" sz="900" b="1" i="0" u="none" strike="noStrike" cap="none" normalizeH="0" baseline="0" dirty="0" err="1" smtClean="0">
+                <a:ln>
+                  <a:noFill/>
+                </a:ln>
+                <a:solidFill>
+                  <a:srgbClr val="660E7A"/>
+                </a:solidFill>
+                <a:effectLst/>
+                <a:latin typeface="Courier New" panose="02070309020205020404" pitchFamily="49" charset="0"/>
+                <a:cs typeface="Courier New" panose="02070309020205020404" pitchFamily="49" charset="0"/>
+              </a:rPr>
+              <a:t>mirror</a:t>
+            </a:r>
+            <a:r>
+              <a:rPr kumimoji="0" lang="en-US" altLang="en-US" sz="900" b="1" i="0" u="none" strike="noStrike" cap="none" normalizeH="0" baseline="0" dirty="0" smtClean="0">
+                <a:ln>
+                  <a:noFill/>
+                </a:ln>
+                <a:solidFill>
+                  <a:srgbClr val="660E7A"/>
+                </a:solidFill>
+                <a:effectLst/>
+                <a:latin typeface="Courier New" panose="02070309020205020404" pitchFamily="49" charset="0"/>
+                <a:cs typeface="Courier New" panose="02070309020205020404" pitchFamily="49" charset="0"/>
+              </a:rPr>
+              <a:t> </a:t>
+            </a:r>
+            <a:r>
+              <a:rPr kumimoji="0" lang="en-US" altLang="en-US" sz="900" b="0" i="0" u="none" strike="noStrike" cap="none" normalizeH="0" baseline="0" dirty="0" smtClean="0">
+                <a:ln>
+                  <a:noFill/>
+                </a:ln>
+                <a:solidFill>
+                  <a:srgbClr val="000000"/>
+                </a:solidFill>
+                <a:effectLst/>
+                <a:latin typeface="Courier New" panose="02070309020205020404" pitchFamily="49" charset="0"/>
+                <a:cs typeface="Courier New" panose="02070309020205020404" pitchFamily="49" charset="0"/>
+              </a:rPr>
+              <a:t>= </a:t>
+            </a:r>
+            <a:r>
+              <a:rPr kumimoji="0" lang="en-US" altLang="en-US" sz="900" b="1" i="0" u="none" strike="noStrike" cap="none" normalizeH="0" baseline="0" dirty="0" smtClean="0">
+                <a:ln>
+                  <a:noFill/>
+                </a:ln>
+                <a:solidFill>
+                  <a:srgbClr val="000080"/>
+                </a:solidFill>
+                <a:effectLst/>
+                <a:latin typeface="Courier New" panose="02070309020205020404" pitchFamily="49" charset="0"/>
+                <a:cs typeface="Courier New" panose="02070309020205020404" pitchFamily="49" charset="0"/>
+              </a:rPr>
+              <a:t>true</a:t>
+            </a:r>
+            <a:r>
+              <a:rPr kumimoji="0" lang="en-US" altLang="en-US" sz="900" b="0" i="0" u="none" strike="noStrike" cap="none" normalizeH="0" baseline="0" dirty="0" smtClean="0">
+                <a:ln>
+                  <a:noFill/>
+                </a:ln>
+                <a:solidFill>
+                  <a:srgbClr val="000000"/>
+                </a:solidFill>
+                <a:effectLst/>
+                <a:latin typeface="Courier New" panose="02070309020205020404" pitchFamily="49" charset="0"/>
+                <a:cs typeface="Courier New" panose="02070309020205020404" pitchFamily="49" charset="0"/>
+              </a:rPr>
+              <a:t>;</a:t>
+            </a:r>
+            <a:br>
+              <a:rPr kumimoji="0" lang="en-US" altLang="en-US" sz="900" b="0" i="0" u="none" strike="noStrike" cap="none" normalizeH="0" baseline="0" dirty="0" smtClean="0">
+                <a:ln>
+                  <a:noFill/>
+                </a:ln>
+                <a:solidFill>
+                  <a:srgbClr val="000000"/>
+                </a:solidFill>
+                <a:effectLst/>
+                <a:latin typeface="Courier New" panose="02070309020205020404" pitchFamily="49" charset="0"/>
+                <a:cs typeface="Courier New" panose="02070309020205020404" pitchFamily="49" charset="0"/>
+              </a:rPr>
+            </a:br>
+            <a:r>
+              <a:rPr kumimoji="0" lang="en-US" altLang="en-US" sz="900" b="1" i="0" u="none" strike="noStrike" cap="none" normalizeH="0" baseline="0" dirty="0" err="1" smtClean="0">
+                <a:ln>
+                  <a:noFill/>
+                </a:ln>
+                <a:solidFill>
+                  <a:srgbClr val="660E7A"/>
+                </a:solidFill>
+                <a:effectLst/>
+                <a:latin typeface="Courier New" panose="02070309020205020404" pitchFamily="49" charset="0"/>
+                <a:cs typeface="Courier New" panose="02070309020205020404" pitchFamily="49" charset="0"/>
+              </a:rPr>
+              <a:t>head</a:t>
+            </a:r>
+            <a:r>
+              <a:rPr kumimoji="0" lang="en-US" altLang="en-US" sz="900" b="0" i="0" u="none" strike="noStrike" cap="none" normalizeH="0" baseline="0" dirty="0" err="1" smtClean="0">
+                <a:ln>
+                  <a:noFill/>
+                </a:ln>
+                <a:solidFill>
+                  <a:srgbClr val="000000"/>
+                </a:solidFill>
+                <a:effectLst/>
+                <a:latin typeface="Courier New" panose="02070309020205020404" pitchFamily="49" charset="0"/>
+                <a:cs typeface="Courier New" panose="02070309020205020404" pitchFamily="49" charset="0"/>
+              </a:rPr>
+              <a:t>.addBox</a:t>
+            </a:r>
+            <a:r>
+              <a:rPr kumimoji="0" lang="en-US" altLang="en-US" sz="900" b="0" i="0" u="none" strike="noStrike" cap="none" normalizeH="0" baseline="0" dirty="0" smtClean="0">
+                <a:ln>
+                  <a:noFill/>
+                </a:ln>
+                <a:solidFill>
+                  <a:srgbClr val="000000"/>
+                </a:solidFill>
+                <a:effectLst/>
+                <a:latin typeface="Courier New" panose="02070309020205020404" pitchFamily="49" charset="0"/>
+                <a:cs typeface="Courier New" panose="02070309020205020404" pitchFamily="49" charset="0"/>
+              </a:rPr>
+              <a:t>(</a:t>
+            </a:r>
+            <a:r>
+              <a:rPr kumimoji="0" lang="en-US" altLang="en-US" sz="900" b="1" i="0" u="none" strike="noStrike" cap="none" normalizeH="0" baseline="0" dirty="0" smtClean="0">
+                <a:ln>
+                  <a:noFill/>
+                </a:ln>
+                <a:solidFill>
+                  <a:srgbClr val="008000"/>
+                </a:solidFill>
+                <a:effectLst/>
+                <a:latin typeface="Courier New" panose="02070309020205020404" pitchFamily="49" charset="0"/>
+                <a:cs typeface="Courier New" panose="02070309020205020404" pitchFamily="49" charset="0"/>
+              </a:rPr>
+              <a:t>"nostril"</a:t>
+            </a:r>
+            <a:r>
+              <a:rPr kumimoji="0" lang="en-US" altLang="en-US" sz="900" b="0" i="0" u="none" strike="noStrike" cap="none" normalizeH="0" baseline="0" dirty="0" smtClean="0">
+                <a:ln>
+                  <a:noFill/>
+                </a:ln>
+                <a:solidFill>
+                  <a:srgbClr val="000000"/>
+                </a:solidFill>
+                <a:effectLst/>
+                <a:latin typeface="Courier New" panose="02070309020205020404" pitchFamily="49" charset="0"/>
+                <a:cs typeface="Courier New" panose="02070309020205020404" pitchFamily="49" charset="0"/>
+              </a:rPr>
+              <a:t>, </a:t>
+            </a:r>
+            <a:r>
+              <a:rPr kumimoji="0" lang="en-US" altLang="en-US" sz="900" b="0" i="0" u="none" strike="noStrike" cap="none" normalizeH="0" baseline="0" dirty="0" smtClean="0">
+                <a:ln>
+                  <a:noFill/>
+                </a:ln>
+                <a:solidFill>
+                  <a:srgbClr val="0000FF"/>
+                </a:solidFill>
+                <a:effectLst/>
+                <a:latin typeface="Courier New" panose="02070309020205020404" pitchFamily="49" charset="0"/>
+                <a:cs typeface="Courier New" panose="02070309020205020404" pitchFamily="49" charset="0"/>
+              </a:rPr>
+              <a:t>3</a:t>
+            </a:r>
+            <a:r>
+              <a:rPr kumimoji="0" lang="en-US" altLang="en-US" sz="900" b="0" i="0" u="none" strike="noStrike" cap="none" normalizeH="0" baseline="0" dirty="0" smtClean="0">
+                <a:ln>
+                  <a:noFill/>
+                </a:ln>
+                <a:solidFill>
+                  <a:srgbClr val="000000"/>
+                </a:solidFill>
+                <a:effectLst/>
+                <a:latin typeface="Courier New" panose="02070309020205020404" pitchFamily="49" charset="0"/>
+                <a:cs typeface="Courier New" panose="02070309020205020404" pitchFamily="49" charset="0"/>
+              </a:rPr>
+              <a:t>, -</a:t>
+            </a:r>
+            <a:r>
+              <a:rPr kumimoji="0" lang="en-US" altLang="en-US" sz="900" b="0" i="0" u="none" strike="noStrike" cap="none" normalizeH="0" baseline="0" dirty="0" smtClean="0">
+                <a:ln>
+                  <a:noFill/>
+                </a:ln>
+                <a:solidFill>
+                  <a:srgbClr val="0000FF"/>
+                </a:solidFill>
+                <a:effectLst/>
+                <a:latin typeface="Courier New" panose="02070309020205020404" pitchFamily="49" charset="0"/>
+                <a:cs typeface="Courier New" panose="02070309020205020404" pitchFamily="49" charset="0"/>
+              </a:rPr>
+              <a:t>3</a:t>
+            </a:r>
+            <a:r>
+              <a:rPr kumimoji="0" lang="en-US" altLang="en-US" sz="900" b="0" i="0" u="none" strike="noStrike" cap="none" normalizeH="0" baseline="0" dirty="0" smtClean="0">
+                <a:ln>
+                  <a:noFill/>
+                </a:ln>
+                <a:solidFill>
+                  <a:srgbClr val="000000"/>
+                </a:solidFill>
+                <a:effectLst/>
+                <a:latin typeface="Courier New" panose="02070309020205020404" pitchFamily="49" charset="0"/>
+                <a:cs typeface="Courier New" panose="02070309020205020404" pitchFamily="49" charset="0"/>
+              </a:rPr>
+              <a:t>, </a:t>
+            </a:r>
+            <a:r>
+              <a:rPr kumimoji="0" lang="en-US" altLang="en-US" sz="900" b="0" i="0" u="none" strike="noStrike" cap="none" normalizeH="0" baseline="0" dirty="0" smtClean="0">
+                <a:ln>
+                  <a:noFill/>
+                </a:ln>
+                <a:solidFill>
+                  <a:srgbClr val="000000"/>
+                </a:solidFill>
+                <a:effectLst/>
+                <a:latin typeface="Courier New" panose="02070309020205020404" pitchFamily="49" charset="0"/>
+                <a:cs typeface="Courier New" panose="02070309020205020404" pitchFamily="49" charset="0"/>
+              </a:rPr>
+              <a:t>-</a:t>
+            </a:r>
+            <a:r>
+              <a:rPr kumimoji="0" lang="en-US" altLang="en-US" sz="900" b="0" i="0" u="none" strike="noStrike" cap="none" normalizeH="0" baseline="0" dirty="0" smtClean="0">
+                <a:ln>
+                  <a:noFill/>
+                </a:ln>
+                <a:solidFill>
+                  <a:srgbClr val="0000FF"/>
+                </a:solidFill>
+                <a:effectLst/>
+                <a:latin typeface="Courier New" panose="02070309020205020404" pitchFamily="49" charset="0"/>
+                <a:cs typeface="Courier New" panose="02070309020205020404" pitchFamily="49" charset="0"/>
+              </a:rPr>
+              <a:t>22</a:t>
+            </a:r>
+            <a:r>
+              <a:rPr kumimoji="0" lang="en-US" altLang="en-US" sz="900" b="0" i="0" u="none" strike="noStrike" cap="none" normalizeH="0" baseline="0" dirty="0" smtClean="0">
+                <a:ln>
+                  <a:noFill/>
+                </a:ln>
+                <a:solidFill>
+                  <a:srgbClr val="000000"/>
+                </a:solidFill>
+                <a:effectLst/>
+                <a:latin typeface="Courier New" panose="02070309020205020404" pitchFamily="49" charset="0"/>
+                <a:cs typeface="Courier New" panose="02070309020205020404" pitchFamily="49" charset="0"/>
+              </a:rPr>
+              <a:t>, </a:t>
+            </a:r>
+            <a:r>
+              <a:rPr kumimoji="0" lang="en-US" altLang="en-US" sz="900" b="0" i="0" u="none" strike="noStrike" cap="none" normalizeH="0" baseline="0" dirty="0" smtClean="0">
+                <a:ln>
+                  <a:noFill/>
+                </a:ln>
+                <a:solidFill>
+                  <a:srgbClr val="0000FF"/>
+                </a:solidFill>
+                <a:effectLst/>
+                <a:latin typeface="Courier New" panose="02070309020205020404" pitchFamily="49" charset="0"/>
+                <a:cs typeface="Courier New" panose="02070309020205020404" pitchFamily="49" charset="0"/>
+              </a:rPr>
+              <a:t>2</a:t>
+            </a:r>
+            <a:r>
+              <a:rPr kumimoji="0" lang="en-US" altLang="en-US" sz="900" b="0" i="0" u="none" strike="noStrike" cap="none" normalizeH="0" baseline="0" dirty="0" smtClean="0">
+                <a:ln>
+                  <a:noFill/>
+                </a:ln>
+                <a:solidFill>
+                  <a:srgbClr val="000000"/>
+                </a:solidFill>
+                <a:effectLst/>
+                <a:latin typeface="Courier New" panose="02070309020205020404" pitchFamily="49" charset="0"/>
+                <a:cs typeface="Courier New" panose="02070309020205020404" pitchFamily="49" charset="0"/>
+              </a:rPr>
+              <a:t>, </a:t>
+            </a:r>
+            <a:r>
+              <a:rPr kumimoji="0" lang="en-US" altLang="en-US" sz="900" b="0" i="0" u="none" strike="noStrike" cap="none" normalizeH="0" baseline="0" dirty="0" smtClean="0">
+                <a:ln>
+                  <a:noFill/>
+                </a:ln>
+                <a:solidFill>
+                  <a:srgbClr val="0000FF"/>
+                </a:solidFill>
+                <a:effectLst/>
+                <a:latin typeface="Courier New" panose="02070309020205020404" pitchFamily="49" charset="0"/>
+                <a:cs typeface="Courier New" panose="02070309020205020404" pitchFamily="49" charset="0"/>
+              </a:rPr>
+              <a:t>2</a:t>
+            </a:r>
+            <a:r>
+              <a:rPr kumimoji="0" lang="en-US" altLang="en-US" sz="900" b="0" i="0" u="none" strike="noStrike" cap="none" normalizeH="0" baseline="0" dirty="0" smtClean="0">
+                <a:ln>
+                  <a:noFill/>
+                </a:ln>
+                <a:solidFill>
+                  <a:srgbClr val="000000"/>
+                </a:solidFill>
+                <a:effectLst/>
+                <a:latin typeface="Courier New" panose="02070309020205020404" pitchFamily="49" charset="0"/>
+                <a:cs typeface="Courier New" panose="02070309020205020404" pitchFamily="49" charset="0"/>
+              </a:rPr>
+              <a:t>, </a:t>
+            </a:r>
+            <a:r>
+              <a:rPr kumimoji="0" lang="en-US" altLang="en-US" sz="900" b="0" i="0" u="none" strike="noStrike" cap="none" normalizeH="0" baseline="0" dirty="0" smtClean="0">
+                <a:ln>
+                  <a:noFill/>
+                </a:ln>
+                <a:solidFill>
+                  <a:srgbClr val="0000FF"/>
+                </a:solidFill>
+                <a:effectLst/>
+                <a:latin typeface="Courier New" panose="02070309020205020404" pitchFamily="49" charset="0"/>
+                <a:cs typeface="Courier New" panose="02070309020205020404" pitchFamily="49" charset="0"/>
+              </a:rPr>
+              <a:t>4</a:t>
+            </a:r>
+            <a:r>
+              <a:rPr kumimoji="0" lang="en-US" altLang="en-US" sz="900" b="0" i="0" u="none" strike="noStrike" cap="none" normalizeH="0" baseline="0" dirty="0" smtClean="0">
+                <a:ln>
+                  <a:noFill/>
+                </a:ln>
+                <a:solidFill>
+                  <a:srgbClr val="000000"/>
+                </a:solidFill>
+                <a:effectLst/>
+                <a:latin typeface="Courier New" panose="02070309020205020404" pitchFamily="49" charset="0"/>
+                <a:cs typeface="Courier New" panose="02070309020205020404" pitchFamily="49" charset="0"/>
+              </a:rPr>
+              <a:t>);</a:t>
+            </a:r>
+            <a:br>
+              <a:rPr kumimoji="0" lang="en-US" altLang="en-US" sz="900" b="0" i="0" u="none" strike="noStrike" cap="none" normalizeH="0" baseline="0" dirty="0" smtClean="0">
+                <a:ln>
+                  <a:noFill/>
+                </a:ln>
+                <a:solidFill>
+                  <a:srgbClr val="000000"/>
+                </a:solidFill>
+                <a:effectLst/>
+                <a:latin typeface="Courier New" panose="02070309020205020404" pitchFamily="49" charset="0"/>
+                <a:cs typeface="Courier New" panose="02070309020205020404" pitchFamily="49" charset="0"/>
+              </a:rPr>
+            </a:br>
+            <a:r>
+              <a:rPr kumimoji="0" lang="en-US" altLang="en-US" sz="900" b="0" i="0" u="none" strike="noStrike" cap="none" normalizeH="0" baseline="0" dirty="0" smtClean="0">
+                <a:ln>
+                  <a:noFill/>
+                </a:ln>
+                <a:solidFill>
+                  <a:srgbClr val="000000"/>
+                </a:solidFill>
+                <a:effectLst/>
+                <a:latin typeface="Courier New" panose="02070309020205020404" pitchFamily="49" charset="0"/>
+                <a:cs typeface="Courier New" panose="02070309020205020404" pitchFamily="49" charset="0"/>
+              </a:rPr>
+              <a:t/>
+            </a:r>
+            <a:br>
+              <a:rPr kumimoji="0" lang="en-US" altLang="en-US" sz="900" b="0" i="0" u="none" strike="noStrike" cap="none" normalizeH="0" baseline="0" dirty="0" smtClean="0">
+                <a:ln>
+                  <a:noFill/>
+                </a:ln>
+                <a:solidFill>
+                  <a:srgbClr val="000000"/>
+                </a:solidFill>
+                <a:effectLst/>
+                <a:latin typeface="Courier New" panose="02070309020205020404" pitchFamily="49" charset="0"/>
+                <a:cs typeface="Courier New" panose="02070309020205020404" pitchFamily="49" charset="0"/>
+              </a:rPr>
+            </a:br>
+            <a:r>
+              <a:rPr kumimoji="0" lang="en-US" altLang="en-US" sz="900" b="0" i="0" u="none" strike="noStrike" cap="none" normalizeH="0" baseline="0" dirty="0" err="1" smtClean="0">
+                <a:ln>
+                  <a:noFill/>
+                </a:ln>
+                <a:solidFill>
+                  <a:srgbClr val="000000"/>
+                </a:solidFill>
+                <a:effectLst/>
+                <a:latin typeface="Courier New" panose="02070309020205020404" pitchFamily="49" charset="0"/>
+                <a:cs typeface="Courier New" panose="02070309020205020404" pitchFamily="49" charset="0"/>
+              </a:rPr>
+              <a:t>buildHorn</a:t>
+            </a:r>
+            <a:r>
+              <a:rPr kumimoji="0" lang="en-US" altLang="en-US" sz="900" b="0" i="0" u="none" strike="noStrike" cap="none" normalizeH="0" baseline="0" dirty="0" smtClean="0">
+                <a:ln>
+                  <a:noFill/>
+                </a:ln>
+                <a:solidFill>
+                  <a:srgbClr val="000000"/>
+                </a:solidFill>
+                <a:effectLst/>
+                <a:latin typeface="Courier New" panose="02070309020205020404" pitchFamily="49" charset="0"/>
+                <a:cs typeface="Courier New" panose="02070309020205020404" pitchFamily="49" charset="0"/>
+              </a:rPr>
+              <a:t>(</a:t>
+            </a:r>
+            <a:r>
+              <a:rPr kumimoji="0" lang="en-US" altLang="en-US" sz="900" b="1" i="0" u="none" strike="noStrike" cap="none" normalizeH="0" baseline="0" dirty="0" smtClean="0">
+                <a:ln>
+                  <a:noFill/>
+                </a:ln>
+                <a:solidFill>
+                  <a:srgbClr val="000080"/>
+                </a:solidFill>
+                <a:effectLst/>
+                <a:latin typeface="Courier New" panose="02070309020205020404" pitchFamily="49" charset="0"/>
+                <a:cs typeface="Courier New" panose="02070309020205020404" pitchFamily="49" charset="0"/>
+              </a:rPr>
+              <a:t>false</a:t>
+            </a:r>
+            <a:r>
+              <a:rPr kumimoji="0" lang="en-US" altLang="en-US" sz="900" b="0" i="0" u="none" strike="noStrike" cap="none" normalizeH="0" baseline="0" dirty="0" smtClean="0">
+                <a:ln>
+                  <a:noFill/>
+                </a:ln>
+                <a:solidFill>
+                  <a:srgbClr val="000000"/>
+                </a:solidFill>
+                <a:effectLst/>
+                <a:latin typeface="Courier New" panose="02070309020205020404" pitchFamily="49" charset="0"/>
+                <a:cs typeface="Courier New" panose="02070309020205020404" pitchFamily="49" charset="0"/>
+              </a:rPr>
+              <a:t>);</a:t>
+            </a:r>
+            <a:br>
+              <a:rPr kumimoji="0" lang="en-US" altLang="en-US" sz="900" b="0" i="0" u="none" strike="noStrike" cap="none" normalizeH="0" baseline="0" dirty="0" smtClean="0">
+                <a:ln>
+                  <a:noFill/>
+                </a:ln>
+                <a:solidFill>
+                  <a:srgbClr val="000000"/>
+                </a:solidFill>
+                <a:effectLst/>
+                <a:latin typeface="Courier New" panose="02070309020205020404" pitchFamily="49" charset="0"/>
+                <a:cs typeface="Courier New" panose="02070309020205020404" pitchFamily="49" charset="0"/>
+              </a:rPr>
+            </a:br>
+            <a:r>
+              <a:rPr kumimoji="0" lang="en-US" altLang="en-US" sz="900" b="0" i="0" u="none" strike="noStrike" cap="none" normalizeH="0" baseline="0" dirty="0" err="1" smtClean="0">
+                <a:ln>
+                  <a:noFill/>
+                </a:ln>
+                <a:solidFill>
+                  <a:srgbClr val="000000"/>
+                </a:solidFill>
+                <a:effectLst/>
+                <a:latin typeface="Courier New" panose="02070309020205020404" pitchFamily="49" charset="0"/>
+                <a:cs typeface="Courier New" panose="02070309020205020404" pitchFamily="49" charset="0"/>
+              </a:rPr>
+              <a:t>buildHorn</a:t>
+            </a:r>
+            <a:r>
+              <a:rPr kumimoji="0" lang="en-US" altLang="en-US" sz="900" b="0" i="0" u="none" strike="noStrike" cap="none" normalizeH="0" baseline="0" dirty="0" smtClean="0">
+                <a:ln>
+                  <a:noFill/>
+                </a:ln>
+                <a:solidFill>
+                  <a:srgbClr val="000000"/>
+                </a:solidFill>
+                <a:effectLst/>
+                <a:latin typeface="Courier New" panose="02070309020205020404" pitchFamily="49" charset="0"/>
+                <a:cs typeface="Courier New" panose="02070309020205020404" pitchFamily="49" charset="0"/>
+              </a:rPr>
+              <a:t>(</a:t>
+            </a:r>
+            <a:r>
+              <a:rPr kumimoji="0" lang="en-US" altLang="en-US" sz="900" b="1" i="0" u="none" strike="noStrike" cap="none" normalizeH="0" baseline="0" dirty="0" smtClean="0">
+                <a:ln>
+                  <a:noFill/>
+                </a:ln>
+                <a:solidFill>
+                  <a:srgbClr val="000080"/>
+                </a:solidFill>
+                <a:effectLst/>
+                <a:latin typeface="Courier New" panose="02070309020205020404" pitchFamily="49" charset="0"/>
+                <a:cs typeface="Courier New" panose="02070309020205020404" pitchFamily="49" charset="0"/>
+              </a:rPr>
+              <a:t>true</a:t>
+            </a:r>
+            <a:r>
+              <a:rPr kumimoji="0" lang="en-US" altLang="en-US" sz="900" b="0" i="0" u="none" strike="noStrike" cap="none" normalizeH="0" baseline="0" dirty="0" smtClean="0">
+                <a:ln>
+                  <a:noFill/>
+                </a:ln>
+                <a:solidFill>
+                  <a:srgbClr val="000000"/>
+                </a:solidFill>
+                <a:effectLst/>
+                <a:latin typeface="Courier New" panose="02070309020205020404" pitchFamily="49" charset="0"/>
+                <a:cs typeface="Courier New" panose="02070309020205020404" pitchFamily="49" charset="0"/>
+              </a:rPr>
+              <a:t>);</a:t>
+            </a:r>
+            <a:br>
+              <a:rPr kumimoji="0" lang="en-US" altLang="en-US" sz="900" b="0" i="0" u="none" strike="noStrike" cap="none" normalizeH="0" baseline="0" dirty="0" smtClean="0">
+                <a:ln>
+                  <a:noFill/>
+                </a:ln>
+                <a:solidFill>
+                  <a:srgbClr val="000000"/>
+                </a:solidFill>
+                <a:effectLst/>
+                <a:latin typeface="Courier New" panose="02070309020205020404" pitchFamily="49" charset="0"/>
+                <a:cs typeface="Courier New" panose="02070309020205020404" pitchFamily="49" charset="0"/>
+              </a:rPr>
+            </a:br>
+            <a:r>
+              <a:rPr kumimoji="0" lang="en-US" altLang="en-US" sz="900" b="0" i="0" u="none" strike="noStrike" cap="none" normalizeH="0" baseline="0" dirty="0" smtClean="0">
+                <a:ln>
+                  <a:noFill/>
+                </a:ln>
+                <a:solidFill>
+                  <a:srgbClr val="000000"/>
+                </a:solidFill>
+                <a:effectLst/>
+                <a:latin typeface="Courier New" panose="02070309020205020404" pitchFamily="49" charset="0"/>
+                <a:cs typeface="Courier New" panose="02070309020205020404" pitchFamily="49" charset="0"/>
+              </a:rPr>
+              <a:t/>
+            </a:r>
+            <a:br>
+              <a:rPr kumimoji="0" lang="en-US" altLang="en-US" sz="900" b="0" i="0" u="none" strike="noStrike" cap="none" normalizeH="0" baseline="0" dirty="0" smtClean="0">
+                <a:ln>
+                  <a:noFill/>
+                </a:ln>
+                <a:solidFill>
+                  <a:srgbClr val="000000"/>
+                </a:solidFill>
+                <a:effectLst/>
+                <a:latin typeface="Courier New" panose="02070309020205020404" pitchFamily="49" charset="0"/>
+                <a:cs typeface="Courier New" panose="02070309020205020404" pitchFamily="49" charset="0"/>
+              </a:rPr>
+            </a:br>
+            <a:r>
+              <a:rPr kumimoji="0" lang="en-US" altLang="en-US" sz="900" b="1" i="0" u="none" strike="noStrike" cap="none" normalizeH="0" baseline="0" dirty="0" smtClean="0">
+                <a:ln>
+                  <a:noFill/>
+                </a:ln>
+                <a:solidFill>
+                  <a:srgbClr val="660E7A"/>
+                </a:solidFill>
+                <a:effectLst/>
+                <a:latin typeface="Courier New" panose="02070309020205020404" pitchFamily="49" charset="0"/>
+                <a:cs typeface="Courier New" panose="02070309020205020404" pitchFamily="49" charset="0"/>
+              </a:rPr>
+              <a:t>jaw </a:t>
+            </a:r>
+            <a:r>
+              <a:rPr kumimoji="0" lang="en-US" altLang="en-US" sz="900" b="0" i="0" u="none" strike="noStrike" cap="none" normalizeH="0" baseline="0" dirty="0" smtClean="0">
+                <a:ln>
+                  <a:noFill/>
+                </a:ln>
+                <a:solidFill>
+                  <a:srgbClr val="000000"/>
+                </a:solidFill>
+                <a:effectLst/>
+                <a:latin typeface="Courier New" panose="02070309020205020404" pitchFamily="49" charset="0"/>
+                <a:cs typeface="Courier New" panose="02070309020205020404" pitchFamily="49" charset="0"/>
+              </a:rPr>
+              <a:t>= </a:t>
+            </a:r>
+            <a:r>
+              <a:rPr kumimoji="0" lang="en-US" altLang="en-US" sz="900" b="1" i="0" u="none" strike="noStrike" cap="none" normalizeH="0" baseline="0" dirty="0" err="1" smtClean="0">
+                <a:ln>
+                  <a:noFill/>
+                </a:ln>
+                <a:solidFill>
+                  <a:srgbClr val="660E7A"/>
+                </a:solidFill>
+                <a:effectLst/>
+                <a:latin typeface="Courier New" panose="02070309020205020404" pitchFamily="49" charset="0"/>
+                <a:cs typeface="Courier New" panose="02070309020205020404" pitchFamily="49" charset="0"/>
+              </a:rPr>
+              <a:t>head</a:t>
+            </a:r>
+            <a:r>
+              <a:rPr kumimoji="0" lang="en-US" altLang="en-US" sz="900" b="0" i="0" u="none" strike="noStrike" cap="none" normalizeH="0" baseline="0" dirty="0" err="1" smtClean="0">
+                <a:ln>
+                  <a:noFill/>
+                </a:ln>
+                <a:solidFill>
+                  <a:srgbClr val="000000"/>
+                </a:solidFill>
+                <a:effectLst/>
+                <a:latin typeface="Courier New" panose="02070309020205020404" pitchFamily="49" charset="0"/>
+                <a:cs typeface="Courier New" panose="02070309020205020404" pitchFamily="49" charset="0"/>
+              </a:rPr>
+              <a:t>.addChildBox</a:t>
+            </a:r>
+            <a:r>
+              <a:rPr kumimoji="0" lang="en-US" altLang="en-US" sz="900" b="0" i="0" u="none" strike="noStrike" cap="none" normalizeH="0" baseline="0" dirty="0" smtClean="0">
+                <a:ln>
+                  <a:noFill/>
+                </a:ln>
+                <a:solidFill>
+                  <a:srgbClr val="000000"/>
+                </a:solidFill>
+                <a:effectLst/>
+                <a:latin typeface="Courier New" panose="02070309020205020404" pitchFamily="49" charset="0"/>
+                <a:cs typeface="Courier New" panose="02070309020205020404" pitchFamily="49" charset="0"/>
+              </a:rPr>
+              <a:t>(</a:t>
+            </a:r>
+            <a:r>
+              <a:rPr kumimoji="0" lang="en-US" altLang="en-US" sz="900" b="1" i="0" u="none" strike="noStrike" cap="none" normalizeH="0" baseline="0" dirty="0" smtClean="0">
+                <a:ln>
+                  <a:noFill/>
+                </a:ln>
+                <a:solidFill>
+                  <a:srgbClr val="008000"/>
+                </a:solidFill>
+                <a:effectLst/>
+                <a:latin typeface="Courier New" panose="02070309020205020404" pitchFamily="49" charset="0"/>
+                <a:cs typeface="Courier New" panose="02070309020205020404" pitchFamily="49" charset="0"/>
+              </a:rPr>
+              <a:t>"</a:t>
+            </a:r>
+            <a:r>
+              <a:rPr kumimoji="0" lang="en-US" altLang="en-US" sz="900" b="1" i="0" u="none" strike="noStrike" cap="none" normalizeH="0" baseline="0" dirty="0" err="1" smtClean="0">
+                <a:ln>
+                  <a:noFill/>
+                </a:ln>
+                <a:solidFill>
+                  <a:srgbClr val="008000"/>
+                </a:solidFill>
+                <a:effectLst/>
+                <a:latin typeface="Courier New" panose="02070309020205020404" pitchFamily="49" charset="0"/>
+                <a:cs typeface="Courier New" panose="02070309020205020404" pitchFamily="49" charset="0"/>
+              </a:rPr>
+              <a:t>lowerjaw</a:t>
+            </a:r>
+            <a:r>
+              <a:rPr kumimoji="0" lang="en-US" altLang="en-US" sz="900" b="1" i="0" u="none" strike="noStrike" cap="none" normalizeH="0" baseline="0" dirty="0" smtClean="0">
+                <a:ln>
+                  <a:noFill/>
+                </a:ln>
+                <a:solidFill>
+                  <a:srgbClr val="008000"/>
+                </a:solidFill>
+                <a:effectLst/>
+                <a:latin typeface="Courier New" panose="02070309020205020404" pitchFamily="49" charset="0"/>
+                <a:cs typeface="Courier New" panose="02070309020205020404" pitchFamily="49" charset="0"/>
+              </a:rPr>
+              <a:t>"</a:t>
+            </a:r>
+            <a:r>
+              <a:rPr kumimoji="0" lang="en-US" altLang="en-US" sz="900" b="0" i="0" u="none" strike="noStrike" cap="none" normalizeH="0" baseline="0" dirty="0" smtClean="0">
+                <a:ln>
+                  <a:noFill/>
+                </a:ln>
+                <a:solidFill>
+                  <a:srgbClr val="000000"/>
+                </a:solidFill>
+                <a:effectLst/>
+                <a:latin typeface="Courier New" panose="02070309020205020404" pitchFamily="49" charset="0"/>
+                <a:cs typeface="Courier New" panose="02070309020205020404" pitchFamily="49" charset="0"/>
+              </a:rPr>
+              <a:t>, -</a:t>
+            </a:r>
+            <a:r>
+              <a:rPr kumimoji="0" lang="en-US" altLang="en-US" sz="900" b="0" i="0" u="none" strike="noStrike" cap="none" normalizeH="0" baseline="0" dirty="0" smtClean="0">
+                <a:ln>
+                  <a:noFill/>
+                </a:ln>
+                <a:solidFill>
+                  <a:srgbClr val="0000FF"/>
+                </a:solidFill>
+                <a:effectLst/>
+                <a:latin typeface="Courier New" panose="02070309020205020404" pitchFamily="49" charset="0"/>
+                <a:cs typeface="Courier New" panose="02070309020205020404" pitchFamily="49" charset="0"/>
+              </a:rPr>
+              <a:t>6</a:t>
+            </a:r>
+            <a:r>
+              <a:rPr kumimoji="0" lang="en-US" altLang="en-US" sz="900" b="0" i="0" u="none" strike="noStrike" cap="none" normalizeH="0" baseline="0" dirty="0" smtClean="0">
+                <a:ln>
+                  <a:noFill/>
+                </a:ln>
+                <a:solidFill>
+                  <a:srgbClr val="000000"/>
+                </a:solidFill>
+                <a:effectLst/>
+                <a:latin typeface="Courier New" panose="02070309020205020404" pitchFamily="49" charset="0"/>
+                <a:cs typeface="Courier New" panose="02070309020205020404" pitchFamily="49" charset="0"/>
+              </a:rPr>
+              <a:t>, </a:t>
+            </a:r>
+            <a:r>
+              <a:rPr kumimoji="0" lang="en-US" altLang="en-US" sz="900" b="0" i="0" u="none" strike="noStrike" cap="none" normalizeH="0" baseline="0" dirty="0" smtClean="0">
+                <a:ln>
+                  <a:noFill/>
+                </a:ln>
+                <a:solidFill>
+                  <a:srgbClr val="0000FF"/>
+                </a:solidFill>
+                <a:effectLst/>
+                <a:latin typeface="Courier New" panose="02070309020205020404" pitchFamily="49" charset="0"/>
+                <a:cs typeface="Courier New" panose="02070309020205020404" pitchFamily="49" charset="0"/>
+              </a:rPr>
+              <a:t>0</a:t>
+            </a:r>
+            <a:r>
+              <a:rPr kumimoji="0" lang="en-US" altLang="en-US" sz="900" b="0" i="0" u="none" strike="noStrike" cap="none" normalizeH="0" baseline="0" dirty="0" smtClean="0">
+                <a:ln>
+                  <a:noFill/>
+                </a:ln>
+                <a:solidFill>
+                  <a:srgbClr val="000000"/>
+                </a:solidFill>
+                <a:effectLst/>
+                <a:latin typeface="Courier New" panose="02070309020205020404" pitchFamily="49" charset="0"/>
+                <a:cs typeface="Courier New" panose="02070309020205020404" pitchFamily="49" charset="0"/>
+              </a:rPr>
+              <a:t>, -</a:t>
+            </a:r>
+            <a:r>
+              <a:rPr kumimoji="0" lang="en-US" altLang="en-US" sz="900" b="0" i="0" u="none" strike="noStrike" cap="none" normalizeH="0" baseline="0" dirty="0" smtClean="0">
+                <a:ln>
+                  <a:noFill/>
+                </a:ln>
+                <a:solidFill>
+                  <a:srgbClr val="0000FF"/>
+                </a:solidFill>
+                <a:effectLst/>
+                <a:latin typeface="Courier New" panose="02070309020205020404" pitchFamily="49" charset="0"/>
+                <a:cs typeface="Courier New" panose="02070309020205020404" pitchFamily="49" charset="0"/>
+              </a:rPr>
+              <a:t>16</a:t>
+            </a:r>
+            <a:r>
+              <a:rPr kumimoji="0" lang="en-US" altLang="en-US" sz="900" b="0" i="0" u="none" strike="noStrike" cap="none" normalizeH="0" baseline="0" dirty="0" smtClean="0">
+                <a:ln>
+                  <a:noFill/>
+                </a:ln>
+                <a:solidFill>
+                  <a:srgbClr val="000000"/>
+                </a:solidFill>
+                <a:effectLst/>
+                <a:latin typeface="Courier New" panose="02070309020205020404" pitchFamily="49" charset="0"/>
+                <a:cs typeface="Courier New" panose="02070309020205020404" pitchFamily="49" charset="0"/>
+              </a:rPr>
+              <a:t>, </a:t>
+            </a:r>
+            <a:r>
+              <a:rPr kumimoji="0" lang="en-US" altLang="en-US" sz="900" b="0" i="0" u="none" strike="noStrike" cap="none" normalizeH="0" baseline="0" dirty="0" smtClean="0">
+                <a:ln>
+                  <a:noFill/>
+                </a:ln>
+                <a:solidFill>
+                  <a:srgbClr val="0000FF"/>
+                </a:solidFill>
+                <a:effectLst/>
+                <a:latin typeface="Courier New" panose="02070309020205020404" pitchFamily="49" charset="0"/>
+                <a:cs typeface="Courier New" panose="02070309020205020404" pitchFamily="49" charset="0"/>
+              </a:rPr>
+              <a:t>12</a:t>
+            </a:r>
+            <a:r>
+              <a:rPr kumimoji="0" lang="en-US" altLang="en-US" sz="900" b="0" i="0" u="none" strike="noStrike" cap="none" normalizeH="0" baseline="0" dirty="0" smtClean="0">
+                <a:ln>
+                  <a:noFill/>
+                </a:ln>
+                <a:solidFill>
+                  <a:srgbClr val="000000"/>
+                </a:solidFill>
+                <a:effectLst/>
+                <a:latin typeface="Courier New" panose="02070309020205020404" pitchFamily="49" charset="0"/>
+                <a:cs typeface="Courier New" panose="02070309020205020404" pitchFamily="49" charset="0"/>
+              </a:rPr>
+              <a:t>, </a:t>
+            </a:r>
+            <a:r>
+              <a:rPr kumimoji="0" lang="en-US" altLang="en-US" sz="900" b="0" i="0" u="none" strike="noStrike" cap="none" normalizeH="0" baseline="0" dirty="0" smtClean="0">
+                <a:ln>
+                  <a:noFill/>
+                </a:ln>
+                <a:solidFill>
+                  <a:srgbClr val="0000FF"/>
+                </a:solidFill>
+                <a:effectLst/>
+                <a:latin typeface="Courier New" panose="02070309020205020404" pitchFamily="49" charset="0"/>
+                <a:cs typeface="Courier New" panose="02070309020205020404" pitchFamily="49" charset="0"/>
+              </a:rPr>
+              <a:t>4</a:t>
+            </a:r>
+            <a:r>
+              <a:rPr kumimoji="0" lang="en-US" altLang="en-US" sz="900" b="0" i="0" u="none" strike="noStrike" cap="none" normalizeH="0" baseline="0" dirty="0" smtClean="0">
+                <a:ln>
+                  <a:noFill/>
+                </a:ln>
+                <a:solidFill>
+                  <a:srgbClr val="000000"/>
+                </a:solidFill>
+                <a:effectLst/>
+                <a:latin typeface="Courier New" panose="02070309020205020404" pitchFamily="49" charset="0"/>
+                <a:cs typeface="Courier New" panose="02070309020205020404" pitchFamily="49" charset="0"/>
+              </a:rPr>
+              <a:t>, </a:t>
+            </a:r>
+            <a:r>
+              <a:rPr kumimoji="0" lang="en-US" altLang="en-US" sz="900" b="0" i="0" u="none" strike="noStrike" cap="none" normalizeH="0" baseline="0" dirty="0" smtClean="0">
+                <a:ln>
+                  <a:noFill/>
+                </a:ln>
+                <a:solidFill>
+                  <a:srgbClr val="0000FF"/>
+                </a:solidFill>
+                <a:effectLst/>
+                <a:latin typeface="Courier New" panose="02070309020205020404" pitchFamily="49" charset="0"/>
+                <a:cs typeface="Courier New" panose="02070309020205020404" pitchFamily="49" charset="0"/>
+              </a:rPr>
+              <a:t>16</a:t>
+            </a:r>
+            <a:r>
+              <a:rPr kumimoji="0" lang="en-US" altLang="en-US" sz="900" b="0" i="0" u="none" strike="noStrike" cap="none" normalizeH="0" baseline="0" dirty="0" smtClean="0">
+                <a:ln>
+                  <a:noFill/>
+                </a:ln>
+                <a:solidFill>
+                  <a:srgbClr val="000000"/>
+                </a:solidFill>
+                <a:effectLst/>
+                <a:latin typeface="Courier New" panose="02070309020205020404" pitchFamily="49" charset="0"/>
+                <a:cs typeface="Courier New" panose="02070309020205020404" pitchFamily="49" charset="0"/>
+              </a:rPr>
+              <a:t>); </a:t>
+            </a:r>
+            <a:r>
+              <a:rPr kumimoji="0" lang="en-US" altLang="en-US" sz="900" b="0" i="1" u="none" strike="noStrike" cap="none" normalizeH="0" baseline="0" dirty="0" smtClean="0">
+                <a:ln>
+                  <a:noFill/>
+                </a:ln>
+                <a:solidFill>
+                  <a:srgbClr val="808080"/>
+                </a:solidFill>
+                <a:effectLst/>
+                <a:latin typeface="Courier New" panose="02070309020205020404" pitchFamily="49" charset="0"/>
+                <a:cs typeface="Courier New" panose="02070309020205020404" pitchFamily="49" charset="0"/>
+              </a:rPr>
+              <a:t/>
+            </a:r>
+            <a:br>
+              <a:rPr kumimoji="0" lang="en-US" altLang="en-US" sz="900" b="0" i="1" u="none" strike="noStrike" cap="none" normalizeH="0" baseline="0" dirty="0" smtClean="0">
+                <a:ln>
+                  <a:noFill/>
+                </a:ln>
+                <a:solidFill>
+                  <a:srgbClr val="808080"/>
+                </a:solidFill>
+                <a:effectLst/>
+                <a:latin typeface="Courier New" panose="02070309020205020404" pitchFamily="49" charset="0"/>
+                <a:cs typeface="Courier New" panose="02070309020205020404" pitchFamily="49" charset="0"/>
+              </a:rPr>
+            </a:br>
+            <a:r>
+              <a:rPr kumimoji="0" lang="en-US" altLang="en-US" sz="900" b="1" i="0" u="none" strike="noStrike" cap="none" normalizeH="0" baseline="0" dirty="0" err="1" smtClean="0">
+                <a:ln>
+                  <a:noFill/>
+                </a:ln>
+                <a:solidFill>
+                  <a:srgbClr val="660E7A"/>
+                </a:solidFill>
+                <a:effectLst/>
+                <a:latin typeface="Courier New" panose="02070309020205020404" pitchFamily="49" charset="0"/>
+                <a:cs typeface="Courier New" panose="02070309020205020404" pitchFamily="49" charset="0"/>
+              </a:rPr>
+              <a:t>jaw</a:t>
+            </a:r>
+            <a:r>
+              <a:rPr kumimoji="0" lang="en-US" altLang="en-US" sz="900" b="0" i="0" u="none" strike="noStrike" cap="none" normalizeH="0" baseline="0" dirty="0" err="1" smtClean="0">
+                <a:ln>
+                  <a:noFill/>
+                </a:ln>
+                <a:solidFill>
+                  <a:srgbClr val="000000"/>
+                </a:solidFill>
+                <a:effectLst/>
+                <a:latin typeface="Courier New" panose="02070309020205020404" pitchFamily="49" charset="0"/>
+                <a:cs typeface="Courier New" panose="02070309020205020404" pitchFamily="49" charset="0"/>
+              </a:rPr>
+              <a:t>.setRotationPoint</a:t>
+            </a:r>
+            <a:r>
+              <a:rPr kumimoji="0" lang="en-US" altLang="en-US" sz="900" b="0" i="0" u="none" strike="noStrike" cap="none" normalizeH="0" baseline="0" dirty="0" smtClean="0">
+                <a:ln>
+                  <a:noFill/>
+                </a:ln>
+                <a:solidFill>
+                  <a:srgbClr val="000000"/>
+                </a:solidFill>
+                <a:effectLst/>
+                <a:latin typeface="Courier New" panose="02070309020205020404" pitchFamily="49" charset="0"/>
+                <a:cs typeface="Courier New" panose="02070309020205020404" pitchFamily="49" charset="0"/>
+              </a:rPr>
+              <a:t>(</a:t>
+            </a:r>
+            <a:r>
+              <a:rPr kumimoji="0" lang="en-US" altLang="en-US" sz="900" b="0" i="0" u="none" strike="noStrike" cap="none" normalizeH="0" baseline="0" dirty="0" smtClean="0">
+                <a:ln>
+                  <a:noFill/>
+                </a:ln>
+                <a:solidFill>
+                  <a:srgbClr val="0000FF"/>
+                </a:solidFill>
+                <a:effectLst/>
+                <a:latin typeface="Courier New" panose="02070309020205020404" pitchFamily="49" charset="0"/>
+                <a:cs typeface="Courier New" panose="02070309020205020404" pitchFamily="49" charset="0"/>
+              </a:rPr>
+              <a:t>0</a:t>
+            </a:r>
+            <a:r>
+              <a:rPr kumimoji="0" lang="en-US" altLang="en-US" sz="900" b="0" i="0" u="none" strike="noStrike" cap="none" normalizeH="0" baseline="0" dirty="0" smtClean="0">
+                <a:ln>
+                  <a:noFill/>
+                </a:ln>
+                <a:solidFill>
+                  <a:srgbClr val="000000"/>
+                </a:solidFill>
+                <a:effectLst/>
+                <a:latin typeface="Courier New" panose="02070309020205020404" pitchFamily="49" charset="0"/>
+                <a:cs typeface="Courier New" panose="02070309020205020404" pitchFamily="49" charset="0"/>
+              </a:rPr>
+              <a:t>, </a:t>
+            </a:r>
+            <a:r>
+              <a:rPr kumimoji="0" lang="en-US" altLang="en-US" sz="900" b="0" i="0" u="none" strike="noStrike" cap="none" normalizeH="0" baseline="0" dirty="0" smtClean="0">
+                <a:ln>
+                  <a:noFill/>
+                </a:ln>
+                <a:solidFill>
+                  <a:srgbClr val="0000FF"/>
+                </a:solidFill>
+                <a:effectLst/>
+                <a:latin typeface="Courier New" panose="02070309020205020404" pitchFamily="49" charset="0"/>
+                <a:cs typeface="Courier New" panose="02070309020205020404" pitchFamily="49" charset="0"/>
+              </a:rPr>
+              <a:t>4</a:t>
+            </a:r>
+            <a:r>
+              <a:rPr kumimoji="0" lang="en-US" altLang="en-US" sz="900" b="0" i="0" u="none" strike="noStrike" cap="none" normalizeH="0" baseline="0" dirty="0" smtClean="0">
+                <a:ln>
+                  <a:noFill/>
+                </a:ln>
+                <a:solidFill>
+                  <a:srgbClr val="000000"/>
+                </a:solidFill>
+                <a:effectLst/>
+                <a:latin typeface="Courier New" panose="02070309020205020404" pitchFamily="49" charset="0"/>
+                <a:cs typeface="Courier New" panose="02070309020205020404" pitchFamily="49" charset="0"/>
+              </a:rPr>
+              <a:t>, </a:t>
+            </a:r>
+            <a:r>
+              <a:rPr kumimoji="0" lang="en-US" altLang="en-US" sz="900" b="0" i="0" u="none" strike="noStrike" cap="none" normalizeH="0" baseline="0" dirty="0" smtClean="0">
+                <a:ln>
+                  <a:noFill/>
+                </a:ln>
+                <a:solidFill>
+                  <a:srgbClr val="0000FF"/>
+                </a:solidFill>
+                <a:effectLst/>
+                <a:latin typeface="Courier New" panose="02070309020205020404" pitchFamily="49" charset="0"/>
+                <a:cs typeface="Courier New" panose="02070309020205020404" pitchFamily="49" charset="0"/>
+              </a:rPr>
+              <a:t>-8</a:t>
+            </a:r>
+            <a:r>
+              <a:rPr kumimoji="0" lang="en-US" altLang="en-US" sz="900" b="0" i="0" u="none" strike="noStrike" cap="none" normalizeH="0" baseline="0" dirty="0" smtClean="0">
+                <a:ln>
+                  <a:noFill/>
+                </a:ln>
+                <a:solidFill>
+                  <a:srgbClr val="000000"/>
+                </a:solidFill>
+                <a:effectLst/>
+                <a:latin typeface="Courier New" panose="02070309020205020404" pitchFamily="49" charset="0"/>
+                <a:cs typeface="Courier New" panose="02070309020205020404" pitchFamily="49" charset="0"/>
+              </a:rPr>
+              <a:t>);</a:t>
+            </a:r>
+            <a:r>
+              <a:rPr kumimoji="0" lang="en-US" altLang="en-US" sz="900" b="0" i="0" u="none" strike="noStrike" cap="none" normalizeH="0" baseline="0" dirty="0" smtClean="0">
+                <a:ln>
+                  <a:noFill/>
+                </a:ln>
+                <a:solidFill>
+                  <a:srgbClr val="000000"/>
+                </a:solidFill>
+                <a:effectLst/>
+                <a:latin typeface="Courier New" panose="02070309020205020404" pitchFamily="49" charset="0"/>
+                <a:cs typeface="Courier New" panose="02070309020205020404" pitchFamily="49" charset="0"/>
+              </a:rPr>
+              <a:t/>
+            </a:r>
+            <a:br>
+              <a:rPr kumimoji="0" lang="en-US" altLang="en-US" sz="900" b="0" i="0" u="none" strike="noStrike" cap="none" normalizeH="0" baseline="0" dirty="0" smtClean="0">
+                <a:ln>
+                  <a:noFill/>
+                </a:ln>
+                <a:solidFill>
+                  <a:srgbClr val="000000"/>
+                </a:solidFill>
+                <a:effectLst/>
+                <a:latin typeface="Courier New" panose="02070309020205020404" pitchFamily="49" charset="0"/>
+                <a:cs typeface="Courier New" panose="02070309020205020404" pitchFamily="49" charset="0"/>
+              </a:rPr>
+            </a:br>
+            <a:endParaRPr kumimoji="0" lang="en-US" altLang="en-US" sz="1800" b="0" i="0" u="none" strike="noStrike" cap="none" normalizeH="0" baseline="0" dirty="0" smtClean="0">
+              <a:ln>
+                <a:noFill/>
+              </a:ln>
+              <a:solidFill>
+                <a:schemeClr val="tx1"/>
+              </a:solidFill>
+              <a:effectLst/>
+              <a:latin typeface="Arial" panose="020B0604020202020204" pitchFamily="34" charset="0"/>
+            </a:endParaRPr>
+          </a:p>
+        </p:txBody>
+      </p:sp>
       <p:sp>
         <p:nvSpPr>
           <p:cNvPr id="11" name="TextBox 10"/>
@@ -14276,46 +16168,6 @@
             <a:r>
               <a:rPr lang="en-AU" dirty="0" smtClean="0"/>
               <a:t>Jaw rotates about its origin</a:t>
-            </a:r>
-            <a:endParaRPr lang="en-AU" dirty="0"/>
-          </a:p>
-        </p:txBody>
-      </p:sp>
-      <p:sp>
-        <p:nvSpPr>
-          <p:cNvPr id="33" name="TextBox 32"/>
-          <p:cNvSpPr txBox="1"/>
-          <p:nvPr/>
-        </p:nvSpPr>
-        <p:spPr>
-          <a:xfrm>
-            <a:off x="876300" y="6371003"/>
-            <a:ext cx="2916183" cy="369332"/>
-          </a:xfrm>
-          <a:prstGeom prst="rect">
-            <a:avLst/>
-          </a:prstGeom>
-          <a:noFill/>
-        </p:spPr>
-        <p:txBody>
-          <a:bodyPr wrap="none" rtlCol="0">
-            <a:spAutoFit/>
-          </a:bodyPr>
-          <a:lstStyle/>
-          <a:p>
-            <a:r>
-              <a:rPr lang="en-US" altLang="en-US" b="1" i="1" dirty="0">
-                <a:solidFill>
-                  <a:srgbClr val="660E7A"/>
-                </a:solidFill>
-                <a:latin typeface="Courier New" panose="02070309020205020404" pitchFamily="49" charset="0"/>
-                <a:cs typeface="Courier New" panose="02070309020205020404" pitchFamily="49" charset="0"/>
-              </a:rPr>
-              <a:t>HEAD_OFFSET_Z_MC</a:t>
-            </a:r>
-            <a:r>
-              <a:rPr lang="en-AU" dirty="0" smtClean="0"/>
-              <a:t> = -16</a:t>
             </a:r>
             <a:endParaRPr lang="en-AU" dirty="0"/>
           </a:p>
@@ -14749,6 +16601,154 @@
           </a:p>
         </p:txBody>
       </p:sp>
+      <p:grpSp>
+        <p:nvGrpSpPr>
+          <p:cNvPr id="36" name="Group 35"/>
+          <p:cNvGrpSpPr/>
+          <p:nvPr/>
+        </p:nvGrpSpPr>
+        <p:grpSpPr>
+          <a:xfrm>
+            <a:off x="7341870" y="2360093"/>
+            <a:ext cx="260350" cy="296646"/>
+            <a:chOff x="3873500" y="1778000"/>
+            <a:chExt cx="260350" cy="296646"/>
+          </a:xfrm>
+        </p:grpSpPr>
+        <p:cxnSp>
+          <p:nvCxnSpPr>
+            <p:cNvPr id="40" name="Straight Connector 39"/>
+            <p:cNvCxnSpPr/>
+            <p:nvPr/>
+          </p:nvCxnSpPr>
+          <p:spPr>
+            <a:xfrm>
+              <a:off x="4000500" y="1778000"/>
+              <a:ext cx="0" cy="296646"/>
+            </a:xfrm>
+            <a:prstGeom prst="line">
+              <a:avLst/>
+            </a:prstGeom>
+          </p:spPr>
+          <p:style>
+            <a:lnRef idx="1">
+              <a:schemeClr val="accent1"/>
+            </a:lnRef>
+            <a:fillRef idx="0">
+              <a:schemeClr val="accent1"/>
+            </a:fillRef>
+            <a:effectRef idx="0">
+              <a:schemeClr val="accent1"/>
+            </a:effectRef>
+            <a:fontRef idx="minor">
+              <a:schemeClr val="tx1"/>
+            </a:fontRef>
+          </p:style>
+        </p:cxnSp>
+        <p:cxnSp>
+          <p:nvCxnSpPr>
+            <p:cNvPr id="42" name="Straight Connector 41"/>
+            <p:cNvCxnSpPr/>
+            <p:nvPr/>
+          </p:nvCxnSpPr>
+          <p:spPr>
+            <a:xfrm flipH="1">
+              <a:off x="3873500" y="1924050"/>
+              <a:ext cx="260350" cy="0"/>
+            </a:xfrm>
+            <a:prstGeom prst="line">
+              <a:avLst/>
+            </a:prstGeom>
+          </p:spPr>
+          <p:style>
+            <a:lnRef idx="1">
+              <a:schemeClr val="accent1"/>
+            </a:lnRef>
+            <a:fillRef idx="0">
+              <a:schemeClr val="accent1"/>
+            </a:fillRef>
+            <a:effectRef idx="0">
+              <a:schemeClr val="accent1"/>
+            </a:effectRef>
+            <a:fontRef idx="minor">
+              <a:schemeClr val="tx1"/>
+            </a:fontRef>
+          </p:style>
+        </p:cxnSp>
+      </p:grpSp>
+      <p:cxnSp>
+        <p:nvCxnSpPr>
+          <p:cNvPr id="3" name="Straight Arrow Connector 2"/>
+          <p:cNvCxnSpPr/>
+          <p:nvPr/>
+        </p:nvCxnSpPr>
+        <p:spPr>
+          <a:xfrm flipH="1" flipV="1">
+            <a:off x="7468870" y="2554355"/>
+            <a:ext cx="1084408" cy="710179"/>
+          </a:xfrm>
+          <a:prstGeom prst="straightConnector1">
+            <a:avLst/>
+          </a:prstGeom>
+          <a:ln>
+            <a:tailEnd type="triangle"/>
+          </a:ln>
+        </p:spPr>
+        <p:style>
+          <a:lnRef idx="1">
+            <a:schemeClr val="accent1"/>
+          </a:lnRef>
+          <a:fillRef idx="0">
+            <a:schemeClr val="accent1"/>
+          </a:fillRef>
+          <a:effectRef idx="0">
+            <a:schemeClr val="accent1"/>
+          </a:effectRef>
+          <a:fontRef idx="minor">
+            <a:schemeClr val="tx1"/>
+          </a:fontRef>
+        </p:style>
+      </p:cxnSp>
+      <p:sp>
+        <p:nvSpPr>
+          <p:cNvPr id="45" name="TextBox 44"/>
+          <p:cNvSpPr txBox="1"/>
+          <p:nvPr/>
+        </p:nvSpPr>
+        <p:spPr>
+          <a:xfrm>
+            <a:off x="8648836" y="3183994"/>
+            <a:ext cx="2971326" cy="646331"/>
+          </a:xfrm>
+          <a:prstGeom prst="rect">
+            <a:avLst/>
+          </a:prstGeom>
+          <a:noFill/>
+        </p:spPr>
+        <p:txBody>
+          <a:bodyPr wrap="none" rtlCol="0">
+            <a:spAutoFit/>
+          </a:bodyPr>
+          <a:lstStyle/>
+          <a:p>
+            <a:r>
+              <a:rPr lang="en-AU" dirty="0" smtClean="0"/>
+              <a:t>Throat position [y=6, z=-12]</a:t>
+            </a:r>
+          </a:p>
+          <a:p>
+            <a:r>
+              <a:rPr lang="en-AU" dirty="0"/>
+              <a:t> </a:t>
+            </a:r>
+            <a:r>
+              <a:rPr lang="en-AU" dirty="0" smtClean="0"/>
+              <a:t> to be just beyond main head</a:t>
+            </a:r>
+            <a:endParaRPr lang="en-AU" dirty="0"/>
+          </a:p>
+        </p:txBody>
+      </p:sp>
     </p:spTree>
     <p:extLst>
       <p:ext uri="{BB962C8B-B14F-4D97-AF65-F5344CB8AC3E}">
@@ -14762,7 +16762,7 @@
 </p:sld>
 </file>
 
-<file path=ppt/slides/slide6.xml><?xml version="1.0" encoding="utf-8"?>
+<file path=ppt/slides/slide7.xml><?xml version="1.0" encoding="utf-8"?>
 <p:sld xmlns:a="http://schemas.openxmlformats.org/drawingml/2006/main" xmlns:r="http://schemas.openxmlformats.org/officeDocument/2006/relationships" xmlns:p="http://schemas.openxmlformats.org/presentationml/2006/main">
   <p:cSld>
     <p:spTree>

--- a/src/main/java/com/TheRPGAdventurer/ROTD/client/model/dragon/190706-DragonMountsDragonModel.pptx
+++ b/src/main/java/com/TheRPGAdventurer/ROTD/client/model/dragon/190706-DragonMountsDragonModel.pptx
@@ -12,6 +12,7 @@
     <p:sldId id="263" r:id="rId6"/>
     <p:sldId id="261" r:id="rId7"/>
     <p:sldId id="256" r:id="rId8"/>
+    <p:sldId id="264" r:id="rId9"/>
   </p:sldIdLst>
   <p:sldSz cx="12192000" cy="6858000"/>
   <p:notesSz cx="6858000" cy="9144000"/>
@@ -249,7 +250,7 @@
           <a:p>
             <a:fld id="{D519AFB3-3823-486A-94FF-77052D16F40D}" type="datetimeFigureOut">
               <a:rPr lang="en-AU" smtClean="0"/>
-              <a:t>11/07/2019</a:t>
+              <a:t>13/07/2019</a:t>
             </a:fld>
             <a:endParaRPr lang="en-AU"/>
           </a:p>
@@ -419,7 +420,7 @@
           <a:p>
             <a:fld id="{D519AFB3-3823-486A-94FF-77052D16F40D}" type="datetimeFigureOut">
               <a:rPr lang="en-AU" smtClean="0"/>
-              <a:t>11/07/2019</a:t>
+              <a:t>13/07/2019</a:t>
             </a:fld>
             <a:endParaRPr lang="en-AU"/>
           </a:p>
@@ -599,7 +600,7 @@
           <a:p>
             <a:fld id="{D519AFB3-3823-486A-94FF-77052D16F40D}" type="datetimeFigureOut">
               <a:rPr lang="en-AU" smtClean="0"/>
-              <a:t>11/07/2019</a:t>
+              <a:t>13/07/2019</a:t>
             </a:fld>
             <a:endParaRPr lang="en-AU"/>
           </a:p>
@@ -769,7 +770,7 @@
           <a:p>
             <a:fld id="{D519AFB3-3823-486A-94FF-77052D16F40D}" type="datetimeFigureOut">
               <a:rPr lang="en-AU" smtClean="0"/>
-              <a:t>11/07/2019</a:t>
+              <a:t>13/07/2019</a:t>
             </a:fld>
             <a:endParaRPr lang="en-AU"/>
           </a:p>
@@ -1015,7 +1016,7 @@
           <a:p>
             <a:fld id="{D519AFB3-3823-486A-94FF-77052D16F40D}" type="datetimeFigureOut">
               <a:rPr lang="en-AU" smtClean="0"/>
-              <a:t>11/07/2019</a:t>
+              <a:t>13/07/2019</a:t>
             </a:fld>
             <a:endParaRPr lang="en-AU"/>
           </a:p>
@@ -1247,7 +1248,7 @@
           <a:p>
             <a:fld id="{D519AFB3-3823-486A-94FF-77052D16F40D}" type="datetimeFigureOut">
               <a:rPr lang="en-AU" smtClean="0"/>
-              <a:t>11/07/2019</a:t>
+              <a:t>13/07/2019</a:t>
             </a:fld>
             <a:endParaRPr lang="en-AU"/>
           </a:p>
@@ -1614,7 +1615,7 @@
           <a:p>
             <a:fld id="{D519AFB3-3823-486A-94FF-77052D16F40D}" type="datetimeFigureOut">
               <a:rPr lang="en-AU" smtClean="0"/>
-              <a:t>11/07/2019</a:t>
+              <a:t>13/07/2019</a:t>
             </a:fld>
             <a:endParaRPr lang="en-AU"/>
           </a:p>
@@ -1732,7 +1733,7 @@
           <a:p>
             <a:fld id="{D519AFB3-3823-486A-94FF-77052D16F40D}" type="datetimeFigureOut">
               <a:rPr lang="en-AU" smtClean="0"/>
-              <a:t>11/07/2019</a:t>
+              <a:t>13/07/2019</a:t>
             </a:fld>
             <a:endParaRPr lang="en-AU"/>
           </a:p>
@@ -1827,7 +1828,7 @@
           <a:p>
             <a:fld id="{D519AFB3-3823-486A-94FF-77052D16F40D}" type="datetimeFigureOut">
               <a:rPr lang="en-AU" smtClean="0"/>
-              <a:t>11/07/2019</a:t>
+              <a:t>13/07/2019</a:t>
             </a:fld>
             <a:endParaRPr lang="en-AU"/>
           </a:p>
@@ -2104,7 +2105,7 @@
           <a:p>
             <a:fld id="{D519AFB3-3823-486A-94FF-77052D16F40D}" type="datetimeFigureOut">
               <a:rPr lang="en-AU" smtClean="0"/>
-              <a:t>11/07/2019</a:t>
+              <a:t>13/07/2019</a:t>
             </a:fld>
             <a:endParaRPr lang="en-AU"/>
           </a:p>
@@ -2357,7 +2358,7 @@
           <a:p>
             <a:fld id="{D519AFB3-3823-486A-94FF-77052D16F40D}" type="datetimeFigureOut">
               <a:rPr lang="en-AU" smtClean="0"/>
-              <a:t>11/07/2019</a:t>
+              <a:t>13/07/2019</a:t>
             </a:fld>
             <a:endParaRPr lang="en-AU"/>
           </a:p>
@@ -2570,7 +2571,7 @@
           <a:p>
             <a:fld id="{D519AFB3-3823-486A-94FF-77052D16F40D}" type="datetimeFigureOut">
               <a:rPr lang="en-AU" smtClean="0"/>
-              <a:t>11/07/2019</a:t>
+              <a:t>13/07/2019</a:t>
             </a:fld>
             <a:endParaRPr lang="en-AU"/>
           </a:p>
@@ -3490,15 +3491,7 @@
           <a:p>
             <a:r>
               <a:rPr lang="en-AU" dirty="0" smtClean="0"/>
-              <a:t>[-8,0</a:t>
-            </a:r>
-            <a:r>
-              <a:rPr lang="en-AU" dirty="0" smtClean="0"/>
-              <a:t>,+8</a:t>
-            </a:r>
-            <a:r>
-              <a:rPr lang="en-AU" dirty="0" smtClean="0"/>
-              <a:t>]</a:t>
+              <a:t>[-8,0,+8]</a:t>
             </a:r>
             <a:endParaRPr lang="en-AU" dirty="0"/>
           </a:p>
@@ -3665,15 +3658,7 @@
           <a:p>
             <a:r>
               <a:rPr lang="en-AU" dirty="0" smtClean="0"/>
-              <a:t>[8,16</a:t>
-            </a:r>
-            <a:r>
-              <a:rPr lang="en-AU" dirty="0" smtClean="0"/>
-              <a:t>,-8</a:t>
-            </a:r>
-            <a:r>
-              <a:rPr lang="en-AU" dirty="0" smtClean="0"/>
-              <a:t>]</a:t>
+              <a:t>[8,16,-8]</a:t>
             </a:r>
             <a:endParaRPr lang="en-AU" dirty="0"/>
           </a:p>
@@ -4262,11 +4247,7 @@
           <a:p>
             <a:r>
               <a:rPr lang="en-AU" dirty="0" smtClean="0"/>
-              <a:t>[-1, 3, </a:t>
-            </a:r>
-            <a:r>
-              <a:rPr lang="en-AU" dirty="0" smtClean="0"/>
-              <a:t>-1]</a:t>
+              <a:t>[-1, 3, -1]</a:t>
             </a:r>
             <a:endParaRPr lang="en-AU" dirty="0"/>
           </a:p>
@@ -4397,15 +4378,7 @@
           <a:p>
             <a:r>
               <a:rPr lang="en-AU" dirty="0" smtClean="0"/>
-              <a:t>[1,1, </a:t>
-            </a:r>
-            <a:r>
-              <a:rPr lang="en-AU" dirty="0" smtClean="0"/>
-              <a:t>1</a:t>
-            </a:r>
-            <a:r>
-              <a:rPr lang="en-AU" dirty="0" smtClean="0"/>
-              <a:t>]</a:t>
+              <a:t>[1,1, 1]</a:t>
             </a:r>
             <a:endParaRPr lang="en-AU" dirty="0"/>
           </a:p>
@@ -11003,11 +10976,7 @@
           <a:p>
             <a:r>
               <a:rPr lang="en-AU" dirty="0" smtClean="0"/>
-              <a:t>Body </a:t>
-            </a:r>
-            <a:r>
-              <a:rPr lang="en-AU" dirty="0" smtClean="0"/>
-              <a:t>origin (BC)</a:t>
+              <a:t>Body origin (BC)</a:t>
             </a:r>
             <a:endParaRPr lang="en-AU" dirty="0"/>
           </a:p>
@@ -11418,11 +11387,7 @@
           <a:p>
             <a:r>
               <a:rPr lang="en-AU" dirty="0" smtClean="0"/>
-              <a:t>Body </a:t>
-            </a:r>
-            <a:r>
-              <a:rPr lang="en-AU" dirty="0" smtClean="0"/>
-              <a:t>model origin[0,0,0]</a:t>
+              <a:t>Body model origin[0,0,0]</a:t>
             </a:r>
             <a:endParaRPr lang="en-AU" dirty="0"/>
           </a:p>
@@ -12427,11 +12392,7 @@
           <a:p>
             <a:r>
               <a:rPr lang="en-AU" dirty="0" smtClean="0"/>
-              <a:t>Z </a:t>
-            </a:r>
-            <a:r>
-              <a:rPr lang="en-AU" dirty="0" smtClean="0"/>
-              <a:t>=48</a:t>
+              <a:t>Z =48</a:t>
             </a:r>
             <a:endParaRPr lang="en-AU" dirty="0"/>
           </a:p>
@@ -12563,11 +12524,7 @@
           <a:p>
             <a:r>
               <a:rPr lang="en-AU" dirty="0" smtClean="0"/>
-              <a:t>Z </a:t>
-            </a:r>
-            <a:r>
-              <a:rPr lang="en-AU" dirty="0" smtClean="0"/>
-              <a:t>=-16</a:t>
+              <a:t>Z =-16</a:t>
             </a:r>
             <a:endParaRPr lang="en-AU" dirty="0"/>
           </a:p>
@@ -12699,11 +12656,7 @@
           <a:p>
             <a:r>
               <a:rPr lang="en-AU" dirty="0" smtClean="0"/>
-              <a:t>Z </a:t>
-            </a:r>
-            <a:r>
-              <a:rPr lang="en-AU" dirty="0" smtClean="0"/>
-              <a:t>=16</a:t>
+              <a:t>Z =16</a:t>
             </a:r>
             <a:endParaRPr lang="en-AU" dirty="0"/>
           </a:p>
@@ -13898,21 +13851,7 @@
                 <a:latin typeface="Courier New" panose="02070309020205020404" pitchFamily="49" charset="0"/>
                 <a:cs typeface="Courier New" panose="02070309020205020404" pitchFamily="49" charset="0"/>
               </a:rPr>
-              <a:t>, </a:t>
-            </a:r>
-            <a:r>
-              <a:rPr kumimoji="0" lang="en-US" altLang="en-US" sz="900" b="0" i="0" u="none" strike="noStrike" cap="none" normalizeH="0" baseline="0" dirty="0" smtClean="0">
-                <a:ln>
-                  <a:noFill/>
-                </a:ln>
-                <a:solidFill>
-                  <a:srgbClr val="000000"/>
-                </a:solidFill>
-                <a:effectLst/>
-                <a:latin typeface="Courier New" panose="02070309020205020404" pitchFamily="49" charset="0"/>
-                <a:cs typeface="Courier New" panose="02070309020205020404" pitchFamily="49" charset="0"/>
-              </a:rPr>
-              <a:t>-</a:t>
+              <a:t>, -</a:t>
             </a:r>
             <a:r>
               <a:rPr kumimoji="0" lang="en-US" altLang="en-US" sz="900" b="0" i="0" u="none" strike="noStrike" cap="none" normalizeH="0" baseline="0" dirty="0" smtClean="0">
@@ -14470,21 +14409,7 @@
                 <a:latin typeface="Courier New" panose="02070309020205020404" pitchFamily="49" charset="0"/>
                 <a:cs typeface="Courier New" panose="02070309020205020404" pitchFamily="49" charset="0"/>
               </a:rPr>
-              <a:t>, </a:t>
-            </a:r>
-            <a:r>
-              <a:rPr kumimoji="0" lang="en-US" altLang="en-US" sz="900" b="0" i="0" u="none" strike="noStrike" cap="none" normalizeH="0" baseline="0" dirty="0" smtClean="0">
-                <a:ln>
-                  <a:noFill/>
-                </a:ln>
-                <a:solidFill>
-                  <a:srgbClr val="000000"/>
-                </a:solidFill>
-                <a:effectLst/>
-                <a:latin typeface="Courier New" panose="02070309020205020404" pitchFamily="49" charset="0"/>
-                <a:cs typeface="Courier New" panose="02070309020205020404" pitchFamily="49" charset="0"/>
-              </a:rPr>
-              <a:t>-</a:t>
+              <a:t>, -</a:t>
             </a:r>
             <a:r>
               <a:rPr kumimoji="0" lang="en-US" altLang="en-US" sz="900" b="0" i="0" u="none" strike="noStrike" cap="none" normalizeH="0" baseline="0" dirty="0" smtClean="0">
@@ -14846,21 +14771,7 @@
                 <a:latin typeface="Courier New" panose="02070309020205020404" pitchFamily="49" charset="0"/>
                 <a:cs typeface="Courier New" panose="02070309020205020404" pitchFamily="49" charset="0"/>
               </a:rPr>
-              <a:t>, </a:t>
-            </a:r>
-            <a:r>
-              <a:rPr kumimoji="0" lang="en-US" altLang="en-US" sz="900" b="0" i="0" u="none" strike="noStrike" cap="none" normalizeH="0" baseline="0" dirty="0" smtClean="0">
-                <a:ln>
-                  <a:noFill/>
-                </a:ln>
-                <a:solidFill>
-                  <a:srgbClr val="000000"/>
-                </a:solidFill>
-                <a:effectLst/>
-                <a:latin typeface="Courier New" panose="02070309020205020404" pitchFamily="49" charset="0"/>
-                <a:cs typeface="Courier New" panose="02070309020205020404" pitchFamily="49" charset="0"/>
-              </a:rPr>
-              <a:t>-</a:t>
+              <a:t>, -</a:t>
             </a:r>
             <a:r>
               <a:rPr kumimoji="0" lang="en-US" altLang="en-US" sz="900" b="0" i="0" u="none" strike="noStrike" cap="none" normalizeH="0" baseline="0" dirty="0" smtClean="0">
@@ -15625,20 +15536,6 @@
                 <a:cs typeface="Courier New" panose="02070309020205020404" pitchFamily="49" charset="0"/>
               </a:rPr>
               <a:t>);</a:t>
-            </a:r>
-            <a:r>
-              <a:rPr kumimoji="0" lang="en-US" altLang="en-US" sz="900" b="0" i="0" u="none" strike="noStrike" cap="none" normalizeH="0" baseline="0" dirty="0" smtClean="0">
-                <a:ln>
-                  <a:noFill/>
-                </a:ln>
-                <a:solidFill>
-                  <a:srgbClr val="000000"/>
-                </a:solidFill>
-                <a:effectLst/>
-                <a:latin typeface="Courier New" panose="02070309020205020404" pitchFamily="49" charset="0"/>
-                <a:cs typeface="Courier New" panose="02070309020205020404" pitchFamily="49" charset="0"/>
-              </a:rPr>
-              <a:t/>
             </a:r>
             <a:br>
               <a:rPr kumimoji="0" lang="en-US" altLang="en-US" sz="900" b="0" i="0" u="none" strike="noStrike" cap="none" normalizeH="0" baseline="0" dirty="0" smtClean="0">
@@ -17143,6 +17040,744 @@
     <p:extLst>
       <p:ext uri="{BB962C8B-B14F-4D97-AF65-F5344CB8AC3E}">
         <p14:creationId xmlns:p14="http://schemas.microsoft.com/office/powerpoint/2010/main" val="1956292322"/>
+      </p:ext>
+    </p:extLst>
+  </p:cSld>
+  <p:clrMapOvr>
+    <a:masterClrMapping/>
+  </p:clrMapOvr>
+</p:sld>
+</file>
+
+<file path=ppt/slides/slide8.xml><?xml version="1.0" encoding="utf-8"?>
+<p:sld xmlns:a="http://schemas.openxmlformats.org/drawingml/2006/main" xmlns:r="http://schemas.openxmlformats.org/officeDocument/2006/relationships" xmlns:p="http://schemas.openxmlformats.org/presentationml/2006/main">
+  <p:cSld>
+    <p:spTree>
+      <p:nvGrpSpPr>
+        <p:cNvPr id="1" name=""/>
+        <p:cNvGrpSpPr/>
+        <p:nvPr/>
+      </p:nvGrpSpPr>
+      <p:grpSpPr>
+        <a:xfrm>
+          <a:off x="0" y="0"/>
+          <a:ext cx="0" cy="0"/>
+          <a:chOff x="0" y="0"/>
+          <a:chExt cx="0" cy="0"/>
+        </a:xfrm>
+      </p:grpSpPr>
+      <p:pic>
+        <p:nvPicPr>
+          <p:cNvPr id="4" name="Picture 3"/>
+          <p:cNvPicPr>
+            <a:picLocks noChangeAspect="1"/>
+          </p:cNvPicPr>
+          <p:nvPr/>
+        </p:nvPicPr>
+        <p:blipFill rotWithShape="1">
+          <a:blip r:embed="rId2" cstate="print">
+            <a:extLst>
+              <a:ext uri="{28A0092B-C50C-407E-A947-70E740481C1C}">
+                <a14:useLocalDpi xmlns:a14="http://schemas.microsoft.com/office/drawing/2010/main" val="0"/>
+              </a:ext>
+            </a:extLst>
+          </a:blip>
+          <a:srcRect l="15996" t="1500" r="19836" b="42000"/>
+          <a:stretch/>
+        </p:blipFill>
+        <p:spPr>
+          <a:xfrm>
+            <a:off x="727589" y="851719"/>
+            <a:ext cx="2020529" cy="999941"/>
+          </a:xfrm>
+          <a:prstGeom prst="rect">
+            <a:avLst/>
+          </a:prstGeom>
+        </p:spPr>
+      </p:pic>
+      <p:pic>
+        <p:nvPicPr>
+          <p:cNvPr id="5" name="Picture 4"/>
+          <p:cNvPicPr>
+            <a:picLocks noChangeAspect="1"/>
+          </p:cNvPicPr>
+          <p:nvPr/>
+        </p:nvPicPr>
+        <p:blipFill rotWithShape="1">
+          <a:blip r:embed="rId3" cstate="print">
+            <a:extLst>
+              <a:ext uri="{28A0092B-C50C-407E-A947-70E740481C1C}">
+                <a14:useLocalDpi xmlns:a14="http://schemas.microsoft.com/office/drawing/2010/main" val="0"/>
+              </a:ext>
+            </a:extLst>
+          </a:blip>
+          <a:srcRect l="16089" t="1834" r="19836" b="42667"/>
+          <a:stretch/>
+        </p:blipFill>
+        <p:spPr>
+          <a:xfrm>
+            <a:off x="2751559" y="857619"/>
+            <a:ext cx="2017579" cy="982243"/>
+          </a:xfrm>
+          <a:prstGeom prst="rect">
+            <a:avLst/>
+          </a:prstGeom>
+        </p:spPr>
+      </p:pic>
+      <p:pic>
+        <p:nvPicPr>
+          <p:cNvPr id="6" name="Picture 5"/>
+          <p:cNvPicPr>
+            <a:picLocks noChangeAspect="1"/>
+          </p:cNvPicPr>
+          <p:nvPr/>
+        </p:nvPicPr>
+        <p:blipFill rotWithShape="1">
+          <a:blip r:embed="rId4" cstate="print">
+            <a:extLst>
+              <a:ext uri="{28A0092B-C50C-407E-A947-70E740481C1C}">
+                <a14:useLocalDpi xmlns:a14="http://schemas.microsoft.com/office/drawing/2010/main" val="0"/>
+              </a:ext>
+            </a:extLst>
+          </a:blip>
+          <a:srcRect l="16089" t="1334" r="19836" b="42667"/>
+          <a:stretch/>
+        </p:blipFill>
+        <p:spPr>
+          <a:xfrm>
+            <a:off x="4772579" y="848770"/>
+            <a:ext cx="2017579" cy="991092"/>
+          </a:xfrm>
+          <a:prstGeom prst="rect">
+            <a:avLst/>
+          </a:prstGeom>
+        </p:spPr>
+      </p:pic>
+      <p:pic>
+        <p:nvPicPr>
+          <p:cNvPr id="7" name="Picture 6"/>
+          <p:cNvPicPr>
+            <a:picLocks noChangeAspect="1"/>
+          </p:cNvPicPr>
+          <p:nvPr/>
+        </p:nvPicPr>
+        <p:blipFill rotWithShape="1">
+          <a:blip r:embed="rId5" cstate="print">
+            <a:extLst>
+              <a:ext uri="{28A0092B-C50C-407E-A947-70E740481C1C}">
+                <a14:useLocalDpi xmlns:a14="http://schemas.microsoft.com/office/drawing/2010/main" val="0"/>
+              </a:ext>
+            </a:extLst>
+          </a:blip>
+          <a:srcRect l="16183" t="1833" r="19836" b="42834"/>
+          <a:stretch/>
+        </p:blipFill>
+        <p:spPr>
+          <a:xfrm>
+            <a:off x="6790158" y="847296"/>
+            <a:ext cx="2014630" cy="979293"/>
+          </a:xfrm>
+          <a:prstGeom prst="rect">
+            <a:avLst/>
+          </a:prstGeom>
+        </p:spPr>
+      </p:pic>
+      <p:pic>
+        <p:nvPicPr>
+          <p:cNvPr id="8" name="Picture 7"/>
+          <p:cNvPicPr>
+            <a:picLocks noChangeAspect="1"/>
+          </p:cNvPicPr>
+          <p:nvPr/>
+        </p:nvPicPr>
+        <p:blipFill rotWithShape="1">
+          <a:blip r:embed="rId6" cstate="print">
+            <a:extLst>
+              <a:ext uri="{28A0092B-C50C-407E-A947-70E740481C1C}">
+                <a14:useLocalDpi xmlns:a14="http://schemas.microsoft.com/office/drawing/2010/main" val="0"/>
+              </a:ext>
+            </a:extLst>
+          </a:blip>
+          <a:srcRect l="15902" t="1500" r="19929" b="42834"/>
+          <a:stretch/>
+        </p:blipFill>
+        <p:spPr>
+          <a:xfrm>
+            <a:off x="8809458" y="850246"/>
+            <a:ext cx="2020529" cy="985192"/>
+          </a:xfrm>
+          <a:prstGeom prst="rect">
+            <a:avLst/>
+          </a:prstGeom>
+        </p:spPr>
+      </p:pic>
+      <p:pic>
+        <p:nvPicPr>
+          <p:cNvPr id="9" name="Picture 8"/>
+          <p:cNvPicPr>
+            <a:picLocks noChangeAspect="1"/>
+          </p:cNvPicPr>
+          <p:nvPr/>
+        </p:nvPicPr>
+        <p:blipFill rotWithShape="1">
+          <a:blip r:embed="rId7" cstate="print">
+            <a:extLst>
+              <a:ext uri="{28A0092B-C50C-407E-A947-70E740481C1C}">
+                <a14:useLocalDpi xmlns:a14="http://schemas.microsoft.com/office/drawing/2010/main" val="0"/>
+              </a:ext>
+            </a:extLst>
+          </a:blip>
+          <a:srcRect l="16088" t="1667" r="20118" b="42834"/>
+          <a:stretch/>
+        </p:blipFill>
+        <p:spPr>
+          <a:xfrm>
+            <a:off x="727589" y="2912069"/>
+            <a:ext cx="2008730" cy="982243"/>
+          </a:xfrm>
+          <a:prstGeom prst="rect">
+            <a:avLst/>
+          </a:prstGeom>
+        </p:spPr>
+      </p:pic>
+      <p:pic>
+        <p:nvPicPr>
+          <p:cNvPr id="10" name="Picture 9"/>
+          <p:cNvPicPr>
+            <a:picLocks noChangeAspect="1"/>
+          </p:cNvPicPr>
+          <p:nvPr/>
+        </p:nvPicPr>
+        <p:blipFill rotWithShape="1">
+          <a:blip r:embed="rId8" cstate="print">
+            <a:extLst>
+              <a:ext uri="{28A0092B-C50C-407E-A947-70E740481C1C}">
+                <a14:useLocalDpi xmlns:a14="http://schemas.microsoft.com/office/drawing/2010/main" val="0"/>
+              </a:ext>
+            </a:extLst>
+          </a:blip>
+          <a:srcRect l="15901" t="1667" r="20024" b="42834"/>
+          <a:stretch/>
+        </p:blipFill>
+        <p:spPr>
+          <a:xfrm>
+            <a:off x="2739760" y="2912069"/>
+            <a:ext cx="2017579" cy="982243"/>
+          </a:xfrm>
+          <a:prstGeom prst="rect">
+            <a:avLst/>
+          </a:prstGeom>
+        </p:spPr>
+      </p:pic>
+      <p:pic>
+        <p:nvPicPr>
+          <p:cNvPr id="11" name="Picture 10"/>
+          <p:cNvPicPr>
+            <a:picLocks noChangeAspect="1"/>
+          </p:cNvPicPr>
+          <p:nvPr/>
+        </p:nvPicPr>
+        <p:blipFill rotWithShape="1">
+          <a:blip r:embed="rId9" cstate="print">
+            <a:extLst>
+              <a:ext uri="{28A0092B-C50C-407E-A947-70E740481C1C}">
+                <a14:useLocalDpi xmlns:a14="http://schemas.microsoft.com/office/drawing/2010/main" val="0"/>
+              </a:ext>
+            </a:extLst>
+          </a:blip>
+          <a:srcRect l="15996" t="1500" r="20023" b="42667"/>
+          <a:stretch/>
+        </p:blipFill>
+        <p:spPr>
+          <a:xfrm>
+            <a:off x="4760289" y="2909119"/>
+            <a:ext cx="2014630" cy="988142"/>
+          </a:xfrm>
+          <a:prstGeom prst="rect">
+            <a:avLst/>
+          </a:prstGeom>
+        </p:spPr>
+      </p:pic>
+      <p:pic>
+        <p:nvPicPr>
+          <p:cNvPr id="12" name="Picture 11"/>
+          <p:cNvPicPr>
+            <a:picLocks noChangeAspect="1"/>
+          </p:cNvPicPr>
+          <p:nvPr/>
+        </p:nvPicPr>
+        <p:blipFill rotWithShape="1">
+          <a:blip r:embed="rId10" cstate="print">
+            <a:extLst>
+              <a:ext uri="{28A0092B-C50C-407E-A947-70E740481C1C}">
+                <a14:useLocalDpi xmlns:a14="http://schemas.microsoft.com/office/drawing/2010/main" val="0"/>
+              </a:ext>
+            </a:extLst>
+          </a:blip>
+          <a:srcRect l="16090" t="1834" r="19930" b="42667"/>
+          <a:stretch/>
+        </p:blipFill>
+        <p:spPr>
+          <a:xfrm>
+            <a:off x="6784259" y="2912069"/>
+            <a:ext cx="2014630" cy="982243"/>
+          </a:xfrm>
+          <a:prstGeom prst="rect">
+            <a:avLst/>
+          </a:prstGeom>
+          <a:ln>
+            <a:solidFill>
+              <a:schemeClr val="tx1"/>
+            </a:solidFill>
+          </a:ln>
+        </p:spPr>
+      </p:pic>
+      <p:pic>
+        <p:nvPicPr>
+          <p:cNvPr id="14" name="Picture 13"/>
+          <p:cNvPicPr>
+            <a:picLocks noChangeAspect="1"/>
+          </p:cNvPicPr>
+          <p:nvPr/>
+        </p:nvPicPr>
+        <p:blipFill rotWithShape="1">
+          <a:blip r:embed="rId2" cstate="print">
+            <a:extLst>
+              <a:ext uri="{28A0092B-C50C-407E-A947-70E740481C1C}">
+                <a14:useLocalDpi xmlns:a14="http://schemas.microsoft.com/office/drawing/2010/main" val="0"/>
+              </a:ext>
+            </a:extLst>
+          </a:blip>
+          <a:srcRect l="15996" t="1500" r="19836" b="42000"/>
+          <a:stretch/>
+        </p:blipFill>
+        <p:spPr>
+          <a:xfrm>
+            <a:off x="8798889" y="2903219"/>
+            <a:ext cx="2020529" cy="999941"/>
+          </a:xfrm>
+          <a:prstGeom prst="rect">
+            <a:avLst/>
+          </a:prstGeom>
+        </p:spPr>
+      </p:pic>
+      <p:sp>
+        <p:nvSpPr>
+          <p:cNvPr id="15" name="TextBox 14"/>
+          <p:cNvSpPr txBox="1"/>
+          <p:nvPr/>
+        </p:nvSpPr>
+        <p:spPr>
+          <a:xfrm>
+            <a:off x="1569720" y="1948934"/>
+            <a:ext cx="301686" cy="369332"/>
+          </a:xfrm>
+          <a:prstGeom prst="rect">
+            <a:avLst/>
+          </a:prstGeom>
+          <a:noFill/>
+        </p:spPr>
+        <p:txBody>
+          <a:bodyPr wrap="none" rtlCol="0">
+            <a:spAutoFit/>
+          </a:bodyPr>
+          <a:lstStyle/>
+          <a:p>
+            <a:r>
+              <a:rPr lang="en-AU" dirty="0" smtClean="0"/>
+              <a:t>0</a:t>
+            </a:r>
+            <a:endParaRPr lang="en-AU" dirty="0"/>
+          </a:p>
+        </p:txBody>
+      </p:sp>
+      <p:sp>
+        <p:nvSpPr>
+          <p:cNvPr id="16" name="TextBox 15"/>
+          <p:cNvSpPr txBox="1"/>
+          <p:nvPr/>
+        </p:nvSpPr>
+        <p:spPr>
+          <a:xfrm>
+            <a:off x="3597706" y="1948934"/>
+            <a:ext cx="476412" cy="369332"/>
+          </a:xfrm>
+          <a:prstGeom prst="rect">
+            <a:avLst/>
+          </a:prstGeom>
+          <a:noFill/>
+        </p:spPr>
+        <p:txBody>
+          <a:bodyPr wrap="none" rtlCol="0">
+            <a:spAutoFit/>
+          </a:bodyPr>
+          <a:lstStyle/>
+          <a:p>
+            <a:r>
+              <a:rPr lang="en-AU" dirty="0" smtClean="0"/>
+              <a:t>0.1</a:t>
+            </a:r>
+            <a:endParaRPr lang="en-AU" dirty="0"/>
+          </a:p>
+        </p:txBody>
+      </p:sp>
+      <p:sp>
+        <p:nvSpPr>
+          <p:cNvPr id="17" name="TextBox 16"/>
+          <p:cNvSpPr txBox="1"/>
+          <p:nvPr/>
+        </p:nvSpPr>
+        <p:spPr>
+          <a:xfrm>
+            <a:off x="5529398" y="1948934"/>
+            <a:ext cx="476412" cy="369332"/>
+          </a:xfrm>
+          <a:prstGeom prst="rect">
+            <a:avLst/>
+          </a:prstGeom>
+          <a:noFill/>
+        </p:spPr>
+        <p:txBody>
+          <a:bodyPr wrap="none" rtlCol="0">
+            <a:spAutoFit/>
+          </a:bodyPr>
+          <a:lstStyle/>
+          <a:p>
+            <a:r>
+              <a:rPr lang="en-AU" dirty="0" smtClean="0"/>
+              <a:t>0.2</a:t>
+            </a:r>
+            <a:endParaRPr lang="en-AU" dirty="0"/>
+          </a:p>
+        </p:txBody>
+      </p:sp>
+      <p:sp>
+        <p:nvSpPr>
+          <p:cNvPr id="18" name="TextBox 17"/>
+          <p:cNvSpPr txBox="1"/>
+          <p:nvPr/>
+        </p:nvSpPr>
+        <p:spPr>
+          <a:xfrm>
+            <a:off x="7461090" y="1948934"/>
+            <a:ext cx="476412" cy="369332"/>
+          </a:xfrm>
+          <a:prstGeom prst="rect">
+            <a:avLst/>
+          </a:prstGeom>
+          <a:noFill/>
+        </p:spPr>
+        <p:txBody>
+          <a:bodyPr wrap="none" rtlCol="0">
+            <a:spAutoFit/>
+          </a:bodyPr>
+          <a:lstStyle/>
+          <a:p>
+            <a:r>
+              <a:rPr lang="en-AU" dirty="0" smtClean="0"/>
+              <a:t>0.3</a:t>
+            </a:r>
+            <a:endParaRPr lang="en-AU" dirty="0"/>
+          </a:p>
+        </p:txBody>
+      </p:sp>
+      <p:sp>
+        <p:nvSpPr>
+          <p:cNvPr id="19" name="TextBox 18"/>
+          <p:cNvSpPr txBox="1"/>
+          <p:nvPr/>
+        </p:nvSpPr>
+        <p:spPr>
+          <a:xfrm>
+            <a:off x="9581516" y="1948934"/>
+            <a:ext cx="476412" cy="369332"/>
+          </a:xfrm>
+          <a:prstGeom prst="rect">
+            <a:avLst/>
+          </a:prstGeom>
+          <a:noFill/>
+        </p:spPr>
+        <p:txBody>
+          <a:bodyPr wrap="none" rtlCol="0">
+            <a:spAutoFit/>
+          </a:bodyPr>
+          <a:lstStyle/>
+          <a:p>
+            <a:r>
+              <a:rPr lang="en-AU" dirty="0" smtClean="0"/>
+              <a:t>0.4</a:t>
+            </a:r>
+            <a:endParaRPr lang="en-AU" dirty="0"/>
+          </a:p>
+        </p:txBody>
+      </p:sp>
+      <p:sp>
+        <p:nvSpPr>
+          <p:cNvPr id="20" name="TextBox 19"/>
+          <p:cNvSpPr txBox="1"/>
+          <p:nvPr/>
+        </p:nvSpPr>
+        <p:spPr>
+          <a:xfrm>
+            <a:off x="1569720" y="4036814"/>
+            <a:ext cx="476412" cy="369332"/>
+          </a:xfrm>
+          <a:prstGeom prst="rect">
+            <a:avLst/>
+          </a:prstGeom>
+          <a:noFill/>
+        </p:spPr>
+        <p:txBody>
+          <a:bodyPr wrap="none" rtlCol="0">
+            <a:spAutoFit/>
+          </a:bodyPr>
+          <a:lstStyle/>
+          <a:p>
+            <a:r>
+              <a:rPr lang="en-AU" dirty="0" smtClean="0"/>
+              <a:t>0.5</a:t>
+            </a:r>
+            <a:endParaRPr lang="en-AU" dirty="0"/>
+          </a:p>
+        </p:txBody>
+      </p:sp>
+      <p:sp>
+        <p:nvSpPr>
+          <p:cNvPr id="21" name="TextBox 20"/>
+          <p:cNvSpPr txBox="1"/>
+          <p:nvPr/>
+        </p:nvSpPr>
+        <p:spPr>
+          <a:xfrm>
+            <a:off x="3597706" y="4036814"/>
+            <a:ext cx="476412" cy="369332"/>
+          </a:xfrm>
+          <a:prstGeom prst="rect">
+            <a:avLst/>
+          </a:prstGeom>
+          <a:noFill/>
+        </p:spPr>
+        <p:txBody>
+          <a:bodyPr wrap="none" rtlCol="0">
+            <a:spAutoFit/>
+          </a:bodyPr>
+          <a:lstStyle/>
+          <a:p>
+            <a:r>
+              <a:rPr lang="en-AU" dirty="0" smtClean="0"/>
+              <a:t>0.6</a:t>
+            </a:r>
+            <a:endParaRPr lang="en-AU" dirty="0"/>
+          </a:p>
+        </p:txBody>
+      </p:sp>
+      <p:sp>
+        <p:nvSpPr>
+          <p:cNvPr id="22" name="TextBox 21"/>
+          <p:cNvSpPr txBox="1"/>
+          <p:nvPr/>
+        </p:nvSpPr>
+        <p:spPr>
+          <a:xfrm>
+            <a:off x="5529398" y="4036814"/>
+            <a:ext cx="476412" cy="369332"/>
+          </a:xfrm>
+          <a:prstGeom prst="rect">
+            <a:avLst/>
+          </a:prstGeom>
+          <a:noFill/>
+        </p:spPr>
+        <p:txBody>
+          <a:bodyPr wrap="none" rtlCol="0">
+            <a:spAutoFit/>
+          </a:bodyPr>
+          <a:lstStyle/>
+          <a:p>
+            <a:r>
+              <a:rPr lang="en-AU" dirty="0" smtClean="0"/>
+              <a:t>0.7</a:t>
+            </a:r>
+            <a:endParaRPr lang="en-AU" dirty="0"/>
+          </a:p>
+        </p:txBody>
+      </p:sp>
+      <p:sp>
+        <p:nvSpPr>
+          <p:cNvPr id="23" name="TextBox 22"/>
+          <p:cNvSpPr txBox="1"/>
+          <p:nvPr/>
+        </p:nvSpPr>
+        <p:spPr>
+          <a:xfrm>
+            <a:off x="7461090" y="4036814"/>
+            <a:ext cx="476412" cy="369332"/>
+          </a:xfrm>
+          <a:prstGeom prst="rect">
+            <a:avLst/>
+          </a:prstGeom>
+          <a:noFill/>
+        </p:spPr>
+        <p:txBody>
+          <a:bodyPr wrap="none" rtlCol="0">
+            <a:spAutoFit/>
+          </a:bodyPr>
+          <a:lstStyle/>
+          <a:p>
+            <a:r>
+              <a:rPr lang="en-AU" dirty="0" smtClean="0"/>
+              <a:t>0.8</a:t>
+            </a:r>
+            <a:endParaRPr lang="en-AU" dirty="0"/>
+          </a:p>
+        </p:txBody>
+      </p:sp>
+      <p:sp>
+        <p:nvSpPr>
+          <p:cNvPr id="24" name="TextBox 23"/>
+          <p:cNvSpPr txBox="1"/>
+          <p:nvPr/>
+        </p:nvSpPr>
+        <p:spPr>
+          <a:xfrm>
+            <a:off x="9581516" y="4036814"/>
+            <a:ext cx="476412" cy="369332"/>
+          </a:xfrm>
+          <a:prstGeom prst="rect">
+            <a:avLst/>
+          </a:prstGeom>
+          <a:noFill/>
+        </p:spPr>
+        <p:txBody>
+          <a:bodyPr wrap="none" rtlCol="0">
+            <a:spAutoFit/>
+          </a:bodyPr>
+          <a:lstStyle/>
+          <a:p>
+            <a:r>
+              <a:rPr lang="en-AU" dirty="0" smtClean="0"/>
+              <a:t>0.9</a:t>
+            </a:r>
+            <a:endParaRPr lang="en-AU" dirty="0"/>
+          </a:p>
+        </p:txBody>
+      </p:sp>
+      <p:pic>
+        <p:nvPicPr>
+          <p:cNvPr id="26" name="Picture 25"/>
+          <p:cNvPicPr>
+            <a:picLocks noChangeAspect="1"/>
+          </p:cNvPicPr>
+          <p:nvPr/>
+        </p:nvPicPr>
+        <p:blipFill>
+          <a:blip r:embed="rId11"/>
+          <a:stretch>
+            <a:fillRect/>
+          </a:stretch>
+        </p:blipFill>
+        <p:spPr>
+          <a:xfrm>
+            <a:off x="511866" y="4548648"/>
+            <a:ext cx="3510680" cy="2110143"/>
+          </a:xfrm>
+          <a:prstGeom prst="rect">
+            <a:avLst/>
+          </a:prstGeom>
+        </p:spPr>
+      </p:pic>
+      <p:pic>
+        <p:nvPicPr>
+          <p:cNvPr id="27" name="Picture 26"/>
+          <p:cNvPicPr>
+            <a:picLocks noChangeAspect="1"/>
+          </p:cNvPicPr>
+          <p:nvPr/>
+        </p:nvPicPr>
+        <p:blipFill>
+          <a:blip r:embed="rId12"/>
+          <a:stretch>
+            <a:fillRect/>
+          </a:stretch>
+        </p:blipFill>
+        <p:spPr>
+          <a:xfrm>
+            <a:off x="4245665" y="4550422"/>
+            <a:ext cx="3839155" cy="2307578"/>
+          </a:xfrm>
+          <a:prstGeom prst="rect">
+            <a:avLst/>
+          </a:prstGeom>
+        </p:spPr>
+      </p:pic>
+      <p:sp>
+        <p:nvSpPr>
+          <p:cNvPr id="28" name="TextBox 27"/>
+          <p:cNvSpPr txBox="1"/>
+          <p:nvPr/>
+        </p:nvSpPr>
+        <p:spPr>
+          <a:xfrm>
+            <a:off x="8307939" y="4539799"/>
+            <a:ext cx="3579261" cy="2308324"/>
+          </a:xfrm>
+          <a:prstGeom prst="rect">
+            <a:avLst/>
+          </a:prstGeom>
+          <a:noFill/>
+        </p:spPr>
+        <p:txBody>
+          <a:bodyPr wrap="square" rtlCol="0">
+            <a:spAutoFit/>
+          </a:bodyPr>
+          <a:lstStyle/>
+          <a:p>
+            <a:r>
+              <a:rPr lang="en-AU" dirty="0" smtClean="0"/>
+              <a:t>For a full-size dragon, render factor is</a:t>
+            </a:r>
+          </a:p>
+          <a:p>
+            <a:r>
+              <a:rPr lang="en-AU" dirty="0" smtClean="0"/>
+              <a:t>1.6x i.e. WC = 1.6BC:</a:t>
+            </a:r>
+          </a:p>
+          <a:p>
+            <a:r>
+              <a:rPr lang="en-AU" dirty="0" smtClean="0"/>
+              <a:t>Speed = ~6.4 blocks per cycle</a:t>
+            </a:r>
+          </a:p>
+          <a:p>
+            <a:endParaRPr lang="en-AU" dirty="0"/>
+          </a:p>
+          <a:p>
+            <a:r>
+              <a:rPr lang="en-AU" dirty="0" smtClean="0"/>
+              <a:t>But each paw is only in contact with the ground for ~0.33 of a cycle</a:t>
+            </a:r>
+          </a:p>
+          <a:p>
+            <a:r>
+              <a:rPr lang="en-AU" dirty="0" smtClean="0">
+                <a:sym typeface="Wingdings" panose="05000000000000000000" pitchFamily="2" charset="2"/>
+              </a:rPr>
+              <a:t> May have </a:t>
+            </a:r>
+            <a:r>
+              <a:rPr lang="en-AU" smtClean="0">
+                <a:sym typeface="Wingdings" panose="05000000000000000000" pitchFamily="2" charset="2"/>
+              </a:rPr>
+              <a:t>to tweak it.</a:t>
+            </a:r>
+            <a:endParaRPr lang="en-AU" dirty="0"/>
+          </a:p>
+        </p:txBody>
+      </p:sp>
+    </p:spTree>
+    <p:extLst>
+      <p:ext uri="{BB962C8B-B14F-4D97-AF65-F5344CB8AC3E}">
+        <p14:creationId xmlns:p14="http://schemas.microsoft.com/office/powerpoint/2010/main" val="3989718169"/>
       </p:ext>
     </p:extLst>
   </p:cSld>

--- a/src/main/java/com/TheRPGAdventurer/ROTD/client/model/dragon/190706-DragonMountsDragonModel.pptx
+++ b/src/main/java/com/TheRPGAdventurer/ROTD/client/model/dragon/190706-DragonMountsDragonModel.pptx
@@ -17718,7 +17718,7 @@
         <p:spPr>
           <a:xfrm>
             <a:off x="8307939" y="4539799"/>
-            <a:ext cx="3579261" cy="2308324"/>
+            <a:ext cx="3579261" cy="2862322"/>
           </a:xfrm>
           <a:prstGeom prst="rect">
             <a:avLst/>
@@ -17745,7 +17745,13 @@
           <a:p>
             <a:r>
               <a:rPr lang="en-AU" dirty="0" smtClean="0"/>
-              <a:t>Speed = ~6.4 blocks per cycle</a:t>
+              <a:t>Speed = ~6.4WC blocks per cycle</a:t>
+            </a:r>
+          </a:p>
+          <a:p>
+            <a:r>
+              <a:rPr lang="en-AU" dirty="0" smtClean="0"/>
+              <a:t>= 4.0 BC blocks per cycle</a:t>
             </a:r>
           </a:p>
           <a:p>
@@ -17758,19 +17764,16 @@
             </a:r>
           </a:p>
           <a:p>
+            <a:pPr marL="285750" indent="-285750">
+              <a:buFont typeface="Wingdings" panose="05000000000000000000" pitchFamily="2" charset="2"/>
+              <a:buChar char="à"/>
+            </a:pPr>
             <a:r>
               <a:rPr lang="en-AU" dirty="0" smtClean="0">
                 <a:sym typeface="Wingdings" panose="05000000000000000000" pitchFamily="2" charset="2"/>
               </a:rPr>
-              <a:t> May have </a:t>
-            </a:r>
-            <a:r>
-              <a:rPr lang="en-AU" smtClean="0">
-                <a:sym typeface="Wingdings" panose="05000000000000000000" pitchFamily="2" charset="2"/>
-              </a:rPr>
-              <a:t>to tweak it.</a:t>
-            </a:r>
-            <a:endParaRPr lang="en-AU" dirty="0"/>
+              <a:t>May have to tweak it.  6.8 looks a bit better = about 4.2 BC</a:t>
+            </a:r>
           </a:p>
         </p:txBody>
       </p:sp>
